--- a/t-07-avl-tree/תרגול 7.pptx
+++ b/t-07-avl-tree/תרגול 7.pptx
@@ -5,7 +5,7 @@
     <p:sldMasterId id="2147483648" r:id="rId1"/>
   </p:sldMasterIdLst>
   <p:notesMasterIdLst>
-    <p:notesMasterId r:id="rId22"/>
+    <p:notesMasterId r:id="rId24"/>
   </p:notesMasterIdLst>
   <p:sldIdLst>
     <p:sldId id="257" r:id="rId2"/>
@@ -16,18 +16,20 @@
     <p:sldId id="296" r:id="rId7"/>
     <p:sldId id="297" r:id="rId8"/>
     <p:sldId id="298" r:id="rId9"/>
-    <p:sldId id="299" r:id="rId10"/>
-    <p:sldId id="268" r:id="rId11"/>
-    <p:sldId id="276" r:id="rId12"/>
-    <p:sldId id="300" r:id="rId13"/>
-    <p:sldId id="270" r:id="rId14"/>
-    <p:sldId id="281" r:id="rId15"/>
-    <p:sldId id="288" r:id="rId16"/>
-    <p:sldId id="292" r:id="rId17"/>
-    <p:sldId id="290" r:id="rId18"/>
-    <p:sldId id="291" r:id="rId19"/>
-    <p:sldId id="282" r:id="rId20"/>
-    <p:sldId id="259" r:id="rId21"/>
+    <p:sldId id="268" r:id="rId10"/>
+    <p:sldId id="276" r:id="rId11"/>
+    <p:sldId id="300" r:id="rId12"/>
+    <p:sldId id="270" r:id="rId13"/>
+    <p:sldId id="281" r:id="rId14"/>
+    <p:sldId id="288" r:id="rId15"/>
+    <p:sldId id="292" r:id="rId16"/>
+    <p:sldId id="291" r:id="rId17"/>
+    <p:sldId id="282" r:id="rId18"/>
+    <p:sldId id="301" r:id="rId19"/>
+    <p:sldId id="302" r:id="rId20"/>
+    <p:sldId id="303" r:id="rId21"/>
+    <p:sldId id="304" r:id="rId22"/>
+    <p:sldId id="259" r:id="rId23"/>
   </p:sldIdLst>
   <p:sldSz cx="12192000" cy="6858000"/>
   <p:notesSz cx="6858000" cy="9144000"/>
@@ -216,7 +218,7 @@
           <a:p>
             <a:fld id="{C267593B-B963-47D8-A2A4-BA759CBCEAC5}" type="datetimeFigureOut">
               <a:rPr lang="en-US" smtClean="0"/>
-              <a:t>1/4/2024</a:t>
+              <a:t>3/2/24</a:t>
             </a:fld>
             <a:endParaRPr lang="en-US"/>
           </a:p>
@@ -622,7 +624,7 @@
             <a:spLocks noGrp="1"/>
           </p:cNvSpPr>
           <p:nvPr>
-            <p:ph type="sldNum" sz="quarter" idx="10"/>
+            <p:ph type="sldNum" sz="quarter" idx="5"/>
           </p:nvPr>
         </p:nvSpPr>
         <p:spPr/>
@@ -641,7 +643,7 @@
     </p:spTree>
     <p:extLst>
       <p:ext uri="{BB962C8B-B14F-4D97-AF65-F5344CB8AC3E}">
-        <p14:creationId xmlns:p14="http://schemas.microsoft.com/office/powerpoint/2010/main" val="4103008728"/>
+        <p14:creationId xmlns:p14="http://schemas.microsoft.com/office/powerpoint/2010/main" val="1447300284"/>
       </p:ext>
     </p:extLst>
   </p:cSld>
@@ -725,7 +727,7 @@
     </p:spTree>
     <p:extLst>
       <p:ext uri="{BB962C8B-B14F-4D97-AF65-F5344CB8AC3E}">
-        <p14:creationId xmlns:p14="http://schemas.microsoft.com/office/powerpoint/2010/main" val="1447300284"/>
+        <p14:creationId xmlns:p14="http://schemas.microsoft.com/office/powerpoint/2010/main" val="3623288937"/>
       </p:ext>
     </p:extLst>
   </p:cSld>
@@ -809,7 +811,7 @@
     </p:spTree>
     <p:extLst>
       <p:ext uri="{BB962C8B-B14F-4D97-AF65-F5344CB8AC3E}">
-        <p14:creationId xmlns:p14="http://schemas.microsoft.com/office/powerpoint/2010/main" val="3623288937"/>
+        <p14:creationId xmlns:p14="http://schemas.microsoft.com/office/powerpoint/2010/main" val="3583121541"/>
       </p:ext>
     </p:extLst>
   </p:cSld>
@@ -893,7 +895,7 @@
     </p:spTree>
     <p:extLst>
       <p:ext uri="{BB962C8B-B14F-4D97-AF65-F5344CB8AC3E}">
-        <p14:creationId xmlns:p14="http://schemas.microsoft.com/office/powerpoint/2010/main" val="3583121541"/>
+        <p14:creationId xmlns:p14="http://schemas.microsoft.com/office/powerpoint/2010/main" val="2074426705"/>
       </p:ext>
     </p:extLst>
   </p:cSld>
@@ -977,7 +979,7 @@
     </p:spTree>
     <p:extLst>
       <p:ext uri="{BB962C8B-B14F-4D97-AF65-F5344CB8AC3E}">
-        <p14:creationId xmlns:p14="http://schemas.microsoft.com/office/powerpoint/2010/main" val="2074426705"/>
+        <p14:creationId xmlns:p14="http://schemas.microsoft.com/office/powerpoint/2010/main" val="368529903"/>
       </p:ext>
     </p:extLst>
   </p:cSld>
@@ -1031,6 +1033,7 @@
           <a:bodyPr/>
           <a:lstStyle/>
           <a:p>
+            <a:pPr marL="0" algn="r" defTabSz="914400" rtl="1" eaLnBrk="1" latinLnBrk="0" hangingPunct="1"/>
             <a:endParaRPr lang="en-US" dirty="0"/>
           </a:p>
         </p:txBody>
@@ -1061,7 +1064,7 @@
     </p:spTree>
     <p:extLst>
       <p:ext uri="{BB962C8B-B14F-4D97-AF65-F5344CB8AC3E}">
-        <p14:creationId xmlns:p14="http://schemas.microsoft.com/office/powerpoint/2010/main" val="2665320107"/>
+        <p14:creationId xmlns:p14="http://schemas.microsoft.com/office/powerpoint/2010/main" val="3001911412"/>
       </p:ext>
     </p:extLst>
   </p:cSld>
@@ -1115,6 +1118,7 @@
           <a:bodyPr/>
           <a:lstStyle/>
           <a:p>
+            <a:pPr marL="0" algn="r" defTabSz="914400" rtl="1" eaLnBrk="1" latinLnBrk="0" hangingPunct="1"/>
             <a:endParaRPr lang="en-US" dirty="0"/>
           </a:p>
         </p:txBody>
@@ -1145,7 +1149,7 @@
     </p:spTree>
     <p:extLst>
       <p:ext uri="{BB962C8B-B14F-4D97-AF65-F5344CB8AC3E}">
-        <p14:creationId xmlns:p14="http://schemas.microsoft.com/office/powerpoint/2010/main" val="368529903"/>
+        <p14:creationId xmlns:p14="http://schemas.microsoft.com/office/powerpoint/2010/main" val="3261597769"/>
       </p:ext>
     </p:extLst>
   </p:cSld>
@@ -1199,6 +1203,7 @@
           <a:bodyPr/>
           <a:lstStyle/>
           <a:p>
+            <a:pPr marL="0" algn="r" defTabSz="914400" rtl="1" eaLnBrk="1" latinLnBrk="0" hangingPunct="1"/>
             <a:endParaRPr lang="en-US" dirty="0"/>
           </a:p>
         </p:txBody>
@@ -1229,7 +1234,177 @@
     </p:spTree>
     <p:extLst>
       <p:ext uri="{BB962C8B-B14F-4D97-AF65-F5344CB8AC3E}">
-        <p14:creationId xmlns:p14="http://schemas.microsoft.com/office/powerpoint/2010/main" val="3001911412"/>
+        <p14:creationId xmlns:p14="http://schemas.microsoft.com/office/powerpoint/2010/main" val="4171869350"/>
+      </p:ext>
+    </p:extLst>
+  </p:cSld>
+  <p:clrMapOvr>
+    <a:masterClrMapping/>
+  </p:clrMapOvr>
+</p:notes>
+</file>
+
+<file path=ppt/notesSlides/notesSlide18.xml><?xml version="1.0" encoding="utf-8"?>
+<p:notes xmlns:a="http://schemas.openxmlformats.org/drawingml/2006/main" xmlns:r="http://schemas.openxmlformats.org/officeDocument/2006/relationships" xmlns:p="http://schemas.openxmlformats.org/presentationml/2006/main">
+  <p:cSld>
+    <p:spTree>
+      <p:nvGrpSpPr>
+        <p:cNvPr id="1" name=""/>
+        <p:cNvGrpSpPr/>
+        <p:nvPr/>
+      </p:nvGrpSpPr>
+      <p:grpSpPr>
+        <a:xfrm>
+          <a:off x="0" y="0"/>
+          <a:ext cx="0" cy="0"/>
+          <a:chOff x="0" y="0"/>
+          <a:chExt cx="0" cy="0"/>
+        </a:xfrm>
+      </p:grpSpPr>
+      <p:sp>
+        <p:nvSpPr>
+          <p:cNvPr id="2" name="Slide Image Placeholder 1"/>
+          <p:cNvSpPr>
+            <a:spLocks noGrp="1" noRot="1" noChangeAspect="1"/>
+          </p:cNvSpPr>
+          <p:nvPr>
+            <p:ph type="sldImg"/>
+          </p:nvPr>
+        </p:nvSpPr>
+        <p:spPr/>
+      </p:sp>
+      <p:sp>
+        <p:nvSpPr>
+          <p:cNvPr id="3" name="Notes Placeholder 2"/>
+          <p:cNvSpPr>
+            <a:spLocks noGrp="1"/>
+          </p:cNvSpPr>
+          <p:nvPr>
+            <p:ph type="body" idx="1"/>
+          </p:nvPr>
+        </p:nvSpPr>
+        <p:spPr/>
+        <p:txBody>
+          <a:bodyPr/>
+          <a:lstStyle/>
+          <a:p>
+            <a:pPr marL="0" algn="r" defTabSz="914400" rtl="1" eaLnBrk="1" latinLnBrk="0" hangingPunct="1"/>
+            <a:endParaRPr lang="en-US" dirty="0"/>
+          </a:p>
+        </p:txBody>
+      </p:sp>
+      <p:sp>
+        <p:nvSpPr>
+          <p:cNvPr id="4" name="Slide Number Placeholder 3"/>
+          <p:cNvSpPr>
+            <a:spLocks noGrp="1"/>
+          </p:cNvSpPr>
+          <p:nvPr>
+            <p:ph type="sldNum" sz="quarter" idx="5"/>
+          </p:nvPr>
+        </p:nvSpPr>
+        <p:spPr/>
+        <p:txBody>
+          <a:bodyPr/>
+          <a:lstStyle/>
+          <a:p>
+            <a:fld id="{72391380-8262-4EC7-BAB8-26F58A320275}" type="slidenum">
+              <a:rPr lang="en-US" smtClean="0"/>
+              <a:t>20</a:t>
+            </a:fld>
+            <a:endParaRPr lang="en-US"/>
+          </a:p>
+        </p:txBody>
+      </p:sp>
+    </p:spTree>
+    <p:extLst>
+      <p:ext uri="{BB962C8B-B14F-4D97-AF65-F5344CB8AC3E}">
+        <p14:creationId xmlns:p14="http://schemas.microsoft.com/office/powerpoint/2010/main" val="189497205"/>
+      </p:ext>
+    </p:extLst>
+  </p:cSld>
+  <p:clrMapOvr>
+    <a:masterClrMapping/>
+  </p:clrMapOvr>
+</p:notes>
+</file>
+
+<file path=ppt/notesSlides/notesSlide19.xml><?xml version="1.0" encoding="utf-8"?>
+<p:notes xmlns:a="http://schemas.openxmlformats.org/drawingml/2006/main" xmlns:r="http://schemas.openxmlformats.org/officeDocument/2006/relationships" xmlns:p="http://schemas.openxmlformats.org/presentationml/2006/main">
+  <p:cSld>
+    <p:spTree>
+      <p:nvGrpSpPr>
+        <p:cNvPr id="1" name=""/>
+        <p:cNvGrpSpPr/>
+        <p:nvPr/>
+      </p:nvGrpSpPr>
+      <p:grpSpPr>
+        <a:xfrm>
+          <a:off x="0" y="0"/>
+          <a:ext cx="0" cy="0"/>
+          <a:chOff x="0" y="0"/>
+          <a:chExt cx="0" cy="0"/>
+        </a:xfrm>
+      </p:grpSpPr>
+      <p:sp>
+        <p:nvSpPr>
+          <p:cNvPr id="2" name="Slide Image Placeholder 1"/>
+          <p:cNvSpPr>
+            <a:spLocks noGrp="1" noRot="1" noChangeAspect="1"/>
+          </p:cNvSpPr>
+          <p:nvPr>
+            <p:ph type="sldImg"/>
+          </p:nvPr>
+        </p:nvSpPr>
+        <p:spPr/>
+      </p:sp>
+      <p:sp>
+        <p:nvSpPr>
+          <p:cNvPr id="3" name="Notes Placeholder 2"/>
+          <p:cNvSpPr>
+            <a:spLocks noGrp="1"/>
+          </p:cNvSpPr>
+          <p:nvPr>
+            <p:ph type="body" idx="1"/>
+          </p:nvPr>
+        </p:nvSpPr>
+        <p:spPr/>
+        <p:txBody>
+          <a:bodyPr/>
+          <a:lstStyle/>
+          <a:p>
+            <a:pPr marL="0" algn="r" defTabSz="914400" rtl="1" eaLnBrk="1" latinLnBrk="0" hangingPunct="1"/>
+            <a:endParaRPr lang="en-US" dirty="0"/>
+          </a:p>
+        </p:txBody>
+      </p:sp>
+      <p:sp>
+        <p:nvSpPr>
+          <p:cNvPr id="4" name="Slide Number Placeholder 3"/>
+          <p:cNvSpPr>
+            <a:spLocks noGrp="1"/>
+          </p:cNvSpPr>
+          <p:nvPr>
+            <p:ph type="sldNum" sz="quarter" idx="5"/>
+          </p:nvPr>
+        </p:nvSpPr>
+        <p:spPr/>
+        <p:txBody>
+          <a:bodyPr/>
+          <a:lstStyle/>
+          <a:p>
+            <a:fld id="{72391380-8262-4EC7-BAB8-26F58A320275}" type="slidenum">
+              <a:rPr lang="en-US" smtClean="0"/>
+              <a:t>21</a:t>
+            </a:fld>
+            <a:endParaRPr lang="en-US"/>
+          </a:p>
+        </p:txBody>
+      </p:sp>
+    </p:spTree>
+    <p:extLst>
+      <p:ext uri="{BB962C8B-B14F-4D97-AF65-F5344CB8AC3E}">
+        <p14:creationId xmlns:p14="http://schemas.microsoft.com/office/powerpoint/2010/main" val="1133212925"/>
       </p:ext>
     </p:extLst>
   </p:cSld>
@@ -1808,7 +1983,7 @@
           <a:p>
             <a:fld id="{72391380-8262-4EC7-BAB8-26F58A320275}" type="slidenum">
               <a:rPr lang="en-US" smtClean="0"/>
-              <a:t>9</a:t>
+              <a:t>10</a:t>
             </a:fld>
             <a:endParaRPr lang="en-US"/>
           </a:p>
@@ -1817,7 +1992,7 @@
     </p:spTree>
     <p:extLst>
       <p:ext uri="{BB962C8B-B14F-4D97-AF65-F5344CB8AC3E}">
-        <p14:creationId xmlns:p14="http://schemas.microsoft.com/office/powerpoint/2010/main" val="1455934184"/>
+        <p14:creationId xmlns:p14="http://schemas.microsoft.com/office/powerpoint/2010/main" val="3574302079"/>
       </p:ext>
     </p:extLst>
   </p:cSld>
@@ -1901,7 +2076,7 @@
     </p:spTree>
     <p:extLst>
       <p:ext uri="{BB962C8B-B14F-4D97-AF65-F5344CB8AC3E}">
-        <p14:creationId xmlns:p14="http://schemas.microsoft.com/office/powerpoint/2010/main" val="3574302079"/>
+        <p14:creationId xmlns:p14="http://schemas.microsoft.com/office/powerpoint/2010/main" val="4103008728"/>
       </p:ext>
     </p:extLst>
   </p:cSld>
@@ -2058,7 +2233,7 @@
           <a:p>
             <a:fld id="{9FBD9C55-7868-4FF1-8666-2EC1F88A96B2}" type="datetimeFigureOut">
               <a:rPr lang="he-IL" smtClean="0"/>
-              <a:t>כ"ג/טבת/תשפ"ד</a:t>
+              <a:t>כ"ב.אדר א.תשפ"ד</a:t>
             </a:fld>
             <a:endParaRPr lang="he-IL"/>
           </a:p>
@@ -2256,7 +2431,7 @@
           <a:p>
             <a:fld id="{9FBD9C55-7868-4FF1-8666-2EC1F88A96B2}" type="datetimeFigureOut">
               <a:rPr lang="he-IL" smtClean="0"/>
-              <a:t>כ"ג/טבת/תשפ"ד</a:t>
+              <a:t>כ"ב.אדר א.תשפ"ד</a:t>
             </a:fld>
             <a:endParaRPr lang="he-IL"/>
           </a:p>
@@ -2464,7 +2639,7 @@
           <a:p>
             <a:fld id="{9FBD9C55-7868-4FF1-8666-2EC1F88A96B2}" type="datetimeFigureOut">
               <a:rPr lang="he-IL" smtClean="0"/>
-              <a:t>כ"ג/טבת/תשפ"ד</a:t>
+              <a:t>כ"ב.אדר א.תשפ"ד</a:t>
             </a:fld>
             <a:endParaRPr lang="he-IL"/>
           </a:p>
@@ -2662,7 +2837,7 @@
           <a:p>
             <a:fld id="{9FBD9C55-7868-4FF1-8666-2EC1F88A96B2}" type="datetimeFigureOut">
               <a:rPr lang="he-IL" smtClean="0"/>
-              <a:t>כ"ג/טבת/תשפ"ד</a:t>
+              <a:t>כ"ב.אדר א.תשפ"ד</a:t>
             </a:fld>
             <a:endParaRPr lang="he-IL"/>
           </a:p>
@@ -2937,7 +3112,7 @@
           <a:p>
             <a:fld id="{9FBD9C55-7868-4FF1-8666-2EC1F88A96B2}" type="datetimeFigureOut">
               <a:rPr lang="he-IL" smtClean="0"/>
-              <a:t>כ"ג/טבת/תשפ"ד</a:t>
+              <a:t>כ"ב.אדר א.תשפ"ד</a:t>
             </a:fld>
             <a:endParaRPr lang="he-IL"/>
           </a:p>
@@ -3202,7 +3377,7 @@
           <a:p>
             <a:fld id="{9FBD9C55-7868-4FF1-8666-2EC1F88A96B2}" type="datetimeFigureOut">
               <a:rPr lang="he-IL" smtClean="0"/>
-              <a:t>כ"ג/טבת/תשפ"ד</a:t>
+              <a:t>כ"ב.אדר א.תשפ"ד</a:t>
             </a:fld>
             <a:endParaRPr lang="he-IL"/>
           </a:p>
@@ -3614,7 +3789,7 @@
           <a:p>
             <a:fld id="{9FBD9C55-7868-4FF1-8666-2EC1F88A96B2}" type="datetimeFigureOut">
               <a:rPr lang="he-IL" smtClean="0"/>
-              <a:t>כ"ג/טבת/תשפ"ד</a:t>
+              <a:t>כ"ב.אדר א.תשפ"ד</a:t>
             </a:fld>
             <a:endParaRPr lang="he-IL"/>
           </a:p>
@@ -3755,7 +3930,7 @@
           <a:p>
             <a:fld id="{9FBD9C55-7868-4FF1-8666-2EC1F88A96B2}" type="datetimeFigureOut">
               <a:rPr lang="he-IL" smtClean="0"/>
-              <a:t>כ"ג/טבת/תשפ"ד</a:t>
+              <a:t>כ"ב.אדר א.תשפ"ד</a:t>
             </a:fld>
             <a:endParaRPr lang="he-IL"/>
           </a:p>
@@ -3868,7 +4043,7 @@
           <a:p>
             <a:fld id="{9FBD9C55-7868-4FF1-8666-2EC1F88A96B2}" type="datetimeFigureOut">
               <a:rPr lang="he-IL" smtClean="0"/>
-              <a:t>כ"ג/טבת/תשפ"ד</a:t>
+              <a:t>כ"ב.אדר א.תשפ"ד</a:t>
             </a:fld>
             <a:endParaRPr lang="he-IL"/>
           </a:p>
@@ -4179,7 +4354,7 @@
           <a:p>
             <a:fld id="{9FBD9C55-7868-4FF1-8666-2EC1F88A96B2}" type="datetimeFigureOut">
               <a:rPr lang="he-IL" smtClean="0"/>
-              <a:t>כ"ג/טבת/תשפ"ד</a:t>
+              <a:t>כ"ב.אדר א.תשפ"ד</a:t>
             </a:fld>
             <a:endParaRPr lang="he-IL"/>
           </a:p>
@@ -4467,7 +4642,7 @@
           <a:p>
             <a:fld id="{9FBD9C55-7868-4FF1-8666-2EC1F88A96B2}" type="datetimeFigureOut">
               <a:rPr lang="he-IL" smtClean="0"/>
-              <a:t>כ"ג/טבת/תשפ"ד</a:t>
+              <a:t>כ"ב.אדר א.תשפ"ד</a:t>
             </a:fld>
             <a:endParaRPr lang="he-IL"/>
           </a:p>
@@ -4708,7 +4883,7 @@
           <a:p>
             <a:fld id="{9FBD9C55-7868-4FF1-8666-2EC1F88A96B2}" type="datetimeFigureOut">
               <a:rPr lang="he-IL" smtClean="0"/>
-              <a:t>כ"ג/טבת/תשפ"ד</a:t>
+              <a:t>כ"ב.אדר א.תשפ"ד</a:t>
             </a:fld>
             <a:endParaRPr lang="he-IL"/>
           </a:p>
@@ -5169,7 +5344,7 @@
           <a:p>
             <a:pPr algn="ctr" rtl="0"/>
             <a:r>
-              <a:rPr lang="en-US" sz="3600" dirty="0" smtClean="0">
+              <a:rPr lang="en-US" sz="3600" dirty="0">
                 <a:solidFill>
                   <a:schemeClr val="bg1"/>
                 </a:solidFill>
@@ -5198,12 +5373,12 @@
 </file>
 
 <file path=ppt/slides/slide10.xml><?xml version="1.0" encoding="utf-8"?>
-<p:sld xmlns:a="http://schemas.openxmlformats.org/drawingml/2006/main" xmlns:r="http://schemas.openxmlformats.org/officeDocument/2006/relationships" xmlns:p="http://schemas.openxmlformats.org/presentationml/2006/main">
+<p:sld xmlns:a="http://schemas.openxmlformats.org/drawingml/2006/main" xmlns:r="http://schemas.openxmlformats.org/officeDocument/2006/relationships" xmlns:p="http://schemas.openxmlformats.org/presentationml/2006/main" show="0">
   <p:cSld>
     <p:bg>
       <p:bgPr>
         <a:blipFill dpi="0" rotWithShape="1">
-          <a:blip r:embed="rId2">
+          <a:blip r:embed="rId3">
             <a:lum/>
           </a:blip>
           <a:srcRect/>
@@ -5244,8 +5419,8 @@
         </p:nvSpPr>
         <p:spPr bwMode="auto">
           <a:xfrm>
-            <a:off x="2304288" y="499016"/>
-            <a:ext cx="8125121" cy="1139825"/>
+            <a:off x="7327392" y="543528"/>
+            <a:ext cx="3870418" cy="1139825"/>
           </a:xfrm>
           <a:prstGeom prst="rect">
             <a:avLst/>
@@ -5429,7 +5604,7 @@
             </a:lvl9pPr>
           </a:lstStyle>
           <a:p>
-            <a:pPr algn="r" eaLnBrk="1" hangingPunct="1"/>
+            <a:pPr algn="ctr" eaLnBrk="1" hangingPunct="1"/>
             <a:r>
               <a:rPr lang="en-US" altLang="he-IL" sz="3200" u="sng" dirty="0">
                 <a:solidFill>
@@ -5441,7 +5616,23 @@
                 <a:ea typeface="Calibri" panose="020F0502020204030204" pitchFamily="34" charset="0"/>
                 <a:cs typeface="+mn-cs"/>
               </a:rPr>
-              <a:t>Time complexities of different data structures</a:t>
+              <a:t>Time Complexities of </a:t>
+            </a:r>
+          </a:p>
+          <a:p>
+            <a:pPr algn="ctr" eaLnBrk="1" hangingPunct="1"/>
+            <a:r>
+              <a:rPr lang="en-US" altLang="he-IL" sz="3200" u="sng" dirty="0">
+                <a:solidFill>
+                  <a:schemeClr val="accent6">
+                    <a:lumMod val="50000"/>
+                  </a:schemeClr>
+                </a:solidFill>
+                <a:latin typeface="Calibri" panose="020F0502020204030204" pitchFamily="34" charset="0"/>
+                <a:ea typeface="Calibri" panose="020F0502020204030204" pitchFamily="34" charset="0"/>
+                <a:cs typeface="+mn-cs"/>
+              </a:rPr>
+              <a:t>all Sorting Algorithms</a:t>
             </a:r>
           </a:p>
         </p:txBody>
@@ -5687,121 +5878,7 @@
       </p:sp>
       <p:pic>
         <p:nvPicPr>
-          <p:cNvPr id="8" name="Picture 7" descr="A black table with white text&#10;&#10;Description automatically generated">
-            <a:extLst>
-              <a:ext uri="{FF2B5EF4-FFF2-40B4-BE49-F238E27FC236}">
-                <a16:creationId xmlns:a16="http://schemas.microsoft.com/office/drawing/2014/main" id="{CC89351B-9CB4-ED5F-7585-728E3F7F6A0C}"/>
-              </a:ext>
-            </a:extLst>
-          </p:cNvPr>
-          <p:cNvPicPr>
-            <a:picLocks noChangeAspect="1"/>
-          </p:cNvPicPr>
-          <p:nvPr/>
-        </p:nvPicPr>
-        <p:blipFill>
-          <a:blip r:embed="rId3">
-            <a:extLst>
-              <a:ext uri="{28A0092B-C50C-407E-A947-70E740481C1C}">
-                <a14:useLocalDpi xmlns:a14="http://schemas.microsoft.com/office/drawing/2010/main" val="0"/>
-              </a:ext>
-            </a:extLst>
-          </a:blip>
-          <a:stretch>
-            <a:fillRect/>
-          </a:stretch>
-        </p:blipFill>
-        <p:spPr>
-          <a:xfrm>
-            <a:off x="833887" y="2128879"/>
-            <a:ext cx="3186834" cy="3759557"/>
-          </a:xfrm>
-          <a:prstGeom prst="rect">
-            <a:avLst/>
-          </a:prstGeom>
-        </p:spPr>
-      </p:pic>
-      <p:sp>
-        <p:nvSpPr>
-          <p:cNvPr id="10" name="TextBox 9">
-            <a:extLst>
-              <a:ext uri="{FF2B5EF4-FFF2-40B4-BE49-F238E27FC236}">
-                <a16:creationId xmlns:a16="http://schemas.microsoft.com/office/drawing/2014/main" id="{963F2D58-10F5-2AA3-3051-92402AD4789E}"/>
-              </a:ext>
-            </a:extLst>
-          </p:cNvPr>
-          <p:cNvSpPr txBox="1"/>
-          <p:nvPr/>
-        </p:nvSpPr>
-        <p:spPr>
-          <a:xfrm>
-            <a:off x="705981" y="1422393"/>
-            <a:ext cx="3186834" cy="523220"/>
-          </a:xfrm>
-          <a:prstGeom prst="rect">
-            <a:avLst/>
-          </a:prstGeom>
-          <a:noFill/>
-        </p:spPr>
-        <p:txBody>
-          <a:bodyPr wrap="square">
-            <a:spAutoFit/>
-          </a:bodyPr>
-          <a:lstStyle/>
-          <a:p>
-            <a:pPr algn="ctr" rtl="0"/>
-            <a:r>
-              <a:rPr lang="en-US" sz="1400" dirty="0"/>
-              <a:t> Best case time complexity of different data structures for different operations </a:t>
-            </a:r>
-          </a:p>
-        </p:txBody>
-      </p:sp>
-      <p:sp>
-        <p:nvSpPr>
-          <p:cNvPr id="14" name="TextBox 13">
-            <a:extLst>
-              <a:ext uri="{FF2B5EF4-FFF2-40B4-BE49-F238E27FC236}">
-                <a16:creationId xmlns:a16="http://schemas.microsoft.com/office/drawing/2014/main" id="{EECE16AB-2930-EB37-0A0E-432CF538148F}"/>
-              </a:ext>
-            </a:extLst>
-          </p:cNvPr>
-          <p:cNvSpPr txBox="1"/>
-          <p:nvPr/>
-        </p:nvSpPr>
-        <p:spPr>
-          <a:xfrm>
-            <a:off x="4587055" y="1439084"/>
-            <a:ext cx="3186834" cy="523220"/>
-          </a:xfrm>
-          <a:prstGeom prst="rect">
-            <a:avLst/>
-          </a:prstGeom>
-          <a:noFill/>
-        </p:spPr>
-        <p:txBody>
-          <a:bodyPr wrap="square">
-            <a:spAutoFit/>
-          </a:bodyPr>
-          <a:lstStyle/>
-          <a:p>
-            <a:pPr algn="l" rtl="0"/>
-            <a:r>
-              <a:rPr lang="en-US" sz="1400" dirty="0"/>
-              <a:t>Worst Case time complexity of different data structures for different operations</a:t>
-            </a:r>
-          </a:p>
-        </p:txBody>
-      </p:sp>
-      <p:pic>
-        <p:nvPicPr>
-          <p:cNvPr id="16" name="Picture 15" descr="A black and white grid with white text&#10;&#10;Description automatically generated">
-            <a:extLst>
-              <a:ext uri="{FF2B5EF4-FFF2-40B4-BE49-F238E27FC236}">
-                <a16:creationId xmlns:a16="http://schemas.microsoft.com/office/drawing/2014/main" id="{9067D54D-E3DE-5C06-8DD4-43DB963FE85E}"/>
-              </a:ext>
-            </a:extLst>
-          </p:cNvPr>
+          <p:cNvPr id="11" name="Picture 10"/>
           <p:cNvPicPr>
             <a:picLocks noChangeAspect="1"/>
           </p:cNvPicPr>
@@ -5821,80 +5898,8 @@
         </p:blipFill>
         <p:spPr>
           <a:xfrm>
-            <a:off x="4560962" y="2138532"/>
-            <a:ext cx="3204299" cy="3759557"/>
-          </a:xfrm>
-          <a:prstGeom prst="rect">
-            <a:avLst/>
-          </a:prstGeom>
-        </p:spPr>
-      </p:pic>
-      <p:sp>
-        <p:nvSpPr>
-          <p:cNvPr id="18" name="TextBox 17">
-            <a:extLst>
-              <a:ext uri="{FF2B5EF4-FFF2-40B4-BE49-F238E27FC236}">
-                <a16:creationId xmlns:a16="http://schemas.microsoft.com/office/drawing/2014/main" id="{D11913FD-FEF4-CA38-C0B9-555DBBA1DA76}"/>
-              </a:ext>
-            </a:extLst>
-          </p:cNvPr>
-          <p:cNvSpPr txBox="1"/>
-          <p:nvPr/>
-        </p:nvSpPr>
-        <p:spPr>
-          <a:xfrm>
-            <a:off x="8194730" y="1439084"/>
-            <a:ext cx="3204299" cy="523220"/>
-          </a:xfrm>
-          <a:prstGeom prst="rect">
-            <a:avLst/>
-          </a:prstGeom>
-          <a:noFill/>
-        </p:spPr>
-        <p:txBody>
-          <a:bodyPr wrap="square">
-            <a:spAutoFit/>
-          </a:bodyPr>
-          <a:lstStyle/>
-          <a:p>
-            <a:pPr algn="ctr"/>
-            <a:r>
-              <a:rPr lang="en-US" sz="1400" dirty="0"/>
-              <a:t>The average time complexity of different data structures for different operations</a:t>
-            </a:r>
-          </a:p>
-        </p:txBody>
-      </p:sp>
-      <p:pic>
-        <p:nvPicPr>
-          <p:cNvPr id="20" name="Picture 19" descr="A black and white table with white text&#10;&#10;Description automatically generated">
-            <a:extLst>
-              <a:ext uri="{FF2B5EF4-FFF2-40B4-BE49-F238E27FC236}">
-                <a16:creationId xmlns:a16="http://schemas.microsoft.com/office/drawing/2014/main" id="{A372FDDC-95FA-B518-6D34-DDA5210565F4}"/>
-              </a:ext>
-            </a:extLst>
-          </p:cNvPr>
-          <p:cNvPicPr>
-            <a:picLocks noChangeAspect="1"/>
-          </p:cNvPicPr>
-          <p:nvPr/>
-        </p:nvPicPr>
-        <p:blipFill>
-          <a:blip r:embed="rId5">
-            <a:extLst>
-              <a:ext uri="{28A0092B-C50C-407E-A947-70E740481C1C}">
-                <a14:useLocalDpi xmlns:a14="http://schemas.microsoft.com/office/drawing/2010/main" val="0"/>
-              </a:ext>
-            </a:extLst>
-          </a:blip>
-          <a:stretch>
-            <a:fillRect/>
-          </a:stretch>
-        </p:blipFill>
-        <p:spPr>
-          <a:xfrm>
-            <a:off x="8252435" y="2118072"/>
-            <a:ext cx="3146594" cy="3739097"/>
+            <a:off x="2382464" y="244413"/>
+            <a:ext cx="4274367" cy="5805256"/>
           </a:xfrm>
           <a:prstGeom prst="rect">
             <a:avLst/>
@@ -5904,20 +5909,13 @@
     </p:spTree>
     <p:extLst>
       <p:ext uri="{BB962C8B-B14F-4D97-AF65-F5344CB8AC3E}">
-        <p14:creationId xmlns:p14="http://schemas.microsoft.com/office/powerpoint/2010/main" val="3952466834"/>
+        <p14:creationId xmlns:p14="http://schemas.microsoft.com/office/powerpoint/2010/main" val="3547323872"/>
       </p:ext>
     </p:extLst>
   </p:cSld>
   <p:clrMapOvr>
     <a:masterClrMapping/>
   </p:clrMapOvr>
-  <p:timing>
-    <p:tnLst>
-      <p:par>
-        <p:cTn id="1" dur="indefinite" restart="never" nodeType="tmRoot"/>
-      </p:par>
-    </p:tnLst>
-  </p:timing>
 </p:sld>
 </file>
 
@@ -5954,560 +5952,6 @@
       </p:grpSpPr>
       <p:sp>
         <p:nvSpPr>
-          <p:cNvPr id="3" name="Rectangle 3">
-            <a:extLst>
-              <a:ext uri="{FF2B5EF4-FFF2-40B4-BE49-F238E27FC236}">
-                <a16:creationId xmlns:a16="http://schemas.microsoft.com/office/drawing/2014/main" id="{5BEB75EE-0B9B-1391-1B55-ADB142E9C6DB}"/>
-              </a:ext>
-            </a:extLst>
-          </p:cNvPr>
-          <p:cNvSpPr>
-            <a:spLocks noGrp="1" noChangeArrowheads="1"/>
-          </p:cNvSpPr>
-          <p:nvPr/>
-        </p:nvSpPr>
-        <p:spPr bwMode="auto">
-          <a:xfrm>
-            <a:off x="7327392" y="543528"/>
-            <a:ext cx="3870418" cy="1139825"/>
-          </a:xfrm>
-          <a:prstGeom prst="rect">
-            <a:avLst/>
-          </a:prstGeom>
-          <a:noFill/>
-          <a:ln>
-            <a:noFill/>
-          </a:ln>
-          <a:effectLst/>
-          <a:extLst>
-            <a:ext uri="{909E8E84-426E-40DD-AFC4-6F175D3DCCD1}">
-              <a14:hiddenFill xmlns:a14="http://schemas.microsoft.com/office/drawing/2010/main">
-                <a:solidFill>
-                  <a:schemeClr val="accent1"/>
-                </a:solidFill>
-              </a14:hiddenFill>
-            </a:ext>
-            <a:ext uri="{91240B29-F687-4F45-9708-019B960494DF}">
-              <a14:hiddenLine xmlns:a14="http://schemas.microsoft.com/office/drawing/2010/main" w="9525">
-                <a:solidFill>
-                  <a:schemeClr val="tx1"/>
-                </a:solidFill>
-                <a:miter lim="800000"/>
-                <a:headEnd/>
-                <a:tailEnd/>
-              </a14:hiddenLine>
-            </a:ext>
-            <a:ext uri="{AF507438-7753-43E0-B8FC-AC1667EBCBE1}">
-              <a14:hiddenEffects xmlns:a14="http://schemas.microsoft.com/office/drawing/2010/main">
-                <a:effectLst>
-                  <a:outerShdw dist="35921" dir="2700000" algn="ctr" rotWithShape="0">
-                    <a:schemeClr val="bg2"/>
-                  </a:outerShdw>
-                </a:effectLst>
-              </a14:hiddenEffects>
-            </a:ext>
-          </a:extLst>
-        </p:spPr>
-        <p:txBody>
-          <a:bodyPr vert="horz" wrap="square" lIns="91440" tIns="45720" rIns="91440" bIns="45720" numCol="1" anchor="t" anchorCtr="0" compatLnSpc="1">
-            <a:prstTxWarp prst="textNoShape">
-              <a:avLst/>
-            </a:prstTxWarp>
-          </a:bodyPr>
-          <a:lstStyle>
-            <a:lvl1pPr algn="l" rtl="1" eaLnBrk="0" fontAlgn="base" hangingPunct="0">
-              <a:spcBef>
-                <a:spcPct val="0"/>
-              </a:spcBef>
-              <a:spcAft>
-                <a:spcPct val="0"/>
-              </a:spcAft>
-              <a:defRPr sz="4200">
-                <a:solidFill>
-                  <a:schemeClr val="tx2"/>
-                </a:solidFill>
-                <a:latin typeface="+mj-lt"/>
-                <a:ea typeface="+mj-ea"/>
-                <a:cs typeface="+mj-cs"/>
-              </a:defRPr>
-            </a:lvl1pPr>
-            <a:lvl2pPr algn="l" rtl="1" eaLnBrk="0" fontAlgn="base" hangingPunct="0">
-              <a:spcBef>
-                <a:spcPct val="0"/>
-              </a:spcBef>
-              <a:spcAft>
-                <a:spcPct val="0"/>
-              </a:spcAft>
-              <a:defRPr sz="4200">
-                <a:solidFill>
-                  <a:schemeClr val="tx2"/>
-                </a:solidFill>
-                <a:latin typeface="Garamond" pitchFamily="18" charset="0"/>
-                <a:cs typeface="Arial" pitchFamily="34" charset="0"/>
-              </a:defRPr>
-            </a:lvl2pPr>
-            <a:lvl3pPr algn="l" rtl="1" eaLnBrk="0" fontAlgn="base" hangingPunct="0">
-              <a:spcBef>
-                <a:spcPct val="0"/>
-              </a:spcBef>
-              <a:spcAft>
-                <a:spcPct val="0"/>
-              </a:spcAft>
-              <a:defRPr sz="4200">
-                <a:solidFill>
-                  <a:schemeClr val="tx2"/>
-                </a:solidFill>
-                <a:latin typeface="Garamond" pitchFamily="18" charset="0"/>
-                <a:cs typeface="Arial" pitchFamily="34" charset="0"/>
-              </a:defRPr>
-            </a:lvl3pPr>
-            <a:lvl4pPr algn="l" rtl="1" eaLnBrk="0" fontAlgn="base" hangingPunct="0">
-              <a:spcBef>
-                <a:spcPct val="0"/>
-              </a:spcBef>
-              <a:spcAft>
-                <a:spcPct val="0"/>
-              </a:spcAft>
-              <a:defRPr sz="4200">
-                <a:solidFill>
-                  <a:schemeClr val="tx2"/>
-                </a:solidFill>
-                <a:latin typeface="Garamond" pitchFamily="18" charset="0"/>
-                <a:cs typeface="Arial" pitchFamily="34" charset="0"/>
-              </a:defRPr>
-            </a:lvl4pPr>
-            <a:lvl5pPr algn="l" rtl="1" eaLnBrk="0" fontAlgn="base" hangingPunct="0">
-              <a:spcBef>
-                <a:spcPct val="0"/>
-              </a:spcBef>
-              <a:spcAft>
-                <a:spcPct val="0"/>
-              </a:spcAft>
-              <a:defRPr sz="4200">
-                <a:solidFill>
-                  <a:schemeClr val="tx2"/>
-                </a:solidFill>
-                <a:latin typeface="Garamond" pitchFamily="18" charset="0"/>
-                <a:cs typeface="Arial" pitchFamily="34" charset="0"/>
-              </a:defRPr>
-            </a:lvl5pPr>
-            <a:lvl6pPr marL="457200" algn="l" rtl="1" fontAlgn="base">
-              <a:spcBef>
-                <a:spcPct val="0"/>
-              </a:spcBef>
-              <a:spcAft>
-                <a:spcPct val="0"/>
-              </a:spcAft>
-              <a:defRPr sz="4200">
-                <a:solidFill>
-                  <a:schemeClr val="tx2"/>
-                </a:solidFill>
-                <a:latin typeface="Garamond" pitchFamily="18" charset="0"/>
-                <a:cs typeface="Arial" pitchFamily="34" charset="0"/>
-              </a:defRPr>
-            </a:lvl6pPr>
-            <a:lvl7pPr marL="914400" algn="l" rtl="1" fontAlgn="base">
-              <a:spcBef>
-                <a:spcPct val="0"/>
-              </a:spcBef>
-              <a:spcAft>
-                <a:spcPct val="0"/>
-              </a:spcAft>
-              <a:defRPr sz="4200">
-                <a:solidFill>
-                  <a:schemeClr val="tx2"/>
-                </a:solidFill>
-                <a:latin typeface="Garamond" pitchFamily="18" charset="0"/>
-                <a:cs typeface="Arial" pitchFamily="34" charset="0"/>
-              </a:defRPr>
-            </a:lvl7pPr>
-            <a:lvl8pPr marL="1371600" algn="l" rtl="1" fontAlgn="base">
-              <a:spcBef>
-                <a:spcPct val="0"/>
-              </a:spcBef>
-              <a:spcAft>
-                <a:spcPct val="0"/>
-              </a:spcAft>
-              <a:defRPr sz="4200">
-                <a:solidFill>
-                  <a:schemeClr val="tx2"/>
-                </a:solidFill>
-                <a:latin typeface="Garamond" pitchFamily="18" charset="0"/>
-                <a:cs typeface="Arial" pitchFamily="34" charset="0"/>
-              </a:defRPr>
-            </a:lvl8pPr>
-            <a:lvl9pPr marL="1828800" algn="l" rtl="1" fontAlgn="base">
-              <a:spcBef>
-                <a:spcPct val="0"/>
-              </a:spcBef>
-              <a:spcAft>
-                <a:spcPct val="0"/>
-              </a:spcAft>
-              <a:defRPr sz="4200">
-                <a:solidFill>
-                  <a:schemeClr val="tx2"/>
-                </a:solidFill>
-                <a:latin typeface="Garamond" pitchFamily="18" charset="0"/>
-                <a:cs typeface="Arial" pitchFamily="34" charset="0"/>
-              </a:defRPr>
-            </a:lvl9pPr>
-          </a:lstStyle>
-          <a:p>
-            <a:pPr algn="ctr" eaLnBrk="1" hangingPunct="1"/>
-            <a:r>
-              <a:rPr lang="en-US" altLang="he-IL" sz="3200" u="sng" dirty="0">
-                <a:solidFill>
-                  <a:schemeClr val="accent6">
-                    <a:lumMod val="50000"/>
-                  </a:schemeClr>
-                </a:solidFill>
-                <a:latin typeface="Calibri" panose="020F0502020204030204" pitchFamily="34" charset="0"/>
-                <a:ea typeface="Calibri" panose="020F0502020204030204" pitchFamily="34" charset="0"/>
-                <a:cs typeface="+mn-cs"/>
-              </a:rPr>
-              <a:t>Time Complexities of </a:t>
-            </a:r>
-          </a:p>
-          <a:p>
-            <a:pPr algn="ctr" eaLnBrk="1" hangingPunct="1"/>
-            <a:r>
-              <a:rPr lang="en-US" altLang="he-IL" sz="3200" u="sng" dirty="0">
-                <a:solidFill>
-                  <a:schemeClr val="accent6">
-                    <a:lumMod val="50000"/>
-                  </a:schemeClr>
-                </a:solidFill>
-                <a:latin typeface="Calibri" panose="020F0502020204030204" pitchFamily="34" charset="0"/>
-                <a:ea typeface="Calibri" panose="020F0502020204030204" pitchFamily="34" charset="0"/>
-                <a:cs typeface="+mn-cs"/>
-              </a:rPr>
-              <a:t>all Sorting Algorithms</a:t>
-            </a:r>
-          </a:p>
-        </p:txBody>
-      </p:sp>
-      <p:sp>
-        <p:nvSpPr>
-          <p:cNvPr id="4" name="Rectangle 4">
-            <a:extLst>
-              <a:ext uri="{FF2B5EF4-FFF2-40B4-BE49-F238E27FC236}">
-                <a16:creationId xmlns:a16="http://schemas.microsoft.com/office/drawing/2014/main" id="{3FA352FF-5D78-3670-CDFA-7CF68B7F8904}"/>
-              </a:ext>
-            </a:extLst>
-          </p:cNvPr>
-          <p:cNvSpPr>
-            <a:spLocks noChangeArrowheads="1"/>
-          </p:cNvSpPr>
-          <p:nvPr/>
-        </p:nvSpPr>
-        <p:spPr bwMode="auto">
-          <a:xfrm>
-            <a:off x="1904206" y="1262856"/>
-            <a:ext cx="8229600" cy="5005388"/>
-          </a:xfrm>
-          <a:prstGeom prst="rect">
-            <a:avLst/>
-          </a:prstGeom>
-          <a:noFill/>
-          <a:ln>
-            <a:noFill/>
-          </a:ln>
-          <a:effectLst/>
-          <a:extLst>
-            <a:ext uri="{909E8E84-426E-40DD-AFC4-6F175D3DCCD1}">
-              <a14:hiddenFill xmlns:a14="http://schemas.microsoft.com/office/drawing/2010/main">
-                <a:solidFill>
-                  <a:schemeClr val="accent1"/>
-                </a:solidFill>
-              </a14:hiddenFill>
-            </a:ext>
-            <a:ext uri="{91240B29-F687-4F45-9708-019B960494DF}">
-              <a14:hiddenLine xmlns:a14="http://schemas.microsoft.com/office/drawing/2010/main" w="9525">
-                <a:solidFill>
-                  <a:schemeClr val="tx1"/>
-                </a:solidFill>
-                <a:miter lim="800000"/>
-                <a:headEnd/>
-                <a:tailEnd/>
-              </a14:hiddenLine>
-            </a:ext>
-            <a:ext uri="{AF507438-7753-43E0-B8FC-AC1667EBCBE1}">
-              <a14:hiddenEffects xmlns:a14="http://schemas.microsoft.com/office/drawing/2010/main">
-                <a:effectLst>
-                  <a:outerShdw dist="35921" dir="2700000" algn="ctr" rotWithShape="0">
-                    <a:schemeClr val="bg2"/>
-                  </a:outerShdw>
-                </a:effectLst>
-              </a14:hiddenEffects>
-            </a:ext>
-          </a:extLst>
-        </p:spPr>
-        <p:txBody>
-          <a:bodyPr/>
-          <a:lstStyle>
-            <a:defPPr>
-              <a:defRPr lang="he-IL"/>
-            </a:defPPr>
-            <a:lvl1pPr algn="r" rtl="1" fontAlgn="base">
-              <a:spcBef>
-                <a:spcPct val="0"/>
-              </a:spcBef>
-              <a:spcAft>
-                <a:spcPct val="0"/>
-              </a:spcAft>
-              <a:defRPr kern="1200" baseline="30000">
-                <a:solidFill>
-                  <a:schemeClr val="tx1"/>
-                </a:solidFill>
-                <a:latin typeface="Arial" panose="020B0604020202020204" pitchFamily="34" charset="0"/>
-                <a:ea typeface="+mn-ea"/>
-                <a:cs typeface="Arial" panose="020B0604020202020204" pitchFamily="34" charset="0"/>
-              </a:defRPr>
-            </a:lvl1pPr>
-            <a:lvl2pPr marL="457200" algn="r" rtl="1" fontAlgn="base">
-              <a:spcBef>
-                <a:spcPct val="0"/>
-              </a:spcBef>
-              <a:spcAft>
-                <a:spcPct val="0"/>
-              </a:spcAft>
-              <a:defRPr kern="1200" baseline="30000">
-                <a:solidFill>
-                  <a:schemeClr val="tx1"/>
-                </a:solidFill>
-                <a:latin typeface="Arial" panose="020B0604020202020204" pitchFamily="34" charset="0"/>
-                <a:ea typeface="+mn-ea"/>
-                <a:cs typeface="Arial" panose="020B0604020202020204" pitchFamily="34" charset="0"/>
-              </a:defRPr>
-            </a:lvl2pPr>
-            <a:lvl3pPr marL="914400" algn="r" rtl="1" fontAlgn="base">
-              <a:spcBef>
-                <a:spcPct val="0"/>
-              </a:spcBef>
-              <a:spcAft>
-                <a:spcPct val="0"/>
-              </a:spcAft>
-              <a:defRPr kern="1200" baseline="30000">
-                <a:solidFill>
-                  <a:schemeClr val="tx1"/>
-                </a:solidFill>
-                <a:latin typeface="Arial" panose="020B0604020202020204" pitchFamily="34" charset="0"/>
-                <a:ea typeface="+mn-ea"/>
-                <a:cs typeface="Arial" panose="020B0604020202020204" pitchFamily="34" charset="0"/>
-              </a:defRPr>
-            </a:lvl3pPr>
-            <a:lvl4pPr marL="1371600" algn="r" rtl="1" fontAlgn="base">
-              <a:spcBef>
-                <a:spcPct val="0"/>
-              </a:spcBef>
-              <a:spcAft>
-                <a:spcPct val="0"/>
-              </a:spcAft>
-              <a:defRPr kern="1200" baseline="30000">
-                <a:solidFill>
-                  <a:schemeClr val="tx1"/>
-                </a:solidFill>
-                <a:latin typeface="Arial" panose="020B0604020202020204" pitchFamily="34" charset="0"/>
-                <a:ea typeface="+mn-ea"/>
-                <a:cs typeface="Arial" panose="020B0604020202020204" pitchFamily="34" charset="0"/>
-              </a:defRPr>
-            </a:lvl4pPr>
-            <a:lvl5pPr marL="1828800" algn="r" rtl="1" fontAlgn="base">
-              <a:spcBef>
-                <a:spcPct val="0"/>
-              </a:spcBef>
-              <a:spcAft>
-                <a:spcPct val="0"/>
-              </a:spcAft>
-              <a:defRPr kern="1200" baseline="30000">
-                <a:solidFill>
-                  <a:schemeClr val="tx1"/>
-                </a:solidFill>
-                <a:latin typeface="Arial" panose="020B0604020202020204" pitchFamily="34" charset="0"/>
-                <a:ea typeface="+mn-ea"/>
-                <a:cs typeface="Arial" panose="020B0604020202020204" pitchFamily="34" charset="0"/>
-              </a:defRPr>
-            </a:lvl5pPr>
-            <a:lvl6pPr marL="2286000" algn="l" defTabSz="914400" rtl="0" eaLnBrk="1" latinLnBrk="0" hangingPunct="1">
-              <a:defRPr kern="1200" baseline="30000">
-                <a:solidFill>
-                  <a:schemeClr val="tx1"/>
-                </a:solidFill>
-                <a:latin typeface="Arial" panose="020B0604020202020204" pitchFamily="34" charset="0"/>
-                <a:ea typeface="+mn-ea"/>
-                <a:cs typeface="Arial" panose="020B0604020202020204" pitchFamily="34" charset="0"/>
-              </a:defRPr>
-            </a:lvl6pPr>
-            <a:lvl7pPr marL="2743200" algn="l" defTabSz="914400" rtl="0" eaLnBrk="1" latinLnBrk="0" hangingPunct="1">
-              <a:defRPr kern="1200" baseline="30000">
-                <a:solidFill>
-                  <a:schemeClr val="tx1"/>
-                </a:solidFill>
-                <a:latin typeface="Arial" panose="020B0604020202020204" pitchFamily="34" charset="0"/>
-                <a:ea typeface="+mn-ea"/>
-                <a:cs typeface="Arial" panose="020B0604020202020204" pitchFamily="34" charset="0"/>
-              </a:defRPr>
-            </a:lvl7pPr>
-            <a:lvl8pPr marL="3200400" algn="l" defTabSz="914400" rtl="0" eaLnBrk="1" latinLnBrk="0" hangingPunct="1">
-              <a:defRPr kern="1200" baseline="30000">
-                <a:solidFill>
-                  <a:schemeClr val="tx1"/>
-                </a:solidFill>
-                <a:latin typeface="Arial" panose="020B0604020202020204" pitchFamily="34" charset="0"/>
-                <a:ea typeface="+mn-ea"/>
-                <a:cs typeface="Arial" panose="020B0604020202020204" pitchFamily="34" charset="0"/>
-              </a:defRPr>
-            </a:lvl8pPr>
-            <a:lvl9pPr marL="3657600" algn="l" defTabSz="914400" rtl="0" eaLnBrk="1" latinLnBrk="0" hangingPunct="1">
-              <a:defRPr kern="1200" baseline="30000">
-                <a:solidFill>
-                  <a:schemeClr val="tx1"/>
-                </a:solidFill>
-                <a:latin typeface="Arial" panose="020B0604020202020204" pitchFamily="34" charset="0"/>
-                <a:ea typeface="+mn-ea"/>
-                <a:cs typeface="Arial" panose="020B0604020202020204" pitchFamily="34" charset="0"/>
-              </a:defRPr>
-            </a:lvl9pPr>
-          </a:lstStyle>
-          <a:p>
-            <a:pPr eaLnBrk="1" hangingPunct="1">
-              <a:lnSpc>
-                <a:spcPct val="90000"/>
-              </a:lnSpc>
-              <a:spcBef>
-                <a:spcPct val="20000"/>
-              </a:spcBef>
-              <a:buClr>
-                <a:schemeClr val="accent1"/>
-              </a:buClr>
-              <a:buSzPct val="65000"/>
-              <a:buFont typeface="Wingdings" panose="05000000000000000000" pitchFamily="2" charset="2"/>
-              <a:buChar char="n"/>
-            </a:pPr>
-            <a:endParaRPr lang="en-US" altLang="he-IL" sz="2900" baseline="0" dirty="0"/>
-          </a:p>
-          <a:p>
-            <a:pPr eaLnBrk="1" hangingPunct="1">
-              <a:lnSpc>
-                <a:spcPct val="90000"/>
-              </a:lnSpc>
-              <a:spcBef>
-                <a:spcPct val="20000"/>
-              </a:spcBef>
-              <a:buClr>
-                <a:schemeClr val="accent1"/>
-              </a:buClr>
-              <a:buSzPct val="65000"/>
-              <a:buFont typeface="Wingdings" panose="05000000000000000000" pitchFamily="2" charset="2"/>
-              <a:buChar char="n"/>
-            </a:pPr>
-            <a:endParaRPr lang="he-IL" altLang="he-IL" sz="2900" baseline="0" dirty="0"/>
-          </a:p>
-          <a:p>
-            <a:pPr lvl="1" eaLnBrk="1" hangingPunct="1">
-              <a:lnSpc>
-                <a:spcPct val="90000"/>
-              </a:lnSpc>
-              <a:spcBef>
-                <a:spcPct val="20000"/>
-              </a:spcBef>
-              <a:buClr>
-                <a:schemeClr val="accent2"/>
-              </a:buClr>
-              <a:buSzPct val="60000"/>
-              <a:buFont typeface="Wingdings" panose="05000000000000000000" pitchFamily="2" charset="2"/>
-              <a:buChar char="q"/>
-            </a:pPr>
-            <a:endParaRPr lang="en-US" altLang="he-IL" sz="2200" baseline="0" dirty="0">
-              <a:latin typeface="Courier New" panose="02070309020205020404" pitchFamily="49" charset="0"/>
-              <a:cs typeface="Courier New" panose="02070309020205020404" pitchFamily="49" charset="0"/>
-            </a:endParaRPr>
-          </a:p>
-        </p:txBody>
-      </p:sp>
-      <p:pic>
-        <p:nvPicPr>
-          <p:cNvPr id="11" name="Picture 10"/>
-          <p:cNvPicPr>
-            <a:picLocks noChangeAspect="1"/>
-          </p:cNvPicPr>
-          <p:nvPr/>
-        </p:nvPicPr>
-        <p:blipFill>
-          <a:blip r:embed="rId4">
-            <a:extLst>
-              <a:ext uri="{28A0092B-C50C-407E-A947-70E740481C1C}">
-                <a14:useLocalDpi xmlns:a14="http://schemas.microsoft.com/office/drawing/2010/main" val="0"/>
-              </a:ext>
-            </a:extLst>
-          </a:blip>
-          <a:stretch>
-            <a:fillRect/>
-          </a:stretch>
-        </p:blipFill>
-        <p:spPr>
-          <a:xfrm>
-            <a:off x="2382464" y="244413"/>
-            <a:ext cx="4274367" cy="5805256"/>
-          </a:xfrm>
-          <a:prstGeom prst="rect">
-            <a:avLst/>
-          </a:prstGeom>
-        </p:spPr>
-      </p:pic>
-    </p:spTree>
-    <p:extLst>
-      <p:ext uri="{BB962C8B-B14F-4D97-AF65-F5344CB8AC3E}">
-        <p14:creationId xmlns:p14="http://schemas.microsoft.com/office/powerpoint/2010/main" val="3547323872"/>
-      </p:ext>
-    </p:extLst>
-  </p:cSld>
-  <p:clrMapOvr>
-    <a:masterClrMapping/>
-  </p:clrMapOvr>
-  <p:timing>
-    <p:tnLst>
-      <p:par>
-        <p:cTn id="1" dur="indefinite" restart="never" nodeType="tmRoot"/>
-      </p:par>
-    </p:tnLst>
-  </p:timing>
-</p:sld>
-</file>
-
-<file path=ppt/slides/slide12.xml><?xml version="1.0" encoding="utf-8"?>
-<p:sld xmlns:a="http://schemas.openxmlformats.org/drawingml/2006/main" xmlns:r="http://schemas.openxmlformats.org/officeDocument/2006/relationships" xmlns:p="http://schemas.openxmlformats.org/presentationml/2006/main">
-  <p:cSld>
-    <p:bg>
-      <p:bgPr>
-        <a:blipFill dpi="0" rotWithShape="1">
-          <a:blip r:embed="rId3">
-            <a:lum/>
-          </a:blip>
-          <a:srcRect/>
-          <a:stretch>
-            <a:fillRect/>
-          </a:stretch>
-        </a:blipFill>
-        <a:effectLst/>
-      </p:bgPr>
-    </p:bg>
-    <p:spTree>
-      <p:nvGrpSpPr>
-        <p:cNvPr id="1" name=""/>
-        <p:cNvGrpSpPr/>
-        <p:nvPr/>
-      </p:nvGrpSpPr>
-      <p:grpSpPr>
-        <a:xfrm>
-          <a:off x="0" y="0"/>
-          <a:ext cx="0" cy="0"/>
-          <a:chOff x="0" y="0"/>
-          <a:chExt cx="0" cy="0"/>
-        </a:xfrm>
-      </p:grpSpPr>
-      <p:sp>
-        <p:nvSpPr>
           <p:cNvPr id="25" name="TextBox 24"/>
           <p:cNvSpPr txBox="1"/>
           <p:nvPr/>
@@ -6546,18 +5990,7 @@
                 <a:ea typeface="+mj-ea"/>
                 <a:cs typeface="Arial"/>
               </a:rPr>
-              <a:t>שאלה </a:t>
-            </a:r>
-            <a:r>
-              <a:rPr lang="he-IL" sz="4200" b="1" kern="0" dirty="0">
-                <a:solidFill>
-                  <a:srgbClr val="006633"/>
-                </a:solidFill>
-                <a:latin typeface="Garamond"/>
-                <a:ea typeface="+mj-ea"/>
-                <a:cs typeface="Arial"/>
-              </a:rPr>
-              <a:t>1</a:t>
+              <a:t>שאלה 1</a:t>
             </a:r>
             <a:endParaRPr lang="en-US" sz="4200" b="1" kern="0" dirty="0">
               <a:solidFill>
@@ -6632,7 +6065,6 @@
               <a:rPr lang="he-IL" sz="2000" dirty="0"/>
               <a:t>נתון עץ. </a:t>
             </a:r>
-            <a:endParaRPr lang="he-IL" sz="2000" dirty="0" smtClean="0"/>
           </a:p>
           <a:p>
             <a:pPr marL="457200" indent="-457200">
@@ -6640,14 +6072,9 @@
               <a:buAutoNum type="arabicPeriod"/>
             </a:pPr>
             <a:r>
-              <a:rPr lang="he-IL" sz="2000" dirty="0" smtClean="0"/>
-              <a:t>האם </a:t>
-            </a:r>
-            <a:r>
               <a:rPr lang="he-IL" sz="2000" dirty="0"/>
-              <a:t>עץ מאוזן? </a:t>
-            </a:r>
-            <a:endParaRPr lang="he-IL" sz="2000" dirty="0" smtClean="0"/>
+              <a:t>האם עץ מאוזן? </a:t>
+            </a:r>
           </a:p>
           <a:p>
             <a:pPr marL="457200" indent="-457200">
@@ -6655,16 +6082,8 @@
               <a:buAutoNum type="arabicPeriod"/>
             </a:pPr>
             <a:r>
-              <a:rPr lang="he-IL" sz="2000" dirty="0" smtClean="0"/>
-              <a:t>להוסיף </a:t>
-            </a:r>
-            <a:r>
               <a:rPr lang="he-IL" sz="2000" dirty="0"/>
-              <a:t>11 ולאזן את העץ</a:t>
-            </a:r>
-            <a:r>
-              <a:rPr lang="he-IL" sz="2000" dirty="0" smtClean="0"/>
-              <a:t>.</a:t>
+              <a:t>להוסיף 11 ולאזן את העץ.</a:t>
             </a:r>
             <a:endParaRPr lang="en-US" sz="2000" dirty="0"/>
           </a:p>
@@ -6722,7 +6141,7 @@
           <a:lstStyle/>
           <a:p>
             <a:r>
-              <a:rPr lang="en-US" b="1" dirty="0" smtClean="0">
+              <a:rPr lang="en-US" b="1" dirty="0">
                 <a:solidFill>
                   <a:srgbClr val="FF0000"/>
                 </a:solidFill>
@@ -6760,7 +6179,7 @@
           <a:lstStyle/>
           <a:p>
             <a:r>
-              <a:rPr lang="en-US" b="1" dirty="0" smtClean="0">
+              <a:rPr lang="en-US" b="1" dirty="0">
                 <a:solidFill>
                   <a:srgbClr val="FF0000"/>
                 </a:solidFill>
@@ -6828,7 +6247,7 @@
           <a:lstStyle/>
           <a:p>
             <a:r>
-              <a:rPr lang="en-US" b="1" dirty="0" smtClean="0"/>
+              <a:rPr lang="en-US" b="1" dirty="0"/>
               <a:t>y</a:t>
             </a:r>
             <a:endParaRPr lang="he-IL" b="1" dirty="0"/>
@@ -6858,7 +6277,7 @@
           <a:lstStyle/>
           <a:p>
             <a:r>
-              <a:rPr lang="en-US" b="1" dirty="0" smtClean="0"/>
+              <a:rPr lang="en-US" b="1" dirty="0"/>
               <a:t>x</a:t>
             </a:r>
             <a:endParaRPr lang="he-IL" b="1" dirty="0"/>
@@ -6889,45 +6308,33 @@
           <a:p>
             <a:r>
               <a:rPr lang="en-US" b="1" dirty="0"/>
-              <a:t>BF(V) = </a:t>
-            </a:r>
-            <a:r>
-              <a:rPr lang="en-US" b="1" dirty="0" smtClean="0"/>
-              <a:t>   2</a:t>
-            </a:r>
-            <a:r>
-              <a:rPr lang="he-IL" b="1" dirty="0" smtClean="0"/>
+              <a:t>BF(V) =    2</a:t>
+            </a:r>
+            <a:r>
+              <a:rPr lang="he-IL" b="1" dirty="0"/>
               <a:t>                          </a:t>
             </a:r>
             <a:r>
-              <a:rPr lang="en-US" b="1" dirty="0" smtClean="0"/>
+              <a:rPr lang="en-US" b="1" dirty="0"/>
               <a:t>LR</a:t>
             </a:r>
             <a:endParaRPr lang="he-IL" dirty="0"/>
           </a:p>
           <a:p>
             <a:r>
-              <a:rPr lang="en-US" b="1" dirty="0" smtClean="0"/>
+              <a:rPr lang="en-US" b="1" dirty="0"/>
               <a:t>BF(V</a:t>
             </a:r>
             <a:r>
-              <a:rPr lang="en-US" b="1" baseline="-25000" dirty="0" smtClean="0"/>
+              <a:rPr lang="en-US" b="1" baseline="-25000" dirty="0"/>
               <a:t>L</a:t>
             </a:r>
             <a:r>
-              <a:rPr lang="en-US" b="1" dirty="0" smtClean="0"/>
-              <a:t>) </a:t>
-            </a:r>
-            <a:r>
               <a:rPr lang="en-US" b="1" dirty="0"/>
-              <a:t>= </a:t>
-            </a:r>
-            <a:r>
-              <a:rPr lang="en-US" b="1" dirty="0" smtClean="0"/>
-              <a:t>- 1</a:t>
-            </a:r>
-            <a:r>
-              <a:rPr lang="he-IL" b="1" dirty="0" smtClean="0"/>
+              <a:t>) = - 1</a:t>
+            </a:r>
+            <a:r>
+              <a:rPr lang="he-IL" b="1" dirty="0"/>
               <a:t>                גלגול </a:t>
             </a:r>
             <a:r>
@@ -6936,17 +6343,12 @@
             </a:r>
             <a:r>
               <a:rPr lang="he-IL" b="1" dirty="0"/>
-              <a:t> </a:t>
-            </a:r>
-            <a:r>
-              <a:rPr lang="he-IL" b="1" dirty="0" smtClean="0"/>
-              <a:t>שמאלה, </a:t>
-            </a:r>
-            <a:endParaRPr lang="he-IL" b="1" dirty="0"/>
-          </a:p>
-          <a:p>
-            <a:r>
-              <a:rPr lang="he-IL" b="1" dirty="0" smtClean="0"/>
+              <a:t> שמאלה, </a:t>
+            </a:r>
+          </a:p>
+          <a:p>
+            <a:r>
+              <a:rPr lang="he-IL" b="1" dirty="0"/>
               <a:t>                              גלגול </a:t>
             </a:r>
             <a:r>
@@ -6955,13 +6357,8 @@
             </a:r>
             <a:r>
               <a:rPr lang="he-IL" b="1" dirty="0"/>
-              <a:t> </a:t>
-            </a:r>
-            <a:r>
-              <a:rPr lang="he-IL" b="1" dirty="0" smtClean="0"/>
-              <a:t>ימינה</a:t>
-            </a:r>
-            <a:endParaRPr lang="he-IL" b="1" dirty="0"/>
+              <a:t> ימינה</a:t>
+            </a:r>
           </a:p>
         </p:txBody>
       </p:sp>
@@ -7105,7 +6502,7 @@
           <a:lstStyle/>
           <a:p>
             <a:r>
-              <a:rPr lang="en-US" b="1" dirty="0" smtClean="0"/>
+              <a:rPr lang="en-US" b="1" dirty="0"/>
               <a:t>z</a:t>
             </a:r>
             <a:endParaRPr lang="he-IL" b="1" dirty="0"/>
@@ -7135,7 +6532,7 @@
           <a:lstStyle/>
           <a:p>
             <a:r>
-              <a:rPr lang="en-US" b="1" dirty="0" smtClean="0"/>
+              <a:rPr lang="en-US" b="1" dirty="0"/>
               <a:t>y</a:t>
             </a:r>
             <a:endParaRPr lang="he-IL" b="1" dirty="0"/>
@@ -7165,7 +6562,7 @@
           <a:lstStyle/>
           <a:p>
             <a:r>
-              <a:rPr lang="en-US" b="1" dirty="0" smtClean="0"/>
+              <a:rPr lang="en-US" b="1" dirty="0"/>
               <a:t>x</a:t>
             </a:r>
             <a:endParaRPr lang="he-IL" b="1" dirty="0"/>
@@ -7797,7 +7194,7 @@
 </p:sld>
 </file>
 
-<file path=ppt/slides/slide13.xml><?xml version="1.0" encoding="utf-8"?>
+<file path=ppt/slides/slide12.xml><?xml version="1.0" encoding="utf-8"?>
 <p:sld xmlns:a="http://schemas.openxmlformats.org/drawingml/2006/main" xmlns:r="http://schemas.openxmlformats.org/officeDocument/2006/relationships" xmlns:p="http://schemas.openxmlformats.org/presentationml/2006/main">
   <p:cSld>
     <p:bg>
@@ -7852,7 +7249,7 @@
           <a:p>
             <a:pPr algn="l" rtl="0"/>
             <a:r>
-              <a:rPr lang="en-US" b="1" dirty="0" smtClean="0">
+              <a:rPr lang="en-US" b="1" dirty="0">
                 <a:solidFill>
                   <a:srgbClr val="FF0000"/>
                 </a:solidFill>
@@ -7890,7 +7287,7 @@
           <a:lstStyle/>
           <a:p>
             <a:r>
-              <a:rPr lang="en-US" b="1" dirty="0" smtClean="0"/>
+              <a:rPr lang="en-US" b="1" dirty="0"/>
               <a:t>z</a:t>
             </a:r>
             <a:endParaRPr lang="he-IL" b="1" dirty="0"/>
@@ -7966,18 +7363,7 @@
                 <a:ea typeface="+mj-ea"/>
                 <a:cs typeface="Arial"/>
               </a:rPr>
-              <a:t>שאלה </a:t>
-            </a:r>
-            <a:r>
-              <a:rPr lang="he-IL" sz="4200" b="1" kern="0" dirty="0">
-                <a:solidFill>
-                  <a:srgbClr val="006633"/>
-                </a:solidFill>
-                <a:latin typeface="Garamond"/>
-                <a:ea typeface="+mj-ea"/>
-                <a:cs typeface="Arial"/>
-              </a:rPr>
-              <a:t>2</a:t>
+              <a:t>שאלה 2</a:t>
             </a:r>
             <a:endParaRPr lang="en-US" sz="4200" b="1" kern="0" dirty="0">
               <a:solidFill>
@@ -7999,7 +7385,7 @@
         <p:spPr>
           <a:xfrm>
             <a:off x="7449312" y="1111310"/>
-            <a:ext cx="3955288" cy="400110"/>
+            <a:ext cx="3955288" cy="707886"/>
           </a:xfrm>
           <a:prstGeom prst="rect">
             <a:avLst/>
@@ -8014,23 +7400,7 @@
           <a:p>
             <a:r>
               <a:rPr lang="he-IL" sz="2000" dirty="0"/>
-              <a:t>נתון עץ. </a:t>
-            </a:r>
-            <a:r>
-              <a:rPr lang="he-IL" sz="2000" dirty="0" smtClean="0"/>
-              <a:t>להוסיף </a:t>
-            </a:r>
-            <a:r>
-              <a:rPr lang="he-IL" sz="2000" dirty="0" smtClean="0"/>
-              <a:t>15 </a:t>
-            </a:r>
-            <a:r>
-              <a:rPr lang="he-IL" sz="2000" dirty="0"/>
-              <a:t>ולאזן את העץ</a:t>
-            </a:r>
-            <a:r>
-              <a:rPr lang="he-IL" sz="2000" dirty="0" smtClean="0"/>
-              <a:t>.</a:t>
+              <a:t>נתון עץ. יש להוסיף 15 ולאזן את העץ במידת הצורך.</a:t>
             </a:r>
             <a:endParaRPr lang="en-US" sz="2000" dirty="0"/>
           </a:p>
@@ -8096,7 +7466,7 @@
           <a:p>
             <a:pPr algn="l" rtl="0"/>
             <a:r>
-              <a:rPr lang="en-US" b="1" dirty="0" smtClean="0">
+              <a:rPr lang="en-US" b="1" dirty="0">
                 <a:solidFill>
                   <a:srgbClr val="FF0000"/>
                 </a:solidFill>
@@ -8135,60 +7505,47 @@
           <a:p>
             <a:r>
               <a:rPr lang="en-US" b="1" dirty="0"/>
-              <a:t>BF(V) = </a:t>
-            </a:r>
-            <a:r>
-              <a:rPr lang="en-US" b="1" dirty="0" smtClean="0"/>
-              <a:t>  -2</a:t>
-            </a:r>
-            <a:r>
-              <a:rPr lang="he-IL" b="1" dirty="0" smtClean="0"/>
+              <a:t>BF(V) =   -2</a:t>
+            </a:r>
+            <a:r>
+              <a:rPr lang="he-IL" b="1" dirty="0"/>
               <a:t>                          </a:t>
             </a:r>
             <a:r>
-              <a:rPr lang="en-US" b="1" dirty="0" smtClean="0"/>
+              <a:rPr lang="en-US" b="1" dirty="0"/>
               <a:t>RL</a:t>
             </a:r>
             <a:endParaRPr lang="he-IL" dirty="0"/>
           </a:p>
           <a:p>
             <a:r>
-              <a:rPr lang="en-US" b="1" dirty="0" smtClean="0"/>
+              <a:rPr lang="en-US" b="1" dirty="0"/>
               <a:t>BF(V</a:t>
             </a:r>
             <a:r>
-              <a:rPr lang="en-US" b="1" baseline="-25000" dirty="0" smtClean="0"/>
+              <a:rPr lang="en-US" b="1" baseline="-25000" dirty="0"/>
               <a:t>R</a:t>
             </a:r>
             <a:r>
-              <a:rPr lang="en-US" b="1" dirty="0" smtClean="0"/>
-              <a:t>) </a:t>
-            </a:r>
-            <a:r>
               <a:rPr lang="en-US" b="1" dirty="0"/>
-              <a:t>=  </a:t>
-            </a:r>
-            <a:r>
-              <a:rPr lang="en-US" b="1" dirty="0" smtClean="0"/>
-              <a:t> 1</a:t>
-            </a:r>
-            <a:r>
-              <a:rPr lang="he-IL" b="1" dirty="0" smtClean="0"/>
+              <a:t>) =   1</a:t>
+            </a:r>
+            <a:r>
+              <a:rPr lang="he-IL" b="1" dirty="0"/>
               <a:t>                גלגול </a:t>
             </a:r>
             <a:r>
-              <a:rPr lang="en-US" b="1" dirty="0" smtClean="0"/>
+              <a:rPr lang="en-US" b="1" dirty="0"/>
               <a:t>R</a:t>
             </a:r>
             <a:r>
-              <a:rPr lang="he-IL" b="1" dirty="0" smtClean="0"/>
+              <a:rPr lang="he-IL" b="1" dirty="0"/>
               <a:t> ימינה</a:t>
             </a:r>
-            <a:endParaRPr lang="he-IL" b="1" dirty="0"/>
-          </a:p>
-          <a:p>
-            <a:r>
-              <a:rPr lang="he-IL" b="1" dirty="0" smtClean="0"/>
+          </a:p>
+          <a:p>
+            <a:r>
+              <a:rPr lang="he-IL" b="1" dirty="0"/>
               <a:t>                              גלגול </a:t>
             </a:r>
             <a:r>
@@ -8197,13 +7554,8 @@
             </a:r>
             <a:r>
               <a:rPr lang="he-IL" b="1" dirty="0"/>
-              <a:t> </a:t>
-            </a:r>
-            <a:r>
-              <a:rPr lang="he-IL" b="1" dirty="0" smtClean="0"/>
-              <a:t>שמאלה</a:t>
-            </a:r>
-            <a:endParaRPr lang="he-IL" b="1" dirty="0"/>
+              <a:t> שמאלה</a:t>
+            </a:r>
           </a:p>
         </p:txBody>
       </p:sp>
@@ -8230,7 +7582,7 @@
           <a:lstStyle/>
           <a:p>
             <a:r>
-              <a:rPr lang="en-US" b="1" dirty="0" smtClean="0"/>
+              <a:rPr lang="en-US" b="1" dirty="0"/>
               <a:t>y</a:t>
             </a:r>
             <a:endParaRPr lang="he-IL" b="1" dirty="0"/>
@@ -8260,7 +7612,7 @@
           <a:lstStyle/>
           <a:p>
             <a:r>
-              <a:rPr lang="en-US" b="1" dirty="0" smtClean="0"/>
+              <a:rPr lang="en-US" b="1" dirty="0"/>
               <a:t>x</a:t>
             </a:r>
             <a:endParaRPr lang="he-IL" b="1" dirty="0"/>
@@ -8401,7 +7753,7 @@
         </p:blipFill>
         <p:spPr>
           <a:xfrm>
-            <a:off x="8458200" y="1936297"/>
+            <a:off x="8458200" y="1950811"/>
             <a:ext cx="3442252" cy="2158625"/>
           </a:xfrm>
           <a:prstGeom prst="rect">
@@ -8897,7 +8249,7 @@
 </p:sld>
 </file>
 
-<file path=ppt/slides/slide14.xml><?xml version="1.0" encoding="utf-8"?>
+<file path=ppt/slides/slide13.xml><?xml version="1.0" encoding="utf-8"?>
 <p:sld xmlns:a="http://schemas.openxmlformats.org/drawingml/2006/main" xmlns:r="http://schemas.openxmlformats.org/officeDocument/2006/relationships" xmlns:p="http://schemas.openxmlformats.org/presentationml/2006/main">
   <p:cSld>
     <p:bg>
@@ -9077,7 +8429,7 @@
         <p:spPr>
           <a:xfrm>
             <a:off x="7363968" y="1193800"/>
-            <a:ext cx="4396232" cy="461665"/>
+            <a:ext cx="4396232" cy="830997"/>
           </a:xfrm>
           <a:prstGeom prst="rect">
             <a:avLst/>
@@ -9092,27 +8444,15 @@
           <a:p>
             <a:r>
               <a:rPr lang="he-IL" sz="2400" dirty="0"/>
-              <a:t>נתון </a:t>
-            </a:r>
-            <a:r>
-              <a:rPr lang="he-IL" sz="2400" dirty="0" smtClean="0"/>
-              <a:t>עץ.</a:t>
-            </a:r>
-            <a:r>
-              <a:rPr lang="en-US" sz="2400" dirty="0" smtClean="0"/>
+              <a:t>נתון עץ. יש</a:t>
+            </a:r>
+            <a:r>
+              <a:rPr lang="en-US" sz="2400" dirty="0"/>
               <a:t> </a:t>
             </a:r>
             <a:r>
-              <a:rPr lang="he-IL" sz="2400" dirty="0" smtClean="0"/>
-              <a:t>מחק </a:t>
-            </a:r>
-            <a:r>
               <a:rPr lang="he-IL" sz="2400" dirty="0"/>
-              <a:t>את 1 ואזן את העץ</a:t>
-            </a:r>
-            <a:r>
-              <a:rPr lang="he-IL" sz="2400" dirty="0" smtClean="0"/>
-              <a:t>.</a:t>
+              <a:t>למחוק את 1 ולאזן את העץ במידת הצורך.</a:t>
             </a:r>
             <a:endParaRPr lang="en-US" sz="2400" dirty="0"/>
           </a:p>
@@ -9178,7 +8518,7 @@
           <a:p>
             <a:pPr algn="l" rtl="0"/>
             <a:r>
-              <a:rPr lang="en-US" b="1" dirty="0" smtClean="0">
+              <a:rPr lang="en-US" b="1" dirty="0">
                 <a:solidFill>
                   <a:srgbClr val="FF0000"/>
                 </a:solidFill>
@@ -9217,7 +8557,7 @@
           <a:p>
             <a:pPr algn="l" rtl="0"/>
             <a:r>
-              <a:rPr lang="en-US" b="1" dirty="0" smtClean="0">
+              <a:rPr lang="en-US" b="1" dirty="0">
                 <a:solidFill>
                   <a:srgbClr val="FF0000"/>
                 </a:solidFill>
@@ -9255,7 +8595,7 @@
           <a:lstStyle/>
           <a:p>
             <a:r>
-              <a:rPr lang="en-US" b="1" dirty="0" smtClean="0"/>
+              <a:rPr lang="en-US" b="1" dirty="0"/>
               <a:t>z</a:t>
             </a:r>
             <a:endParaRPr lang="he-IL" b="1" dirty="0"/>
@@ -9285,7 +8625,7 @@
           <a:lstStyle/>
           <a:p>
             <a:r>
-              <a:rPr lang="en-US" b="1" dirty="0" smtClean="0"/>
+              <a:rPr lang="en-US" b="1" dirty="0"/>
               <a:t>y</a:t>
             </a:r>
             <a:endParaRPr lang="he-IL" b="1" dirty="0"/>
@@ -9315,7 +8655,7 @@
           <a:lstStyle/>
           <a:p>
             <a:r>
-              <a:rPr lang="en-US" b="1" dirty="0" smtClean="0"/>
+              <a:rPr lang="en-US" b="1" dirty="0"/>
               <a:t>x</a:t>
             </a:r>
             <a:endParaRPr lang="he-IL" b="1" dirty="0"/>
@@ -9474,7 +8814,7 @@
           <a:p>
             <a:pPr algn="l" rtl="0"/>
             <a:r>
-              <a:rPr lang="en-US" b="1" dirty="0" smtClean="0">
+              <a:rPr lang="en-US" b="1" dirty="0">
                 <a:solidFill>
                   <a:srgbClr val="FF0000"/>
                 </a:solidFill>
@@ -9512,7 +8852,7 @@
           <a:lstStyle/>
           <a:p>
             <a:r>
-              <a:rPr lang="en-US" b="1" dirty="0" smtClean="0">
+              <a:rPr lang="en-US" b="1" dirty="0">
                 <a:solidFill>
                   <a:srgbClr val="FF0000"/>
                 </a:solidFill>
@@ -9551,60 +8891,47 @@
           <a:p>
             <a:r>
               <a:rPr lang="en-US" b="1" dirty="0"/>
-              <a:t>BF(V) = </a:t>
-            </a:r>
-            <a:r>
-              <a:rPr lang="en-US" b="1" dirty="0" smtClean="0"/>
-              <a:t>  -2</a:t>
-            </a:r>
-            <a:r>
-              <a:rPr lang="he-IL" b="1" dirty="0" smtClean="0"/>
+              <a:t>BF(V) =   -2</a:t>
+            </a:r>
+            <a:r>
+              <a:rPr lang="he-IL" b="1" dirty="0"/>
               <a:t>                          </a:t>
             </a:r>
             <a:r>
-              <a:rPr lang="en-US" b="1" dirty="0" smtClean="0"/>
+              <a:rPr lang="en-US" b="1" dirty="0"/>
               <a:t>RL</a:t>
             </a:r>
             <a:endParaRPr lang="he-IL" dirty="0"/>
           </a:p>
           <a:p>
             <a:r>
-              <a:rPr lang="en-US" b="1" dirty="0" smtClean="0"/>
+              <a:rPr lang="en-US" b="1" dirty="0"/>
               <a:t>BF(V</a:t>
             </a:r>
             <a:r>
-              <a:rPr lang="en-US" b="1" baseline="-25000" dirty="0" smtClean="0"/>
+              <a:rPr lang="en-US" b="1" baseline="-25000" dirty="0"/>
               <a:t>R</a:t>
             </a:r>
             <a:r>
-              <a:rPr lang="en-US" b="1" dirty="0" smtClean="0"/>
-              <a:t>) </a:t>
-            </a:r>
-            <a:r>
               <a:rPr lang="en-US" b="1" dirty="0"/>
-              <a:t>=  </a:t>
-            </a:r>
-            <a:r>
-              <a:rPr lang="en-US" b="1" dirty="0" smtClean="0"/>
-              <a:t> 1</a:t>
-            </a:r>
-            <a:r>
-              <a:rPr lang="he-IL" b="1" dirty="0" smtClean="0"/>
+              <a:t>) =   1</a:t>
+            </a:r>
+            <a:r>
+              <a:rPr lang="he-IL" b="1" dirty="0"/>
               <a:t>                גלגול </a:t>
             </a:r>
             <a:r>
-              <a:rPr lang="en-US" b="1" dirty="0" smtClean="0"/>
+              <a:rPr lang="en-US" b="1" dirty="0"/>
               <a:t>R</a:t>
             </a:r>
             <a:r>
-              <a:rPr lang="he-IL" b="1" dirty="0" smtClean="0"/>
+              <a:rPr lang="he-IL" b="1" dirty="0"/>
               <a:t> ימינה</a:t>
             </a:r>
-            <a:endParaRPr lang="he-IL" b="1" dirty="0"/>
-          </a:p>
-          <a:p>
-            <a:r>
-              <a:rPr lang="he-IL" b="1" dirty="0" smtClean="0"/>
+          </a:p>
+          <a:p>
+            <a:r>
+              <a:rPr lang="he-IL" b="1" dirty="0"/>
               <a:t>                              גלגול </a:t>
             </a:r>
             <a:r>
@@ -9613,13 +8940,8 @@
             </a:r>
             <a:r>
               <a:rPr lang="he-IL" b="1" dirty="0"/>
-              <a:t> </a:t>
-            </a:r>
-            <a:r>
-              <a:rPr lang="he-IL" b="1" dirty="0" smtClean="0"/>
-              <a:t>שמאלה</a:t>
-            </a:r>
-            <a:endParaRPr lang="he-IL" b="1" dirty="0"/>
+              <a:t> שמאלה</a:t>
+            </a:r>
           </a:p>
         </p:txBody>
       </p:sp>
@@ -10123,7 +9445,7 @@
 </p:sld>
 </file>
 
-<file path=ppt/slides/slide15.xml><?xml version="1.0" encoding="utf-8"?>
+<file path=ppt/slides/slide14.xml><?xml version="1.0" encoding="utf-8"?>
 <p:sld xmlns:a="http://schemas.openxmlformats.org/drawingml/2006/main" xmlns:r="http://schemas.openxmlformats.org/officeDocument/2006/relationships" xmlns:p="http://schemas.openxmlformats.org/presentationml/2006/main">
   <p:cSld>
     <p:bg>
@@ -10194,18 +9516,7 @@
                 <a:ea typeface="+mj-ea"/>
                 <a:cs typeface="Arial"/>
               </a:rPr>
-              <a:t>שאלה </a:t>
-            </a:r>
-            <a:r>
-              <a:rPr lang="he-IL" sz="4200" b="1" kern="0" dirty="0">
-                <a:solidFill>
-                  <a:srgbClr val="006633"/>
-                </a:solidFill>
-                <a:latin typeface="Garamond"/>
-                <a:ea typeface="+mj-ea"/>
-                <a:cs typeface="Arial"/>
-              </a:rPr>
-              <a:t> 3  המשך</a:t>
+              <a:t>שאלה  3  המשך</a:t>
             </a:r>
             <a:endParaRPr lang="en-US" sz="4200" b="1" kern="0" dirty="0">
               <a:solidFill>
@@ -10271,7 +9582,7 @@
           <a:p>
             <a:pPr algn="l" rtl="0"/>
             <a:r>
-              <a:rPr lang="en-US" b="1" dirty="0" smtClean="0">
+              <a:rPr lang="en-US" b="1" dirty="0">
                 <a:solidFill>
                   <a:srgbClr val="FF0000"/>
                 </a:solidFill>
@@ -10309,7 +9620,7 @@
           <a:lstStyle/>
           <a:p>
             <a:r>
-              <a:rPr lang="en-US" b="1" dirty="0" smtClean="0">
+              <a:rPr lang="en-US" b="1" dirty="0">
                 <a:solidFill>
                   <a:srgbClr val="FF0000"/>
                 </a:solidFill>
@@ -10347,7 +9658,7 @@
           <a:lstStyle/>
           <a:p>
             <a:r>
-              <a:rPr lang="en-US" b="1" dirty="0" smtClean="0"/>
+              <a:rPr lang="en-US" b="1" dirty="0"/>
               <a:t>z</a:t>
             </a:r>
             <a:endParaRPr lang="he-IL" b="1" dirty="0"/>
@@ -10377,7 +9688,7 @@
           <a:lstStyle/>
           <a:p>
             <a:r>
-              <a:rPr lang="en-US" b="1" dirty="0" smtClean="0"/>
+              <a:rPr lang="en-US" b="1" dirty="0"/>
               <a:t>y</a:t>
             </a:r>
             <a:endParaRPr lang="he-IL" b="1" dirty="0"/>
@@ -10407,7 +9718,7 @@
           <a:lstStyle/>
           <a:p>
             <a:r>
-              <a:rPr lang="en-US" b="1" dirty="0" smtClean="0"/>
+              <a:rPr lang="en-US" b="1" dirty="0"/>
               <a:t>x</a:t>
             </a:r>
             <a:endParaRPr lang="he-IL" b="1" dirty="0"/>
@@ -10438,25 +9749,21 @@
           <a:p>
             <a:r>
               <a:rPr lang="en-US" b="1" dirty="0"/>
-              <a:t>BF(V) = </a:t>
-            </a:r>
-            <a:r>
-              <a:rPr lang="en-US" b="1" dirty="0" smtClean="0"/>
-              <a:t>  -2</a:t>
-            </a:r>
-            <a:r>
-              <a:rPr lang="he-IL" b="1" dirty="0" smtClean="0"/>
+              <a:t>BF(V) =   -2</a:t>
+            </a:r>
+            <a:r>
+              <a:rPr lang="he-IL" b="1" dirty="0"/>
               <a:t>                          </a:t>
             </a:r>
             <a:r>
-              <a:rPr lang="en-US" b="1" dirty="0" smtClean="0"/>
+              <a:rPr lang="en-US" b="1" dirty="0"/>
               <a:t>LL</a:t>
             </a:r>
             <a:endParaRPr lang="he-IL" dirty="0"/>
           </a:p>
           <a:p>
             <a:r>
-              <a:rPr lang="en-US" b="1" dirty="0" smtClean="0"/>
+              <a:rPr lang="en-US" b="1" dirty="0"/>
               <a:t>BF(V</a:t>
             </a:r>
             <a:r>
@@ -10464,19 +9771,11 @@
               <a:t>R</a:t>
             </a:r>
             <a:r>
-              <a:rPr lang="en-US" b="1" dirty="0" smtClean="0"/>
-              <a:t>) </a:t>
-            </a:r>
-            <a:r>
               <a:rPr lang="en-US" b="1" dirty="0"/>
-              <a:t>=  -</a:t>
-            </a:r>
-            <a:r>
-              <a:rPr lang="en-US" b="1" dirty="0" smtClean="0"/>
-              <a:t>1</a:t>
-            </a:r>
-            <a:r>
-              <a:rPr lang="he-IL" b="1" dirty="0" smtClean="0"/>
+              <a:t>) =  -1</a:t>
+            </a:r>
+            <a:r>
+              <a:rPr lang="he-IL" b="1" dirty="0"/>
               <a:t>              גלגול </a:t>
             </a:r>
             <a:r>
@@ -10485,13 +9784,8 @@
             </a:r>
             <a:r>
               <a:rPr lang="he-IL" b="1" dirty="0"/>
-              <a:t> </a:t>
-            </a:r>
-            <a:r>
-              <a:rPr lang="he-IL" b="1" dirty="0" smtClean="0"/>
-              <a:t>שמאלה</a:t>
-            </a:r>
-            <a:endParaRPr lang="he-IL" b="1" dirty="0"/>
+              <a:t> שמאלה</a:t>
+            </a:r>
           </a:p>
         </p:txBody>
       </p:sp>
@@ -10772,7 +10066,7 @@
 </p:sld>
 </file>
 
-<file path=ppt/slides/slide16.xml><?xml version="1.0" encoding="utf-8"?>
+<file path=ppt/slides/slide15.xml><?xml version="1.0" encoding="utf-8"?>
 <p:sld xmlns:a="http://schemas.openxmlformats.org/drawingml/2006/main" xmlns:r="http://schemas.openxmlformats.org/officeDocument/2006/relationships" xmlns:p="http://schemas.openxmlformats.org/presentationml/2006/main">
   <p:cSld>
     <p:bg>
@@ -10930,18 +10224,7 @@
                 <a:ea typeface="+mj-ea"/>
                 <a:cs typeface="Arial"/>
               </a:rPr>
-              <a:t>שאלה </a:t>
-            </a:r>
-            <a:r>
-              <a:rPr lang="he-IL" sz="4200" b="1" kern="0" dirty="0">
-                <a:solidFill>
-                  <a:srgbClr val="006633"/>
-                </a:solidFill>
-                <a:latin typeface="Garamond"/>
-                <a:ea typeface="+mj-ea"/>
-                <a:cs typeface="Arial"/>
-              </a:rPr>
-              <a:t>4</a:t>
+              <a:t>שאלה 4</a:t>
             </a:r>
             <a:endParaRPr lang="en-US" sz="4200" b="1" kern="0" dirty="0">
               <a:solidFill>
@@ -10962,7 +10245,7 @@
         </p:nvSpPr>
         <p:spPr>
           <a:xfrm>
-            <a:off x="6496050" y="1054100"/>
+            <a:off x="6447643" y="1066980"/>
             <a:ext cx="5422900" cy="400110"/>
           </a:xfrm>
           <a:prstGeom prst="rect">
@@ -10996,8 +10279,8 @@
         </p:nvSpPr>
         <p:spPr>
           <a:xfrm>
-            <a:off x="7975091" y="1546255"/>
-            <a:ext cx="3771900" cy="784830"/>
+            <a:off x="7694294" y="1436708"/>
+            <a:ext cx="4197807" cy="1400383"/>
           </a:xfrm>
           <a:prstGeom prst="rect">
             <a:avLst/>
@@ -11010,7 +10293,7 @@
           </a:bodyPr>
           <a:lstStyle/>
           <a:p>
-            <a:pPr marL="342900" lvl="0" indent="-342900">
+            <a:pPr marL="342900" lvl="0" indent="-342900" algn="just">
               <a:spcAft>
                 <a:spcPts val="600"/>
               </a:spcAft>
@@ -11019,7 +10302,7 @@
             </a:pPr>
             <a:r>
               <a:rPr lang="he-IL" sz="2000" dirty="0"/>
-              <a:t>בנה עץ בינארי מאוזן </a:t>
+              <a:t>בנו עץ בינארי מאוזן </a:t>
             </a:r>
             <a:r>
               <a:rPr lang="en-US" sz="2000" dirty="0"/>
@@ -11027,12 +10310,12 @@
             </a:r>
             <a:r>
               <a:rPr lang="he-IL" sz="2000" dirty="0"/>
-              <a:t>.</a:t>
+              <a:t> על ידי הוספת איברים אחד אחד החל מעץ ריק. הכסת איברים משמאל לימין</a:t>
             </a:r>
             <a:endParaRPr lang="en-US" sz="2000" dirty="0"/>
           </a:p>
           <a:p>
-            <a:pPr marL="342900" lvl="0" indent="-342900">
+            <a:pPr marL="342900" lvl="0" indent="-342900" algn="just">
               <a:spcAft>
                 <a:spcPts val="600"/>
               </a:spcAft>
@@ -11041,11 +10324,7 @@
             </a:pPr>
             <a:r>
               <a:rPr lang="he-IL" sz="2000" dirty="0"/>
-              <a:t>איך נראה עץ אחרי מחיקת 30</a:t>
-            </a:r>
-            <a:r>
-              <a:rPr lang="he-IL" sz="2000" dirty="0" smtClean="0"/>
-              <a:t>?</a:t>
+              <a:t>איך נראה עץ אחרי מחיקת 30?</a:t>
             </a:r>
             <a:endParaRPr lang="en-US" sz="2000" dirty="0"/>
           </a:p>
@@ -11075,7 +10354,7 @@
           <a:p>
             <a:pPr algn="l" rtl="0"/>
             <a:r>
-              <a:rPr lang="en-US" b="1" dirty="0" smtClean="0">
+              <a:rPr lang="en-US" b="1" dirty="0">
                 <a:solidFill>
                   <a:srgbClr val="FF0000"/>
                 </a:solidFill>
@@ -11114,7 +10393,7 @@
           <a:p>
             <a:pPr algn="l" rtl="0"/>
             <a:r>
-              <a:rPr lang="en-US" b="1" dirty="0" smtClean="0">
+              <a:rPr lang="en-US" b="1" dirty="0">
                 <a:solidFill>
                   <a:srgbClr val="FF0000"/>
                 </a:solidFill>
@@ -11152,7 +10431,7 @@
           <a:lstStyle/>
           <a:p>
             <a:r>
-              <a:rPr lang="en-US" b="1" dirty="0" smtClean="0"/>
+              <a:rPr lang="en-US" b="1" dirty="0"/>
               <a:t>z</a:t>
             </a:r>
             <a:endParaRPr lang="he-IL" b="1" dirty="0"/>
@@ -11182,7 +10461,7 @@
           <a:lstStyle/>
           <a:p>
             <a:r>
-              <a:rPr lang="en-US" b="1" dirty="0" smtClean="0"/>
+              <a:rPr lang="en-US" b="1" dirty="0"/>
               <a:t>y</a:t>
             </a:r>
             <a:endParaRPr lang="he-IL" b="1" dirty="0"/>
@@ -11212,7 +10491,7 @@
           <a:lstStyle/>
           <a:p>
             <a:r>
-              <a:rPr lang="en-US" b="1" dirty="0" smtClean="0"/>
+              <a:rPr lang="en-US" b="1" dirty="0"/>
               <a:t>x</a:t>
             </a:r>
             <a:endParaRPr lang="he-IL" b="1" dirty="0"/>
@@ -11360,7 +10639,7 @@
           <a:p>
             <a:pPr algn="l" rtl="0"/>
             <a:r>
-              <a:rPr lang="en-US" b="1" dirty="0" smtClean="0">
+              <a:rPr lang="en-US" b="1" dirty="0">
                 <a:solidFill>
                   <a:srgbClr val="FF0000"/>
                 </a:solidFill>
@@ -11398,7 +10677,7 @@
           <a:lstStyle/>
           <a:p>
             <a:r>
-              <a:rPr lang="en-US" b="1" dirty="0" smtClean="0"/>
+              <a:rPr lang="en-US" b="1" dirty="0"/>
               <a:t>z</a:t>
             </a:r>
             <a:endParaRPr lang="he-IL" b="1" dirty="0"/>
@@ -11429,7 +10708,7 @@
           <a:p>
             <a:pPr algn="l" rtl="0"/>
             <a:r>
-              <a:rPr lang="en-US" b="1" dirty="0" smtClean="0">
+              <a:rPr lang="en-US" b="1" dirty="0">
                 <a:solidFill>
                   <a:srgbClr val="FF0000"/>
                 </a:solidFill>
@@ -11467,7 +10746,7 @@
           <a:lstStyle/>
           <a:p>
             <a:r>
-              <a:rPr lang="en-US" b="1" dirty="0" smtClean="0"/>
+              <a:rPr lang="en-US" b="1" dirty="0"/>
               <a:t>y</a:t>
             </a:r>
             <a:endParaRPr lang="he-IL" b="1" dirty="0"/>
@@ -11497,7 +10776,7 @@
           <a:lstStyle/>
           <a:p>
             <a:r>
-              <a:rPr lang="en-US" b="1" dirty="0" smtClean="0"/>
+              <a:rPr lang="en-US" b="1" dirty="0"/>
               <a:t>x</a:t>
             </a:r>
             <a:endParaRPr lang="he-IL" b="1" dirty="0"/>
@@ -11601,7 +10880,7 @@
           <a:p>
             <a:pPr algn="l" rtl="0"/>
             <a:r>
-              <a:rPr lang="en-US" b="1" dirty="0" smtClean="0">
+              <a:rPr lang="en-US" b="1" dirty="0">
                 <a:solidFill>
                   <a:srgbClr val="FF0000"/>
                 </a:solidFill>
@@ -11640,7 +10919,7 @@
           <a:p>
             <a:pPr algn="l" rtl="0"/>
             <a:r>
-              <a:rPr lang="en-US" b="1" dirty="0" smtClean="0">
+              <a:rPr lang="en-US" b="1" dirty="0">
                 <a:solidFill>
                   <a:srgbClr val="FF0000"/>
                 </a:solidFill>
@@ -11678,7 +10957,7 @@
           <a:lstStyle/>
           <a:p>
             <a:r>
-              <a:rPr lang="en-US" b="1" dirty="0" smtClean="0"/>
+              <a:rPr lang="en-US" b="1" dirty="0"/>
               <a:t>z</a:t>
             </a:r>
             <a:endParaRPr lang="he-IL" b="1" dirty="0"/>
@@ -11708,7 +10987,7 @@
           <a:lstStyle/>
           <a:p>
             <a:r>
-              <a:rPr lang="en-US" b="1" dirty="0" smtClean="0"/>
+              <a:rPr lang="en-US" b="1" dirty="0"/>
               <a:t>y</a:t>
             </a:r>
             <a:endParaRPr lang="he-IL" b="1" dirty="0"/>
@@ -11738,7 +11017,7 @@
           <a:lstStyle/>
           <a:p>
             <a:r>
-              <a:rPr lang="en-US" b="1" dirty="0" smtClean="0"/>
+              <a:rPr lang="en-US" b="1" dirty="0"/>
               <a:t>x</a:t>
             </a:r>
             <a:endParaRPr lang="he-IL" b="1" dirty="0"/>
@@ -11841,7 +11120,7 @@
           <a:lstStyle/>
           <a:p>
             <a:r>
-              <a:rPr lang="en-US" b="1" dirty="0" smtClean="0"/>
+              <a:rPr lang="en-US" b="1" dirty="0"/>
               <a:t>z</a:t>
             </a:r>
             <a:endParaRPr lang="he-IL" b="1" dirty="0"/>
@@ -11871,7 +11150,7 @@
           <a:lstStyle/>
           <a:p>
             <a:r>
-              <a:rPr lang="en-US" b="1" dirty="0" smtClean="0"/>
+              <a:rPr lang="en-US" b="1" dirty="0"/>
               <a:t>y</a:t>
             </a:r>
             <a:endParaRPr lang="he-IL" b="1" dirty="0"/>
@@ -11901,7 +11180,7 @@
           <a:lstStyle/>
           <a:p>
             <a:r>
-              <a:rPr lang="en-US" b="1" dirty="0" smtClean="0"/>
+              <a:rPr lang="en-US" b="1" dirty="0"/>
               <a:t>x</a:t>
             </a:r>
             <a:endParaRPr lang="he-IL" b="1" dirty="0"/>
@@ -12672,1639 +11951,7 @@
 </p:sld>
 </file>
 
-<file path=ppt/slides/slide17.xml><?xml version="1.0" encoding="utf-8"?>
-<p:sld xmlns:a="http://schemas.openxmlformats.org/drawingml/2006/main" xmlns:r="http://schemas.openxmlformats.org/officeDocument/2006/relationships" xmlns:p="http://schemas.openxmlformats.org/presentationml/2006/main">
-  <p:cSld>
-    <p:bg>
-      <p:bgPr>
-        <a:blipFill dpi="0" rotWithShape="1">
-          <a:blip r:embed="rId3">
-            <a:lum/>
-          </a:blip>
-          <a:srcRect/>
-          <a:stretch>
-            <a:fillRect/>
-          </a:stretch>
-        </a:blipFill>
-        <a:effectLst/>
-      </p:bgPr>
-    </p:bg>
-    <p:spTree>
-      <p:nvGrpSpPr>
-        <p:cNvPr id="1" name=""/>
-        <p:cNvGrpSpPr/>
-        <p:nvPr/>
-      </p:nvGrpSpPr>
-      <p:grpSpPr>
-        <a:xfrm>
-          <a:off x="0" y="0"/>
-          <a:ext cx="0" cy="0"/>
-          <a:chOff x="0" y="0"/>
-          <a:chExt cx="0" cy="0"/>
-        </a:xfrm>
-      </p:grpSpPr>
-      <p:pic>
-        <p:nvPicPr>
-          <p:cNvPr id="5" name="תמונה 36"/>
-          <p:cNvPicPr>
-            <a:picLocks noChangeAspect="1"/>
-          </p:cNvPicPr>
-          <p:nvPr/>
-        </p:nvPicPr>
-        <p:blipFill rotWithShape="1">
-          <a:blip r:embed="rId4">
-            <a:extLst>
-              <a:ext uri="{28A0092B-C50C-407E-A947-70E740481C1C}">
-                <a14:useLocalDpi xmlns:a14="http://schemas.microsoft.com/office/drawing/2010/main" val="0"/>
-              </a:ext>
-            </a:extLst>
-          </a:blip>
-          <a:srcRect l="21500" r="37833" b="39334"/>
-          <a:stretch/>
-        </p:blipFill>
-        <p:spPr>
-          <a:xfrm>
-            <a:off x="3481919" y="1391573"/>
-            <a:ext cx="2529687" cy="2830346"/>
-          </a:xfrm>
-          <a:prstGeom prst="rect">
-            <a:avLst/>
-          </a:prstGeom>
-        </p:spPr>
-      </p:pic>
-      <p:pic>
-        <p:nvPicPr>
-          <p:cNvPr id="6" name="תמונה 24"/>
-          <p:cNvPicPr>
-            <a:picLocks noChangeAspect="1"/>
-          </p:cNvPicPr>
-          <p:nvPr/>
-        </p:nvPicPr>
-        <p:blipFill rotWithShape="1">
-          <a:blip r:embed="rId5">
-            <a:extLst>
-              <a:ext uri="{28A0092B-C50C-407E-A947-70E740481C1C}">
-                <a14:useLocalDpi xmlns:a14="http://schemas.microsoft.com/office/drawing/2010/main" val="0"/>
-              </a:ext>
-            </a:extLst>
-          </a:blip>
-          <a:srcRect l="16500" r="54834" b="46889"/>
-          <a:stretch/>
-        </p:blipFill>
-        <p:spPr>
-          <a:xfrm>
-            <a:off x="151936" y="3632073"/>
-            <a:ext cx="2184400" cy="3035300"/>
-          </a:xfrm>
-          <a:prstGeom prst="rect">
-            <a:avLst/>
-          </a:prstGeom>
-        </p:spPr>
-      </p:pic>
-      <p:pic>
-        <p:nvPicPr>
-          <p:cNvPr id="7" name="תמונה 3"/>
-          <p:cNvPicPr>
-            <a:picLocks noChangeAspect="1"/>
-          </p:cNvPicPr>
-          <p:nvPr/>
-        </p:nvPicPr>
-        <p:blipFill rotWithShape="1">
-          <a:blip r:embed="rId6">
-            <a:extLst>
-              <a:ext uri="{28A0092B-C50C-407E-A947-70E740481C1C}">
-                <a14:useLocalDpi xmlns:a14="http://schemas.microsoft.com/office/drawing/2010/main" val="0"/>
-              </a:ext>
-            </a:extLst>
-          </a:blip>
-          <a:srcRect l="22834" r="43167" b="48445"/>
-          <a:stretch/>
-        </p:blipFill>
-        <p:spPr>
-          <a:xfrm>
-            <a:off x="249402" y="947242"/>
-            <a:ext cx="2158359" cy="2454604"/>
-          </a:xfrm>
-          <a:prstGeom prst="rect">
-            <a:avLst/>
-          </a:prstGeom>
-        </p:spPr>
-      </p:pic>
-      <p:sp>
-        <p:nvSpPr>
-          <p:cNvPr id="8" name="TextBox 7"/>
-          <p:cNvSpPr txBox="1"/>
-          <p:nvPr/>
-        </p:nvSpPr>
-        <p:spPr>
-          <a:xfrm>
-            <a:off x="6729984" y="293648"/>
-            <a:ext cx="4522216" cy="738664"/>
-          </a:xfrm>
-          <a:prstGeom prst="rect">
-            <a:avLst/>
-          </a:prstGeom>
-          <a:noFill/>
-        </p:spPr>
-        <p:txBody>
-          <a:bodyPr wrap="square" rtlCol="1">
-            <a:spAutoFit/>
-          </a:bodyPr>
-          <a:lstStyle/>
-          <a:p>
-            <a:pPr fontAlgn="base">
-              <a:spcBef>
-                <a:spcPct val="0"/>
-              </a:spcBef>
-              <a:spcAft>
-                <a:spcPct val="0"/>
-              </a:spcAft>
-              <a:defRPr/>
-            </a:pPr>
-            <a:r>
-              <a:rPr lang="he-IL" sz="4200" b="1" kern="0" dirty="0">
-                <a:solidFill>
-                  <a:srgbClr val="006633"/>
-                </a:solidFill>
-                <a:latin typeface="Garamond"/>
-                <a:ea typeface="+mj-ea"/>
-                <a:cs typeface="Arial"/>
-              </a:rPr>
-              <a:t>שאלה </a:t>
-            </a:r>
-            <a:r>
-              <a:rPr lang="he-IL" sz="4200" b="1" kern="0" dirty="0">
-                <a:solidFill>
-                  <a:srgbClr val="006633"/>
-                </a:solidFill>
-                <a:latin typeface="Garamond"/>
-                <a:ea typeface="+mj-ea"/>
-                <a:cs typeface="Arial"/>
-              </a:rPr>
-              <a:t>4 המשך</a:t>
-            </a:r>
-            <a:endParaRPr lang="en-US" sz="4200" b="1" kern="0" dirty="0">
-              <a:solidFill>
-                <a:srgbClr val="006633"/>
-              </a:solidFill>
-              <a:latin typeface="Garamond"/>
-              <a:ea typeface="+mj-ea"/>
-              <a:cs typeface="Arial"/>
-            </a:endParaRPr>
-          </a:p>
-        </p:txBody>
-      </p:sp>
-      <p:sp>
-        <p:nvSpPr>
-          <p:cNvPr id="9" name="TextBox 8"/>
-          <p:cNvSpPr txBox="1"/>
-          <p:nvPr/>
-        </p:nvSpPr>
-        <p:spPr>
-          <a:xfrm>
-            <a:off x="6496050" y="947242"/>
-            <a:ext cx="5422900" cy="400110"/>
-          </a:xfrm>
-          <a:prstGeom prst="rect">
-            <a:avLst/>
-          </a:prstGeom>
-          <a:noFill/>
-        </p:spPr>
-        <p:txBody>
-          <a:bodyPr wrap="square" rtlCol="1">
-            <a:spAutoFit/>
-          </a:bodyPr>
-          <a:lstStyle/>
-          <a:p>
-            <a:r>
-              <a:rPr lang="he-IL" sz="2000" dirty="0"/>
-              <a:t>נתונה סדרת מספרים </a:t>
-            </a:r>
-            <a:r>
-              <a:rPr lang="en-US" sz="2000" dirty="0"/>
-              <a:t>(10, 20, 15, 25, 30, 16, 18, 19)</a:t>
-            </a:r>
-            <a:endParaRPr lang="he-IL" sz="2000" dirty="0"/>
-          </a:p>
-        </p:txBody>
-      </p:sp>
-      <p:sp>
-        <p:nvSpPr>
-          <p:cNvPr id="10" name="TextBox 9"/>
-          <p:cNvSpPr txBox="1"/>
-          <p:nvPr/>
-        </p:nvSpPr>
-        <p:spPr>
-          <a:xfrm>
-            <a:off x="8147050" y="1454210"/>
-            <a:ext cx="3771900" cy="784830"/>
-          </a:xfrm>
-          <a:prstGeom prst="rect">
-            <a:avLst/>
-          </a:prstGeom>
-          <a:noFill/>
-        </p:spPr>
-        <p:txBody>
-          <a:bodyPr wrap="square" rtlCol="1">
-            <a:spAutoFit/>
-          </a:bodyPr>
-          <a:lstStyle/>
-          <a:p>
-            <a:pPr marL="342900" lvl="0" indent="-342900">
-              <a:spcAft>
-                <a:spcPts val="600"/>
-              </a:spcAft>
-              <a:buFont typeface="+mj-lt"/>
-              <a:buAutoNum type="arabicPeriod"/>
-            </a:pPr>
-            <a:r>
-              <a:rPr lang="he-IL" sz="2000" dirty="0"/>
-              <a:t>בנה עץ בינארי מאוזן </a:t>
-            </a:r>
-            <a:r>
-              <a:rPr lang="en-US" sz="2000" dirty="0"/>
-              <a:t>AVL</a:t>
-            </a:r>
-            <a:r>
-              <a:rPr lang="he-IL" sz="2000" dirty="0"/>
-              <a:t>.</a:t>
-            </a:r>
-            <a:endParaRPr lang="en-US" sz="2000" dirty="0"/>
-          </a:p>
-          <a:p>
-            <a:pPr marL="342900" lvl="0" indent="-342900">
-              <a:spcAft>
-                <a:spcPts val="600"/>
-              </a:spcAft>
-              <a:buFont typeface="+mj-lt"/>
-              <a:buAutoNum type="arabicPeriod"/>
-            </a:pPr>
-            <a:r>
-              <a:rPr lang="he-IL" sz="2000" dirty="0"/>
-              <a:t>איך נראה עץ אחרי מחיקת 30</a:t>
-            </a:r>
-            <a:r>
-              <a:rPr lang="he-IL" sz="2000" dirty="0" smtClean="0"/>
-              <a:t>?</a:t>
-            </a:r>
-            <a:endParaRPr lang="en-US" sz="2000" dirty="0"/>
-          </a:p>
-        </p:txBody>
-      </p:sp>
-      <p:sp>
-        <p:nvSpPr>
-          <p:cNvPr id="11" name="TextBox 10"/>
-          <p:cNvSpPr txBox="1"/>
-          <p:nvPr/>
-        </p:nvSpPr>
-        <p:spPr>
-          <a:xfrm>
-            <a:off x="4646775" y="2371932"/>
-            <a:ext cx="876300" cy="369332"/>
-          </a:xfrm>
-          <a:prstGeom prst="rect">
-            <a:avLst/>
-          </a:prstGeom>
-          <a:noFill/>
-        </p:spPr>
-        <p:txBody>
-          <a:bodyPr wrap="square" rtlCol="1">
-            <a:spAutoFit/>
-          </a:bodyPr>
-          <a:lstStyle/>
-          <a:p>
-            <a:pPr algn="l" rtl="0"/>
-            <a:r>
-              <a:rPr lang="en-US" b="1" dirty="0" smtClean="0">
-                <a:solidFill>
-                  <a:srgbClr val="FF0000"/>
-                </a:solidFill>
-              </a:rPr>
-              <a:t>P = -2</a:t>
-            </a:r>
-            <a:endParaRPr lang="he-IL" b="1" dirty="0">
-              <a:solidFill>
-                <a:srgbClr val="FF0000"/>
-              </a:solidFill>
-            </a:endParaRPr>
-          </a:p>
-        </p:txBody>
-      </p:sp>
-      <p:sp>
-        <p:nvSpPr>
-          <p:cNvPr id="12" name="TextBox 11"/>
-          <p:cNvSpPr txBox="1"/>
-          <p:nvPr/>
-        </p:nvSpPr>
-        <p:spPr>
-          <a:xfrm>
-            <a:off x="4973339" y="2807542"/>
-            <a:ext cx="749300" cy="369332"/>
-          </a:xfrm>
-          <a:prstGeom prst="rect">
-            <a:avLst/>
-          </a:prstGeom>
-          <a:noFill/>
-        </p:spPr>
-        <p:txBody>
-          <a:bodyPr wrap="square" rtlCol="1">
-            <a:spAutoFit/>
-          </a:bodyPr>
-          <a:lstStyle/>
-          <a:p>
-            <a:pPr algn="l" rtl="0"/>
-            <a:r>
-              <a:rPr lang="en-US" b="1" dirty="0" smtClean="0">
-                <a:solidFill>
-                  <a:srgbClr val="FF0000"/>
-                </a:solidFill>
-              </a:rPr>
-              <a:t>R = -1</a:t>
-            </a:r>
-            <a:endParaRPr lang="he-IL" b="1" dirty="0">
-              <a:solidFill>
-                <a:srgbClr val="FF0000"/>
-              </a:solidFill>
-            </a:endParaRPr>
-          </a:p>
-        </p:txBody>
-      </p:sp>
-      <p:sp>
-        <p:nvSpPr>
-          <p:cNvPr id="13" name="TextBox 12"/>
-          <p:cNvSpPr txBox="1"/>
-          <p:nvPr/>
-        </p:nvSpPr>
-        <p:spPr>
-          <a:xfrm>
-            <a:off x="3964825" y="2416170"/>
-            <a:ext cx="374650" cy="369332"/>
-          </a:xfrm>
-          <a:prstGeom prst="rect">
-            <a:avLst/>
-          </a:prstGeom>
-          <a:noFill/>
-        </p:spPr>
-        <p:txBody>
-          <a:bodyPr wrap="square" rtlCol="1">
-            <a:spAutoFit/>
-          </a:bodyPr>
-          <a:lstStyle/>
-          <a:p>
-            <a:r>
-              <a:rPr lang="en-US" b="1" dirty="0" smtClean="0"/>
-              <a:t>z</a:t>
-            </a:r>
-            <a:endParaRPr lang="he-IL" b="1" dirty="0"/>
-          </a:p>
-        </p:txBody>
-      </p:sp>
-      <p:sp>
-        <p:nvSpPr>
-          <p:cNvPr id="14" name="TextBox 13"/>
-          <p:cNvSpPr txBox="1"/>
-          <p:nvPr/>
-        </p:nvSpPr>
-        <p:spPr>
-          <a:xfrm>
-            <a:off x="4255217" y="2806746"/>
-            <a:ext cx="374650" cy="369332"/>
-          </a:xfrm>
-          <a:prstGeom prst="rect">
-            <a:avLst/>
-          </a:prstGeom>
-          <a:noFill/>
-        </p:spPr>
-        <p:txBody>
-          <a:bodyPr wrap="square" rtlCol="1">
-            <a:spAutoFit/>
-          </a:bodyPr>
-          <a:lstStyle/>
-          <a:p>
-            <a:r>
-              <a:rPr lang="en-US" b="1" dirty="0" smtClean="0"/>
-              <a:t>y</a:t>
-            </a:r>
-            <a:endParaRPr lang="he-IL" b="1" dirty="0"/>
-          </a:p>
-        </p:txBody>
-      </p:sp>
-      <p:sp>
-        <p:nvSpPr>
-          <p:cNvPr id="15" name="TextBox 14"/>
-          <p:cNvSpPr txBox="1"/>
-          <p:nvPr/>
-        </p:nvSpPr>
-        <p:spPr>
-          <a:xfrm>
-            <a:off x="5189523" y="3198575"/>
-            <a:ext cx="431672" cy="369332"/>
-          </a:xfrm>
-          <a:prstGeom prst="rect">
-            <a:avLst/>
-          </a:prstGeom>
-          <a:noFill/>
-        </p:spPr>
-        <p:txBody>
-          <a:bodyPr wrap="square" rtlCol="1">
-            <a:spAutoFit/>
-          </a:bodyPr>
-          <a:lstStyle/>
-          <a:p>
-            <a:r>
-              <a:rPr lang="en-US" b="1" dirty="0" smtClean="0"/>
-              <a:t>x</a:t>
-            </a:r>
-            <a:endParaRPr lang="he-IL" b="1" dirty="0"/>
-          </a:p>
-        </p:txBody>
-      </p:sp>
-      <p:sp>
-        <p:nvSpPr>
-          <p:cNvPr id="16" name="חץ מעוקל למעלה 13"/>
-          <p:cNvSpPr/>
-          <p:nvPr/>
-        </p:nvSpPr>
-        <p:spPr>
-          <a:xfrm rot="10396143">
-            <a:off x="4205338" y="3226650"/>
-            <a:ext cx="514350" cy="236617"/>
-          </a:xfrm>
-          <a:prstGeom prst="curvedUpArrow">
-            <a:avLst/>
-          </a:prstGeom>
-        </p:spPr>
-        <p:style>
-          <a:lnRef idx="2">
-            <a:schemeClr val="accent1">
-              <a:shade val="50000"/>
-            </a:schemeClr>
-          </a:lnRef>
-          <a:fillRef idx="1">
-            <a:schemeClr val="accent1"/>
-          </a:fillRef>
-          <a:effectRef idx="0">
-            <a:schemeClr val="accent1"/>
-          </a:effectRef>
-          <a:fontRef idx="minor">
-            <a:schemeClr val="lt1"/>
-          </a:fontRef>
-        </p:style>
-        <p:txBody>
-          <a:bodyPr rtlCol="1" anchor="ctr"/>
-          <a:lstStyle/>
-          <a:p>
-            <a:pPr algn="ctr"/>
-            <a:endParaRPr lang="he-IL">
-              <a:solidFill>
-                <a:schemeClr val="tx1"/>
-              </a:solidFill>
-            </a:endParaRPr>
-          </a:p>
-        </p:txBody>
-      </p:sp>
-      <p:sp>
-        <p:nvSpPr>
-          <p:cNvPr id="17" name="TextBox 16"/>
-          <p:cNvSpPr txBox="1"/>
-          <p:nvPr/>
-        </p:nvSpPr>
-        <p:spPr>
-          <a:xfrm>
-            <a:off x="606075" y="3587968"/>
-            <a:ext cx="876300" cy="369332"/>
-          </a:xfrm>
-          <a:prstGeom prst="rect">
-            <a:avLst/>
-          </a:prstGeom>
-          <a:noFill/>
-        </p:spPr>
-        <p:txBody>
-          <a:bodyPr wrap="square" rtlCol="1">
-            <a:spAutoFit/>
-          </a:bodyPr>
-          <a:lstStyle/>
-          <a:p>
-            <a:pPr algn="l" rtl="0"/>
-            <a:r>
-              <a:rPr lang="en-US" b="1" dirty="0" smtClean="0">
-                <a:solidFill>
-                  <a:srgbClr val="FF0000"/>
-                </a:solidFill>
-              </a:rPr>
-              <a:t>P = 2</a:t>
-            </a:r>
-            <a:endParaRPr lang="he-IL" b="1" dirty="0">
-              <a:solidFill>
-                <a:srgbClr val="FF0000"/>
-              </a:solidFill>
-            </a:endParaRPr>
-          </a:p>
-        </p:txBody>
-      </p:sp>
-      <p:sp>
-        <p:nvSpPr>
-          <p:cNvPr id="18" name="TextBox 17"/>
-          <p:cNvSpPr txBox="1"/>
-          <p:nvPr/>
-        </p:nvSpPr>
-        <p:spPr>
-          <a:xfrm>
-            <a:off x="147338" y="4202884"/>
-            <a:ext cx="749300" cy="369332"/>
-          </a:xfrm>
-          <a:prstGeom prst="rect">
-            <a:avLst/>
-          </a:prstGeom>
-          <a:noFill/>
-        </p:spPr>
-        <p:txBody>
-          <a:bodyPr wrap="square" rtlCol="1">
-            <a:spAutoFit/>
-          </a:bodyPr>
-          <a:lstStyle/>
-          <a:p>
-            <a:pPr algn="l" rtl="0"/>
-            <a:r>
-              <a:rPr lang="en-US" b="1" dirty="0" smtClean="0">
-                <a:solidFill>
-                  <a:srgbClr val="FF0000"/>
-                </a:solidFill>
-              </a:rPr>
-              <a:t>L = -1</a:t>
-            </a:r>
-            <a:endParaRPr lang="he-IL" b="1" dirty="0">
-              <a:solidFill>
-                <a:srgbClr val="FF0000"/>
-              </a:solidFill>
-            </a:endParaRPr>
-          </a:p>
-        </p:txBody>
-      </p:sp>
-      <p:pic>
-        <p:nvPicPr>
-          <p:cNvPr id="19" name="תמונה 22"/>
-          <p:cNvPicPr>
-            <a:picLocks noChangeAspect="1"/>
-          </p:cNvPicPr>
-          <p:nvPr/>
-        </p:nvPicPr>
-        <p:blipFill rotWithShape="1">
-          <a:blip r:embed="rId7">
-            <a:extLst>
-              <a:ext uri="{28A0092B-C50C-407E-A947-70E740481C1C}">
-                <a14:useLocalDpi xmlns:a14="http://schemas.microsoft.com/office/drawing/2010/main" val="0"/>
-              </a:ext>
-            </a:extLst>
-          </a:blip>
-          <a:srcRect l="16500" r="49333" b="48000"/>
-          <a:stretch/>
-        </p:blipFill>
-        <p:spPr>
-          <a:xfrm>
-            <a:off x="6280379" y="1316574"/>
-            <a:ext cx="2352096" cy="2684831"/>
-          </a:xfrm>
-          <a:prstGeom prst="rect">
-            <a:avLst/>
-          </a:prstGeom>
-        </p:spPr>
-      </p:pic>
-      <p:sp>
-        <p:nvSpPr>
-          <p:cNvPr id="21" name="אליפסה 23"/>
-          <p:cNvSpPr/>
-          <p:nvPr/>
-        </p:nvSpPr>
-        <p:spPr>
-          <a:xfrm>
-            <a:off x="7962900" y="2700358"/>
-            <a:ext cx="762000" cy="701488"/>
-          </a:xfrm>
-          <a:prstGeom prst="ellipse">
-            <a:avLst/>
-          </a:prstGeom>
-          <a:noFill/>
-          <a:ln w="25400">
-            <a:solidFill>
-              <a:srgbClr val="FF0000"/>
-            </a:solidFill>
-          </a:ln>
-        </p:spPr>
-        <p:style>
-          <a:lnRef idx="2">
-            <a:schemeClr val="accent1">
-              <a:shade val="50000"/>
-            </a:schemeClr>
-          </a:lnRef>
-          <a:fillRef idx="1">
-            <a:schemeClr val="accent1"/>
-          </a:fillRef>
-          <a:effectRef idx="0">
-            <a:schemeClr val="accent1"/>
-          </a:effectRef>
-          <a:fontRef idx="minor">
-            <a:schemeClr val="lt1"/>
-          </a:fontRef>
-        </p:style>
-        <p:txBody>
-          <a:bodyPr rtlCol="1" anchor="ctr"/>
-          <a:lstStyle/>
-          <a:p>
-            <a:pPr algn="ctr"/>
-            <a:endParaRPr lang="he-IL"/>
-          </a:p>
-        </p:txBody>
-      </p:sp>
-      <p:sp>
-        <p:nvSpPr>
-          <p:cNvPr id="22" name="חץ מעוקל למעלה 27"/>
-          <p:cNvSpPr/>
-          <p:nvPr/>
-        </p:nvSpPr>
-        <p:spPr>
-          <a:xfrm rot="10396143">
-            <a:off x="685214" y="1580681"/>
-            <a:ext cx="514350" cy="236617"/>
-          </a:xfrm>
-          <a:prstGeom prst="curvedUpArrow">
-            <a:avLst/>
-          </a:prstGeom>
-        </p:spPr>
-        <p:style>
-          <a:lnRef idx="2">
-            <a:schemeClr val="accent1">
-              <a:shade val="50000"/>
-            </a:schemeClr>
-          </a:lnRef>
-          <a:fillRef idx="1">
-            <a:schemeClr val="accent1"/>
-          </a:fillRef>
-          <a:effectRef idx="0">
-            <a:schemeClr val="accent1"/>
-          </a:effectRef>
-          <a:fontRef idx="minor">
-            <a:schemeClr val="lt1"/>
-          </a:fontRef>
-        </p:style>
-        <p:txBody>
-          <a:bodyPr rtlCol="1" anchor="ctr"/>
-          <a:lstStyle/>
-          <a:p>
-            <a:pPr algn="ctr"/>
-            <a:endParaRPr lang="he-IL">
-              <a:solidFill>
-                <a:schemeClr val="tx1"/>
-              </a:solidFill>
-            </a:endParaRPr>
-          </a:p>
-        </p:txBody>
-      </p:sp>
-      <p:sp>
-        <p:nvSpPr>
-          <p:cNvPr id="23" name="TextBox 22"/>
-          <p:cNvSpPr txBox="1"/>
-          <p:nvPr/>
-        </p:nvSpPr>
-        <p:spPr>
-          <a:xfrm>
-            <a:off x="1056811" y="1001812"/>
-            <a:ext cx="374650" cy="369332"/>
-          </a:xfrm>
-          <a:prstGeom prst="rect">
-            <a:avLst/>
-          </a:prstGeom>
-          <a:noFill/>
-        </p:spPr>
-        <p:txBody>
-          <a:bodyPr wrap="square" rtlCol="1">
-            <a:spAutoFit/>
-          </a:bodyPr>
-          <a:lstStyle/>
-          <a:p>
-            <a:r>
-              <a:rPr lang="en-US" b="1" dirty="0" smtClean="0"/>
-              <a:t>z</a:t>
-            </a:r>
-            <a:endParaRPr lang="he-IL" b="1" dirty="0"/>
-          </a:p>
-        </p:txBody>
-      </p:sp>
-      <p:sp>
-        <p:nvSpPr>
-          <p:cNvPr id="24" name="TextBox 23"/>
-          <p:cNvSpPr txBox="1"/>
-          <p:nvPr/>
-        </p:nvSpPr>
-        <p:spPr>
-          <a:xfrm>
-            <a:off x="1482375" y="1514323"/>
-            <a:ext cx="374650" cy="369332"/>
-          </a:xfrm>
-          <a:prstGeom prst="rect">
-            <a:avLst/>
-          </a:prstGeom>
-          <a:noFill/>
-        </p:spPr>
-        <p:txBody>
-          <a:bodyPr wrap="square" rtlCol="1">
-            <a:spAutoFit/>
-          </a:bodyPr>
-          <a:lstStyle/>
-          <a:p>
-            <a:r>
-              <a:rPr lang="en-US" b="1" dirty="0" smtClean="0"/>
-              <a:t>y</a:t>
-            </a:r>
-            <a:endParaRPr lang="he-IL" b="1" dirty="0"/>
-          </a:p>
-        </p:txBody>
-      </p:sp>
-      <p:sp>
-        <p:nvSpPr>
-          <p:cNvPr id="25" name="TextBox 24"/>
-          <p:cNvSpPr txBox="1"/>
-          <p:nvPr/>
-        </p:nvSpPr>
-        <p:spPr>
-          <a:xfrm>
-            <a:off x="1806466" y="2118763"/>
-            <a:ext cx="431672" cy="369332"/>
-          </a:xfrm>
-          <a:prstGeom prst="rect">
-            <a:avLst/>
-          </a:prstGeom>
-          <a:noFill/>
-        </p:spPr>
-        <p:txBody>
-          <a:bodyPr wrap="square" rtlCol="1">
-            <a:spAutoFit/>
-          </a:bodyPr>
-          <a:lstStyle/>
-          <a:p>
-            <a:r>
-              <a:rPr lang="en-US" b="1" dirty="0" smtClean="0"/>
-              <a:t>x</a:t>
-            </a:r>
-            <a:endParaRPr lang="he-IL" b="1" dirty="0"/>
-          </a:p>
-        </p:txBody>
-      </p:sp>
-      <p:sp>
-        <p:nvSpPr>
-          <p:cNvPr id="26" name="חץ מעוקל למעלה 32"/>
-          <p:cNvSpPr/>
-          <p:nvPr/>
-        </p:nvSpPr>
-        <p:spPr>
-          <a:xfrm rot="10396143">
-            <a:off x="717692" y="5046391"/>
-            <a:ext cx="514350" cy="236617"/>
-          </a:xfrm>
-          <a:prstGeom prst="curvedUpArrow">
-            <a:avLst/>
-          </a:prstGeom>
-        </p:spPr>
-        <p:style>
-          <a:lnRef idx="2">
-            <a:schemeClr val="accent1">
-              <a:shade val="50000"/>
-            </a:schemeClr>
-          </a:lnRef>
-          <a:fillRef idx="1">
-            <a:schemeClr val="accent1"/>
-          </a:fillRef>
-          <a:effectRef idx="0">
-            <a:schemeClr val="accent1"/>
-          </a:effectRef>
-          <a:fontRef idx="minor">
-            <a:schemeClr val="lt1"/>
-          </a:fontRef>
-        </p:style>
-        <p:txBody>
-          <a:bodyPr rtlCol="1" anchor="ctr"/>
-          <a:lstStyle/>
-          <a:p>
-            <a:pPr algn="ctr"/>
-            <a:endParaRPr lang="he-IL">
-              <a:solidFill>
-                <a:schemeClr val="tx1"/>
-              </a:solidFill>
-            </a:endParaRPr>
-          </a:p>
-        </p:txBody>
-      </p:sp>
-      <p:pic>
-        <p:nvPicPr>
-          <p:cNvPr id="27" name="תמונה 33"/>
-          <p:cNvPicPr>
-            <a:picLocks noChangeAspect="1"/>
-          </p:cNvPicPr>
-          <p:nvPr/>
-        </p:nvPicPr>
-        <p:blipFill rotWithShape="1">
-          <a:blip r:embed="rId8">
-            <a:extLst>
-              <a:ext uri="{28A0092B-C50C-407E-A947-70E740481C1C}">
-                <a14:useLocalDpi xmlns:a14="http://schemas.microsoft.com/office/drawing/2010/main" val="0"/>
-              </a:ext>
-            </a:extLst>
-          </a:blip>
-          <a:srcRect l="10834" r="55166" b="47556"/>
-          <a:stretch/>
-        </p:blipFill>
-        <p:spPr>
-          <a:xfrm>
-            <a:off x="3283594" y="3859539"/>
-            <a:ext cx="2317896" cy="2681488"/>
-          </a:xfrm>
-          <a:prstGeom prst="rect">
-            <a:avLst/>
-          </a:prstGeom>
-        </p:spPr>
-      </p:pic>
-      <p:sp>
-        <p:nvSpPr>
-          <p:cNvPr id="28" name="חץ מעוקל למטה 34"/>
-          <p:cNvSpPr/>
-          <p:nvPr/>
-        </p:nvSpPr>
-        <p:spPr>
-          <a:xfrm>
-            <a:off x="4629867" y="4509810"/>
-            <a:ext cx="539750" cy="243019"/>
-          </a:xfrm>
-          <a:prstGeom prst="curvedDownArrow">
-            <a:avLst/>
-          </a:prstGeom>
-        </p:spPr>
-        <p:style>
-          <a:lnRef idx="2">
-            <a:schemeClr val="accent1">
-              <a:shade val="50000"/>
-            </a:schemeClr>
-          </a:lnRef>
-          <a:fillRef idx="1">
-            <a:schemeClr val="accent1"/>
-          </a:fillRef>
-          <a:effectRef idx="0">
-            <a:schemeClr val="accent1"/>
-          </a:effectRef>
-          <a:fontRef idx="minor">
-            <a:schemeClr val="lt1"/>
-          </a:fontRef>
-        </p:style>
-        <p:txBody>
-          <a:bodyPr rtlCol="1" anchor="ctr"/>
-          <a:lstStyle/>
-          <a:p>
-            <a:pPr algn="ctr"/>
-            <a:endParaRPr lang="he-IL">
-              <a:solidFill>
-                <a:schemeClr val="tx1"/>
-              </a:solidFill>
-            </a:endParaRPr>
-          </a:p>
-        </p:txBody>
-      </p:sp>
-      <p:pic>
-        <p:nvPicPr>
-          <p:cNvPr id="29" name="תמונה 35"/>
-          <p:cNvPicPr>
-            <a:picLocks noChangeAspect="1"/>
-          </p:cNvPicPr>
-          <p:nvPr/>
-        </p:nvPicPr>
-        <p:blipFill rotWithShape="1">
-          <a:blip r:embed="rId9">
-            <a:extLst>
-              <a:ext uri="{28A0092B-C50C-407E-A947-70E740481C1C}">
-                <a14:useLocalDpi xmlns:a14="http://schemas.microsoft.com/office/drawing/2010/main" val="0"/>
-              </a:ext>
-            </a:extLst>
-          </a:blip>
-          <a:srcRect l="8759" t="13725" r="51574" b="48275"/>
-          <a:stretch/>
-        </p:blipFill>
-        <p:spPr>
-          <a:xfrm>
-            <a:off x="6832599" y="4199806"/>
-            <a:ext cx="3022601" cy="2171701"/>
-          </a:xfrm>
-          <a:prstGeom prst="rect">
-            <a:avLst/>
-          </a:prstGeom>
-        </p:spPr>
-      </p:pic>
-    </p:spTree>
-    <p:extLst>
-      <p:ext uri="{BB962C8B-B14F-4D97-AF65-F5344CB8AC3E}">
-        <p14:creationId xmlns:p14="http://schemas.microsoft.com/office/powerpoint/2010/main" val="559394865"/>
-      </p:ext>
-    </p:extLst>
-  </p:cSld>
-  <p:clrMapOvr>
-    <a:masterClrMapping/>
-  </p:clrMapOvr>
-  <p:timing>
-    <p:tnLst>
-      <p:par>
-        <p:cTn id="1" dur="indefinite" restart="never" nodeType="tmRoot">
-          <p:childTnLst>
-            <p:seq concurrent="1" nextAc="seek">
-              <p:cTn id="2" dur="indefinite" nodeType="mainSeq">
-                <p:childTnLst>
-                  <p:par>
-                    <p:cTn id="3" fill="hold">
-                      <p:stCondLst>
-                        <p:cond delay="indefinite"/>
-                      </p:stCondLst>
-                      <p:childTnLst>
-                        <p:par>
-                          <p:cTn id="4" fill="hold">
-                            <p:stCondLst>
-                              <p:cond delay="0"/>
-                            </p:stCondLst>
-                            <p:childTnLst>
-                              <p:par>
-                                <p:cTn id="5" presetID="1" presetClass="entr" presetSubtype="0" fill="hold" grpId="0" nodeType="clickEffect">
-                                  <p:stCondLst>
-                                    <p:cond delay="0"/>
-                                  </p:stCondLst>
-                                  <p:childTnLst>
-                                    <p:set>
-                                      <p:cBhvr>
-                                        <p:cTn id="6" dur="1" fill="hold">
-                                          <p:stCondLst>
-                                            <p:cond delay="0"/>
-                                          </p:stCondLst>
-                                        </p:cTn>
-                                        <p:tgtEl>
-                                          <p:spTgt spid="22"/>
-                                        </p:tgtEl>
-                                        <p:attrNameLst>
-                                          <p:attrName>style.visibility</p:attrName>
-                                        </p:attrNameLst>
-                                      </p:cBhvr>
-                                      <p:to>
-                                        <p:strVal val="visible"/>
-                                      </p:to>
-                                    </p:set>
-                                  </p:childTnLst>
-                                </p:cTn>
-                              </p:par>
-                              <p:par>
-                                <p:cTn id="7" presetID="1" presetClass="entr" presetSubtype="0" fill="hold" grpId="0" nodeType="withEffect">
-                                  <p:stCondLst>
-                                    <p:cond delay="0"/>
-                                  </p:stCondLst>
-                                  <p:childTnLst>
-                                    <p:set>
-                                      <p:cBhvr>
-                                        <p:cTn id="8" dur="1" fill="hold">
-                                          <p:stCondLst>
-                                            <p:cond delay="0"/>
-                                          </p:stCondLst>
-                                        </p:cTn>
-                                        <p:tgtEl>
-                                          <p:spTgt spid="23"/>
-                                        </p:tgtEl>
-                                        <p:attrNameLst>
-                                          <p:attrName>style.visibility</p:attrName>
-                                        </p:attrNameLst>
-                                      </p:cBhvr>
-                                      <p:to>
-                                        <p:strVal val="visible"/>
-                                      </p:to>
-                                    </p:set>
-                                  </p:childTnLst>
-                                </p:cTn>
-                              </p:par>
-                              <p:par>
-                                <p:cTn id="9" presetID="1" presetClass="entr" presetSubtype="0" fill="hold" grpId="0" nodeType="withEffect">
-                                  <p:stCondLst>
-                                    <p:cond delay="0"/>
-                                  </p:stCondLst>
-                                  <p:childTnLst>
-                                    <p:set>
-                                      <p:cBhvr>
-                                        <p:cTn id="10" dur="1" fill="hold">
-                                          <p:stCondLst>
-                                            <p:cond delay="0"/>
-                                          </p:stCondLst>
-                                        </p:cTn>
-                                        <p:tgtEl>
-                                          <p:spTgt spid="24"/>
-                                        </p:tgtEl>
-                                        <p:attrNameLst>
-                                          <p:attrName>style.visibility</p:attrName>
-                                        </p:attrNameLst>
-                                      </p:cBhvr>
-                                      <p:to>
-                                        <p:strVal val="visible"/>
-                                      </p:to>
-                                    </p:set>
-                                  </p:childTnLst>
-                                </p:cTn>
-                              </p:par>
-                              <p:par>
-                                <p:cTn id="11" presetID="1" presetClass="entr" presetSubtype="0" fill="hold" grpId="0" nodeType="withEffect">
-                                  <p:stCondLst>
-                                    <p:cond delay="0"/>
-                                  </p:stCondLst>
-                                  <p:childTnLst>
-                                    <p:set>
-                                      <p:cBhvr>
-                                        <p:cTn id="12" dur="1" fill="hold">
-                                          <p:stCondLst>
-                                            <p:cond delay="0"/>
-                                          </p:stCondLst>
-                                        </p:cTn>
-                                        <p:tgtEl>
-                                          <p:spTgt spid="25"/>
-                                        </p:tgtEl>
-                                        <p:attrNameLst>
-                                          <p:attrName>style.visibility</p:attrName>
-                                        </p:attrNameLst>
-                                      </p:cBhvr>
-                                      <p:to>
-                                        <p:strVal val="visible"/>
-                                      </p:to>
-                                    </p:set>
-                                  </p:childTnLst>
-                                </p:cTn>
-                              </p:par>
-                            </p:childTnLst>
-                          </p:cTn>
-                        </p:par>
-                      </p:childTnLst>
-                    </p:cTn>
-                  </p:par>
-                  <p:par>
-                    <p:cTn id="13" fill="hold">
-                      <p:stCondLst>
-                        <p:cond delay="indefinite"/>
-                      </p:stCondLst>
-                      <p:childTnLst>
-                        <p:par>
-                          <p:cTn id="14" fill="hold">
-                            <p:stCondLst>
-                              <p:cond delay="0"/>
-                            </p:stCondLst>
-                            <p:childTnLst>
-                              <p:par>
-                                <p:cTn id="15" presetID="1" presetClass="entr" presetSubtype="0" fill="hold" nodeType="clickEffect">
-                                  <p:stCondLst>
-                                    <p:cond delay="0"/>
-                                  </p:stCondLst>
-                                  <p:childTnLst>
-                                    <p:set>
-                                      <p:cBhvr>
-                                        <p:cTn id="16" dur="1" fill="hold">
-                                          <p:stCondLst>
-                                            <p:cond delay="0"/>
-                                          </p:stCondLst>
-                                        </p:cTn>
-                                        <p:tgtEl>
-                                          <p:spTgt spid="5"/>
-                                        </p:tgtEl>
-                                        <p:attrNameLst>
-                                          <p:attrName>style.visibility</p:attrName>
-                                        </p:attrNameLst>
-                                      </p:cBhvr>
-                                      <p:to>
-                                        <p:strVal val="visible"/>
-                                      </p:to>
-                                    </p:set>
-                                  </p:childTnLst>
-                                </p:cTn>
-                              </p:par>
-                              <p:par>
-                                <p:cTn id="17" presetID="1" presetClass="entr" presetSubtype="0" fill="hold" grpId="0" nodeType="withEffect">
-                                  <p:stCondLst>
-                                    <p:cond delay="0"/>
-                                  </p:stCondLst>
-                                  <p:childTnLst>
-                                    <p:set>
-                                      <p:cBhvr>
-                                        <p:cTn id="18" dur="1" fill="hold">
-                                          <p:stCondLst>
-                                            <p:cond delay="0"/>
-                                          </p:stCondLst>
-                                        </p:cTn>
-                                        <p:tgtEl>
-                                          <p:spTgt spid="11"/>
-                                        </p:tgtEl>
-                                        <p:attrNameLst>
-                                          <p:attrName>style.visibility</p:attrName>
-                                        </p:attrNameLst>
-                                      </p:cBhvr>
-                                      <p:to>
-                                        <p:strVal val="visible"/>
-                                      </p:to>
-                                    </p:set>
-                                  </p:childTnLst>
-                                </p:cTn>
-                              </p:par>
-                              <p:par>
-                                <p:cTn id="19" presetID="1" presetClass="entr" presetSubtype="0" fill="hold" grpId="0" nodeType="withEffect">
-                                  <p:stCondLst>
-                                    <p:cond delay="0"/>
-                                  </p:stCondLst>
-                                  <p:childTnLst>
-                                    <p:set>
-                                      <p:cBhvr>
-                                        <p:cTn id="20" dur="1" fill="hold">
-                                          <p:stCondLst>
-                                            <p:cond delay="0"/>
-                                          </p:stCondLst>
-                                        </p:cTn>
-                                        <p:tgtEl>
-                                          <p:spTgt spid="12"/>
-                                        </p:tgtEl>
-                                        <p:attrNameLst>
-                                          <p:attrName>style.visibility</p:attrName>
-                                        </p:attrNameLst>
-                                      </p:cBhvr>
-                                      <p:to>
-                                        <p:strVal val="visible"/>
-                                      </p:to>
-                                    </p:set>
-                                  </p:childTnLst>
-                                </p:cTn>
-                              </p:par>
-                              <p:par>
-                                <p:cTn id="21" presetID="1" presetClass="entr" presetSubtype="0" fill="hold" grpId="0" nodeType="withEffect">
-                                  <p:stCondLst>
-                                    <p:cond delay="0"/>
-                                  </p:stCondLst>
-                                  <p:childTnLst>
-                                    <p:set>
-                                      <p:cBhvr>
-                                        <p:cTn id="22" dur="1" fill="hold">
-                                          <p:stCondLst>
-                                            <p:cond delay="0"/>
-                                          </p:stCondLst>
-                                        </p:cTn>
-                                        <p:tgtEl>
-                                          <p:spTgt spid="15"/>
-                                        </p:tgtEl>
-                                        <p:attrNameLst>
-                                          <p:attrName>style.visibility</p:attrName>
-                                        </p:attrNameLst>
-                                      </p:cBhvr>
-                                      <p:to>
-                                        <p:strVal val="visible"/>
-                                      </p:to>
-                                    </p:set>
-                                  </p:childTnLst>
-                                </p:cTn>
-                              </p:par>
-                              <p:par>
-                                <p:cTn id="23" presetID="1" presetClass="entr" presetSubtype="0" fill="hold" grpId="0" nodeType="withEffect">
-                                  <p:stCondLst>
-                                    <p:cond delay="0"/>
-                                  </p:stCondLst>
-                                  <p:childTnLst>
-                                    <p:set>
-                                      <p:cBhvr>
-                                        <p:cTn id="24" dur="1" fill="hold">
-                                          <p:stCondLst>
-                                            <p:cond delay="0"/>
-                                          </p:stCondLst>
-                                        </p:cTn>
-                                        <p:tgtEl>
-                                          <p:spTgt spid="14"/>
-                                        </p:tgtEl>
-                                        <p:attrNameLst>
-                                          <p:attrName>style.visibility</p:attrName>
-                                        </p:attrNameLst>
-                                      </p:cBhvr>
-                                      <p:to>
-                                        <p:strVal val="visible"/>
-                                      </p:to>
-                                    </p:set>
-                                  </p:childTnLst>
-                                </p:cTn>
-                              </p:par>
-                              <p:par>
-                                <p:cTn id="25" presetID="1" presetClass="entr" presetSubtype="0" fill="hold" grpId="0" nodeType="withEffect">
-                                  <p:stCondLst>
-                                    <p:cond delay="0"/>
-                                  </p:stCondLst>
-                                  <p:childTnLst>
-                                    <p:set>
-                                      <p:cBhvr>
-                                        <p:cTn id="26" dur="1" fill="hold">
-                                          <p:stCondLst>
-                                            <p:cond delay="0"/>
-                                          </p:stCondLst>
-                                        </p:cTn>
-                                        <p:tgtEl>
-                                          <p:spTgt spid="13"/>
-                                        </p:tgtEl>
-                                        <p:attrNameLst>
-                                          <p:attrName>style.visibility</p:attrName>
-                                        </p:attrNameLst>
-                                      </p:cBhvr>
-                                      <p:to>
-                                        <p:strVal val="visible"/>
-                                      </p:to>
-                                    </p:set>
-                                  </p:childTnLst>
-                                </p:cTn>
-                              </p:par>
-                              <p:par>
-                                <p:cTn id="27" presetID="1" presetClass="entr" presetSubtype="0" fill="hold" grpId="0" nodeType="withEffect">
-                                  <p:stCondLst>
-                                    <p:cond delay="0"/>
-                                  </p:stCondLst>
-                                  <p:childTnLst>
-                                    <p:set>
-                                      <p:cBhvr>
-                                        <p:cTn id="28" dur="1" fill="hold">
-                                          <p:stCondLst>
-                                            <p:cond delay="0"/>
-                                          </p:stCondLst>
-                                        </p:cTn>
-                                        <p:tgtEl>
-                                          <p:spTgt spid="16"/>
-                                        </p:tgtEl>
-                                        <p:attrNameLst>
-                                          <p:attrName>style.visibility</p:attrName>
-                                        </p:attrNameLst>
-                                      </p:cBhvr>
-                                      <p:to>
-                                        <p:strVal val="visible"/>
-                                      </p:to>
-                                    </p:set>
-                                  </p:childTnLst>
-                                </p:cTn>
-                              </p:par>
-                            </p:childTnLst>
-                          </p:cTn>
-                        </p:par>
-                      </p:childTnLst>
-                    </p:cTn>
-                  </p:par>
-                  <p:par>
-                    <p:cTn id="29" fill="hold">
-                      <p:stCondLst>
-                        <p:cond delay="indefinite"/>
-                      </p:stCondLst>
-                      <p:childTnLst>
-                        <p:par>
-                          <p:cTn id="30" fill="hold">
-                            <p:stCondLst>
-                              <p:cond delay="0"/>
-                            </p:stCondLst>
-                            <p:childTnLst>
-                              <p:par>
-                                <p:cTn id="31" presetID="1" presetClass="entr" presetSubtype="0" fill="hold" grpId="0" nodeType="clickEffect">
-                                  <p:stCondLst>
-                                    <p:cond delay="0"/>
-                                  </p:stCondLst>
-                                  <p:childTnLst>
-                                    <p:set>
-                                      <p:cBhvr>
-                                        <p:cTn id="32" dur="1" fill="hold">
-                                          <p:stCondLst>
-                                            <p:cond delay="0"/>
-                                          </p:stCondLst>
-                                        </p:cTn>
-                                        <p:tgtEl>
-                                          <p:spTgt spid="21"/>
-                                        </p:tgtEl>
-                                        <p:attrNameLst>
-                                          <p:attrName>style.visibility</p:attrName>
-                                        </p:attrNameLst>
-                                      </p:cBhvr>
-                                      <p:to>
-                                        <p:strVal val="visible"/>
-                                      </p:to>
-                                    </p:set>
-                                  </p:childTnLst>
-                                </p:cTn>
-                              </p:par>
-                              <p:par>
-                                <p:cTn id="33" presetID="1" presetClass="entr" presetSubtype="0" fill="hold" nodeType="withEffect">
-                                  <p:stCondLst>
-                                    <p:cond delay="0"/>
-                                  </p:stCondLst>
-                                  <p:childTnLst>
-                                    <p:set>
-                                      <p:cBhvr>
-                                        <p:cTn id="34" dur="1" fill="hold">
-                                          <p:stCondLst>
-                                            <p:cond delay="0"/>
-                                          </p:stCondLst>
-                                        </p:cTn>
-                                        <p:tgtEl>
-                                          <p:spTgt spid="19"/>
-                                        </p:tgtEl>
-                                        <p:attrNameLst>
-                                          <p:attrName>style.visibility</p:attrName>
-                                        </p:attrNameLst>
-                                      </p:cBhvr>
-                                      <p:to>
-                                        <p:strVal val="visible"/>
-                                      </p:to>
-                                    </p:set>
-                                  </p:childTnLst>
-                                </p:cTn>
-                              </p:par>
-                            </p:childTnLst>
-                          </p:cTn>
-                        </p:par>
-                      </p:childTnLst>
-                    </p:cTn>
-                  </p:par>
-                  <p:par>
-                    <p:cTn id="35" fill="hold">
-                      <p:stCondLst>
-                        <p:cond delay="indefinite"/>
-                      </p:stCondLst>
-                      <p:childTnLst>
-                        <p:par>
-                          <p:cTn id="36" fill="hold">
-                            <p:stCondLst>
-                              <p:cond delay="0"/>
-                            </p:stCondLst>
-                            <p:childTnLst>
-                              <p:par>
-                                <p:cTn id="37" presetID="1" presetClass="entr" presetSubtype="0" fill="hold" nodeType="clickEffect">
-                                  <p:stCondLst>
-                                    <p:cond delay="0"/>
-                                  </p:stCondLst>
-                                  <p:childTnLst>
-                                    <p:set>
-                                      <p:cBhvr>
-                                        <p:cTn id="38" dur="1" fill="hold">
-                                          <p:stCondLst>
-                                            <p:cond delay="0"/>
-                                          </p:stCondLst>
-                                        </p:cTn>
-                                        <p:tgtEl>
-                                          <p:spTgt spid="6"/>
-                                        </p:tgtEl>
-                                        <p:attrNameLst>
-                                          <p:attrName>style.visibility</p:attrName>
-                                        </p:attrNameLst>
-                                      </p:cBhvr>
-                                      <p:to>
-                                        <p:strVal val="visible"/>
-                                      </p:to>
-                                    </p:set>
-                                  </p:childTnLst>
-                                </p:cTn>
-                              </p:par>
-                              <p:par>
-                                <p:cTn id="39" presetID="1" presetClass="entr" presetSubtype="0" fill="hold" grpId="0" nodeType="withEffect">
-                                  <p:stCondLst>
-                                    <p:cond delay="0"/>
-                                  </p:stCondLst>
-                                  <p:childTnLst>
-                                    <p:set>
-                                      <p:cBhvr>
-                                        <p:cTn id="40" dur="1" fill="hold">
-                                          <p:stCondLst>
-                                            <p:cond delay="0"/>
-                                          </p:stCondLst>
-                                        </p:cTn>
-                                        <p:tgtEl>
-                                          <p:spTgt spid="26"/>
-                                        </p:tgtEl>
-                                        <p:attrNameLst>
-                                          <p:attrName>style.visibility</p:attrName>
-                                        </p:attrNameLst>
-                                      </p:cBhvr>
-                                      <p:to>
-                                        <p:strVal val="visible"/>
-                                      </p:to>
-                                    </p:set>
-                                  </p:childTnLst>
-                                </p:cTn>
-                              </p:par>
-                              <p:par>
-                                <p:cTn id="41" presetID="1" presetClass="entr" presetSubtype="0" fill="hold" grpId="0" nodeType="withEffect">
-                                  <p:stCondLst>
-                                    <p:cond delay="0"/>
-                                  </p:stCondLst>
-                                  <p:childTnLst>
-                                    <p:set>
-                                      <p:cBhvr>
-                                        <p:cTn id="42" dur="1" fill="hold">
-                                          <p:stCondLst>
-                                            <p:cond delay="0"/>
-                                          </p:stCondLst>
-                                        </p:cTn>
-                                        <p:tgtEl>
-                                          <p:spTgt spid="18"/>
-                                        </p:tgtEl>
-                                        <p:attrNameLst>
-                                          <p:attrName>style.visibility</p:attrName>
-                                        </p:attrNameLst>
-                                      </p:cBhvr>
-                                      <p:to>
-                                        <p:strVal val="visible"/>
-                                      </p:to>
-                                    </p:set>
-                                  </p:childTnLst>
-                                </p:cTn>
-                              </p:par>
-                              <p:par>
-                                <p:cTn id="43" presetID="1" presetClass="entr" presetSubtype="0" fill="hold" grpId="0" nodeType="withEffect">
-                                  <p:stCondLst>
-                                    <p:cond delay="0"/>
-                                  </p:stCondLst>
-                                  <p:childTnLst>
-                                    <p:set>
-                                      <p:cBhvr>
-                                        <p:cTn id="44" dur="1" fill="hold">
-                                          <p:stCondLst>
-                                            <p:cond delay="0"/>
-                                          </p:stCondLst>
-                                        </p:cTn>
-                                        <p:tgtEl>
-                                          <p:spTgt spid="17"/>
-                                        </p:tgtEl>
-                                        <p:attrNameLst>
-                                          <p:attrName>style.visibility</p:attrName>
-                                        </p:attrNameLst>
-                                      </p:cBhvr>
-                                      <p:to>
-                                        <p:strVal val="visible"/>
-                                      </p:to>
-                                    </p:set>
-                                  </p:childTnLst>
-                                </p:cTn>
-                              </p:par>
-                            </p:childTnLst>
-                          </p:cTn>
-                        </p:par>
-                      </p:childTnLst>
-                    </p:cTn>
-                  </p:par>
-                  <p:par>
-                    <p:cTn id="45" fill="hold">
-                      <p:stCondLst>
-                        <p:cond delay="indefinite"/>
-                      </p:stCondLst>
-                      <p:childTnLst>
-                        <p:par>
-                          <p:cTn id="46" fill="hold">
-                            <p:stCondLst>
-                              <p:cond delay="0"/>
-                            </p:stCondLst>
-                            <p:childTnLst>
-                              <p:par>
-                                <p:cTn id="47" presetID="1" presetClass="entr" presetSubtype="0" fill="hold" grpId="0" nodeType="clickEffect">
-                                  <p:stCondLst>
-                                    <p:cond delay="0"/>
-                                  </p:stCondLst>
-                                  <p:childTnLst>
-                                    <p:set>
-                                      <p:cBhvr>
-                                        <p:cTn id="48" dur="1" fill="hold">
-                                          <p:stCondLst>
-                                            <p:cond delay="0"/>
-                                          </p:stCondLst>
-                                        </p:cTn>
-                                        <p:tgtEl>
-                                          <p:spTgt spid="28"/>
-                                        </p:tgtEl>
-                                        <p:attrNameLst>
-                                          <p:attrName>style.visibility</p:attrName>
-                                        </p:attrNameLst>
-                                      </p:cBhvr>
-                                      <p:to>
-                                        <p:strVal val="visible"/>
-                                      </p:to>
-                                    </p:set>
-                                  </p:childTnLst>
-                                </p:cTn>
-                              </p:par>
-                              <p:par>
-                                <p:cTn id="49" presetID="1" presetClass="entr" presetSubtype="0" fill="hold" nodeType="withEffect">
-                                  <p:stCondLst>
-                                    <p:cond delay="0"/>
-                                  </p:stCondLst>
-                                  <p:childTnLst>
-                                    <p:set>
-                                      <p:cBhvr>
-                                        <p:cTn id="50" dur="1" fill="hold">
-                                          <p:stCondLst>
-                                            <p:cond delay="0"/>
-                                          </p:stCondLst>
-                                        </p:cTn>
-                                        <p:tgtEl>
-                                          <p:spTgt spid="27"/>
-                                        </p:tgtEl>
-                                        <p:attrNameLst>
-                                          <p:attrName>style.visibility</p:attrName>
-                                        </p:attrNameLst>
-                                      </p:cBhvr>
-                                      <p:to>
-                                        <p:strVal val="visible"/>
-                                      </p:to>
-                                    </p:set>
-                                  </p:childTnLst>
-                                </p:cTn>
-                              </p:par>
-                            </p:childTnLst>
-                          </p:cTn>
-                        </p:par>
-                      </p:childTnLst>
-                    </p:cTn>
-                  </p:par>
-                  <p:par>
-                    <p:cTn id="51" fill="hold">
-                      <p:stCondLst>
-                        <p:cond delay="indefinite"/>
-                      </p:stCondLst>
-                      <p:childTnLst>
-                        <p:par>
-                          <p:cTn id="52" fill="hold">
-                            <p:stCondLst>
-                              <p:cond delay="0"/>
-                            </p:stCondLst>
-                            <p:childTnLst>
-                              <p:par>
-                                <p:cTn id="53" presetID="1" presetClass="entr" presetSubtype="0" fill="hold" nodeType="clickEffect">
-                                  <p:stCondLst>
-                                    <p:cond delay="0"/>
-                                  </p:stCondLst>
-                                  <p:childTnLst>
-                                    <p:set>
-                                      <p:cBhvr>
-                                        <p:cTn id="54" dur="1" fill="hold">
-                                          <p:stCondLst>
-                                            <p:cond delay="0"/>
-                                          </p:stCondLst>
-                                        </p:cTn>
-                                        <p:tgtEl>
-                                          <p:spTgt spid="29"/>
-                                        </p:tgtEl>
-                                        <p:attrNameLst>
-                                          <p:attrName>style.visibility</p:attrName>
-                                        </p:attrNameLst>
-                                      </p:cBhvr>
-                                      <p:to>
-                                        <p:strVal val="visible"/>
-                                      </p:to>
-                                    </p:set>
-                                  </p:childTnLst>
-                                </p:cTn>
-                              </p:par>
-                            </p:childTnLst>
-                          </p:cTn>
-                        </p:par>
-                      </p:childTnLst>
-                    </p:cTn>
-                  </p:par>
-                </p:childTnLst>
-              </p:cTn>
-              <p:prevCondLst>
-                <p:cond evt="onPrev" delay="0">
-                  <p:tgtEl>
-                    <p:sldTgt/>
-                  </p:tgtEl>
-                </p:cond>
-              </p:prevCondLst>
-              <p:nextCondLst>
-                <p:cond evt="onNext" delay="0">
-                  <p:tgtEl>
-                    <p:sldTgt/>
-                  </p:tgtEl>
-                </p:cond>
-              </p:nextCondLst>
-            </p:seq>
-          </p:childTnLst>
-        </p:cTn>
-      </p:par>
-    </p:tnLst>
-    <p:bldLst>
-      <p:bldP spid="11" grpId="0"/>
-      <p:bldP spid="12" grpId="0"/>
-      <p:bldP spid="13" grpId="0"/>
-      <p:bldP spid="14" grpId="0"/>
-      <p:bldP spid="15" grpId="0"/>
-      <p:bldP spid="16" grpId="0" animBg="1"/>
-      <p:bldP spid="17" grpId="0"/>
-      <p:bldP spid="18" grpId="0"/>
-      <p:bldP spid="21" grpId="0" animBg="1"/>
-      <p:bldP spid="22" grpId="0" animBg="1"/>
-      <p:bldP spid="23" grpId="0"/>
-      <p:bldP spid="24" grpId="0"/>
-      <p:bldP spid="25" grpId="0"/>
-      <p:bldP spid="26" grpId="0" animBg="1"/>
-      <p:bldP spid="28" grpId="0" animBg="1"/>
-    </p:bldLst>
-  </p:timing>
-</p:sld>
-</file>
-
-<file path=ppt/slides/slide18.xml><?xml version="1.0" encoding="utf-8"?>
+<file path=ppt/slides/slide16.xml><?xml version="1.0" encoding="utf-8"?>
 <p:sld xmlns:a="http://schemas.openxmlformats.org/drawingml/2006/main" xmlns:r="http://schemas.openxmlformats.org/officeDocument/2006/relationships" xmlns:p="http://schemas.openxmlformats.org/presentationml/2006/main">
   <p:cSld>
     <p:bg>
@@ -14356,7 +12003,7 @@
         </p:blipFill>
         <p:spPr>
           <a:xfrm>
-            <a:off x="7860660" y="3028494"/>
+            <a:off x="7474117" y="3437181"/>
             <a:ext cx="2565400" cy="2908301"/>
           </a:xfrm>
           <a:prstGeom prst="rect">
@@ -14404,18 +12051,7 @@
                 <a:ea typeface="+mj-ea"/>
                 <a:cs typeface="Arial"/>
               </a:rPr>
-              <a:t>שאלה </a:t>
-            </a:r>
-            <a:r>
-              <a:rPr lang="he-IL" sz="4200" b="1" kern="0" dirty="0">
-                <a:solidFill>
-                  <a:srgbClr val="006633"/>
-                </a:solidFill>
-                <a:latin typeface="Garamond"/>
-                <a:ea typeface="+mj-ea"/>
-                <a:cs typeface="Arial"/>
-              </a:rPr>
-              <a:t>5</a:t>
+              <a:t>שאלה 5</a:t>
             </a:r>
             <a:endParaRPr lang="en-US" sz="4200" b="1" kern="0" dirty="0">
               <a:solidFill>
@@ -14436,7 +12072,7 @@
         </p:nvSpPr>
         <p:spPr>
           <a:xfrm>
-            <a:off x="6496050" y="1310358"/>
+            <a:off x="6398418" y="1151328"/>
             <a:ext cx="5422900" cy="400110"/>
           </a:xfrm>
           <a:prstGeom prst="rect">
@@ -14455,73 +12091,10 @@
               <a:t>נתונה סדרת מספרים </a:t>
             </a:r>
             <a:r>
-              <a:rPr lang="en-US" sz="2000" dirty="0" smtClean="0"/>
+              <a:rPr lang="en-US" sz="2000" dirty="0"/>
               <a:t>(1, 4, 5, 10, 16, 6, 21)</a:t>
             </a:r>
             <a:endParaRPr lang="he-IL" sz="2000" dirty="0"/>
-          </a:p>
-        </p:txBody>
-      </p:sp>
-      <p:sp>
-        <p:nvSpPr>
-          <p:cNvPr id="8" name="TextBox 7"/>
-          <p:cNvSpPr txBox="1"/>
-          <p:nvPr/>
-        </p:nvSpPr>
-        <p:spPr>
-          <a:xfrm>
-            <a:off x="8147050" y="1817326"/>
-            <a:ext cx="3771900" cy="784830"/>
-          </a:xfrm>
-          <a:prstGeom prst="rect">
-            <a:avLst/>
-          </a:prstGeom>
-          <a:noFill/>
-        </p:spPr>
-        <p:txBody>
-          <a:bodyPr wrap="square" rtlCol="1">
-            <a:spAutoFit/>
-          </a:bodyPr>
-          <a:lstStyle/>
-          <a:p>
-            <a:pPr marL="342900" lvl="0" indent="-342900">
-              <a:spcAft>
-                <a:spcPts val="600"/>
-              </a:spcAft>
-              <a:buFont typeface="+mj-lt"/>
-              <a:buAutoNum type="arabicPeriod"/>
-            </a:pPr>
-            <a:r>
-              <a:rPr lang="he-IL" sz="2000" dirty="0"/>
-              <a:t>בנה עץ בינארי מאוזן </a:t>
-            </a:r>
-            <a:r>
-              <a:rPr lang="en-US" sz="2000" dirty="0"/>
-              <a:t>AVL</a:t>
-            </a:r>
-            <a:r>
-              <a:rPr lang="he-IL" sz="2000" dirty="0"/>
-              <a:t>.</a:t>
-            </a:r>
-            <a:endParaRPr lang="en-US" sz="2000" dirty="0"/>
-          </a:p>
-          <a:p>
-            <a:pPr marL="342900" lvl="0" indent="-342900">
-              <a:spcAft>
-                <a:spcPts val="600"/>
-              </a:spcAft>
-              <a:buFont typeface="+mj-lt"/>
-              <a:buAutoNum type="arabicPeriod"/>
-            </a:pPr>
-            <a:r>
-              <a:rPr lang="he-IL" sz="2000" dirty="0"/>
-              <a:t>איך נראה עץ אחרי מחיקת </a:t>
-            </a:r>
-            <a:r>
-              <a:rPr lang="he-IL" sz="2000" dirty="0" smtClean="0"/>
-              <a:t>1?</a:t>
-            </a:r>
-            <a:endParaRPr lang="en-US" sz="2000" dirty="0"/>
           </a:p>
         </p:txBody>
       </p:sp>
@@ -14575,7 +12148,7 @@
         </p:blipFill>
         <p:spPr>
           <a:xfrm>
-            <a:off x="2574925" y="882710"/>
+            <a:off x="2570084" y="851932"/>
             <a:ext cx="1612900" cy="2159000"/>
           </a:xfrm>
           <a:prstGeom prst="rect">
@@ -14694,7 +12267,7 @@
           <a:p>
             <a:pPr algn="l" rtl="0"/>
             <a:r>
-              <a:rPr lang="en-US" b="1" dirty="0" smtClean="0">
+              <a:rPr lang="en-US" b="1" dirty="0">
                 <a:solidFill>
                   <a:srgbClr val="FF0000"/>
                 </a:solidFill>
@@ -14733,7 +12306,7 @@
           <a:p>
             <a:pPr algn="l" rtl="0"/>
             <a:r>
-              <a:rPr lang="en-US" b="1" dirty="0" smtClean="0">
+              <a:rPr lang="en-US" b="1" dirty="0">
                 <a:solidFill>
                   <a:srgbClr val="FF0000"/>
                 </a:solidFill>
@@ -14756,8 +12329,8 @@
         </p:nvSpPr>
         <p:spPr>
           <a:xfrm rot="10514193">
-            <a:off x="2438335" y="1945507"/>
-            <a:ext cx="657352" cy="266700"/>
+            <a:off x="2436913" y="1911334"/>
+            <a:ext cx="657352" cy="300931"/>
           </a:xfrm>
           <a:prstGeom prst="curvedUpArrow">
             <a:avLst/>
@@ -14816,7 +12389,7 @@
           <a:p>
             <a:pPr algn="l" rtl="0"/>
             <a:r>
-              <a:rPr lang="en-US" b="1" dirty="0" smtClean="0">
+              <a:rPr lang="en-US" b="1" dirty="0">
                 <a:solidFill>
                   <a:srgbClr val="FF0000"/>
                 </a:solidFill>
@@ -14839,7 +12412,7 @@
         </p:nvSpPr>
         <p:spPr>
           <a:xfrm>
-            <a:off x="9702160" y="3735516"/>
+            <a:off x="9345923" y="4144203"/>
             <a:ext cx="723900" cy="369332"/>
           </a:xfrm>
           <a:prstGeom prst="rect">
@@ -14855,7 +12428,7 @@
           <a:p>
             <a:pPr algn="l" rtl="0"/>
             <a:r>
-              <a:rPr lang="en-US" b="1" dirty="0" smtClean="0">
+              <a:rPr lang="en-US" b="1" dirty="0">
                 <a:solidFill>
                   <a:srgbClr val="FF0000"/>
                 </a:solidFill>
@@ -14922,7 +12495,7 @@
         </p:nvSpPr>
         <p:spPr>
           <a:xfrm>
-            <a:off x="9020651" y="2971344"/>
+            <a:off x="8664414" y="3380031"/>
             <a:ext cx="877888" cy="369332"/>
           </a:xfrm>
           <a:prstGeom prst="rect">
@@ -14938,7 +12511,7 @@
           <a:p>
             <a:pPr algn="l" rtl="0"/>
             <a:r>
-              <a:rPr lang="en-US" b="1" dirty="0" smtClean="0">
+              <a:rPr lang="en-US" b="1" dirty="0">
                 <a:solidFill>
                   <a:srgbClr val="FF0000"/>
                 </a:solidFill>
@@ -14977,7 +12550,7 @@
           <a:p>
             <a:pPr algn="l" rtl="0"/>
             <a:r>
-              <a:rPr lang="en-US" b="1" dirty="0" smtClean="0">
+              <a:rPr lang="en-US" b="1" dirty="0">
                 <a:solidFill>
                   <a:srgbClr val="FF0000"/>
                 </a:solidFill>
@@ -14989,6 +12562,71 @@
                 <a:srgbClr val="FF0000"/>
               </a:solidFill>
             </a:endParaRPr>
+          </a:p>
+        </p:txBody>
+      </p:sp>
+      <p:sp>
+        <p:nvSpPr>
+          <p:cNvPr id="2" name="TextBox 1">
+            <a:extLst>
+              <a:ext uri="{FF2B5EF4-FFF2-40B4-BE49-F238E27FC236}">
+                <a16:creationId xmlns:a16="http://schemas.microsoft.com/office/drawing/2014/main" id="{E77292F7-2572-9A8E-7DE1-2BBAC64BC76C}"/>
+              </a:ext>
+            </a:extLst>
+          </p:cNvPr>
+          <p:cNvSpPr txBox="1"/>
+          <p:nvPr/>
+        </p:nvSpPr>
+        <p:spPr>
+          <a:xfrm>
+            <a:off x="7524191" y="1610549"/>
+            <a:ext cx="4175437" cy="1400383"/>
+          </a:xfrm>
+          <a:prstGeom prst="rect">
+            <a:avLst/>
+          </a:prstGeom>
+          <a:noFill/>
+        </p:spPr>
+        <p:txBody>
+          <a:bodyPr wrap="square" rtlCol="1">
+            <a:spAutoFit/>
+          </a:bodyPr>
+          <a:lstStyle/>
+          <a:p>
+            <a:pPr marL="342900" lvl="0" indent="-342900" algn="just">
+              <a:spcAft>
+                <a:spcPts val="600"/>
+              </a:spcAft>
+              <a:buFont typeface="+mj-lt"/>
+              <a:buAutoNum type="arabicPeriod"/>
+            </a:pPr>
+            <a:r>
+              <a:rPr lang="he-IL" sz="2000" dirty="0"/>
+              <a:t>בנו עץ בינארי מאוזן </a:t>
+            </a:r>
+            <a:r>
+              <a:rPr lang="en-US" sz="2000" dirty="0"/>
+              <a:t>AVL</a:t>
+            </a:r>
+            <a:r>
+              <a:rPr lang="he-IL" sz="2000" dirty="0"/>
+              <a:t> על ידי הוספת איברים אחד אחד החל מעץ ריק. הכסת איברים משמאל לימין</a:t>
+            </a:r>
+            <a:endParaRPr lang="en-US" sz="2000" dirty="0"/>
+          </a:p>
+          <a:p>
+            <a:pPr marL="342900" lvl="0" indent="-342900">
+              <a:spcAft>
+                <a:spcPts val="600"/>
+              </a:spcAft>
+              <a:buFont typeface="+mj-lt"/>
+              <a:buAutoNum type="arabicPeriod"/>
+            </a:pPr>
+            <a:r>
+              <a:rPr lang="he-IL" sz="2000" dirty="0"/>
+              <a:t>איך נראה עץ אחרי מחיקת 1?</a:t>
+            </a:r>
+            <a:endParaRPr lang="en-US" sz="2000" dirty="0"/>
           </a:p>
         </p:txBody>
       </p:sp>
@@ -15486,7 +13124,7 @@
 </p:sld>
 </file>
 
-<file path=ppt/slides/slide19.xml><?xml version="1.0" encoding="utf-8"?>
+<file path=ppt/slides/slide17.xml><?xml version="1.0" encoding="utf-8"?>
 <p:sld xmlns:a="http://schemas.openxmlformats.org/drawingml/2006/main" xmlns:r="http://schemas.openxmlformats.org/officeDocument/2006/relationships" xmlns:p="http://schemas.openxmlformats.org/presentationml/2006/main">
   <p:cSld>
     <p:bg>
@@ -15557,18 +13195,7 @@
                 <a:ea typeface="+mj-ea"/>
                 <a:cs typeface="Arial"/>
               </a:rPr>
-              <a:t>שאלה </a:t>
-            </a:r>
-            <a:r>
-              <a:rPr lang="he-IL" sz="4200" b="1" kern="0" dirty="0">
-                <a:solidFill>
-                  <a:srgbClr val="006633"/>
-                </a:solidFill>
-                <a:latin typeface="Garamond"/>
-                <a:ea typeface="+mj-ea"/>
-                <a:cs typeface="Arial"/>
-              </a:rPr>
-              <a:t>5 המשך</a:t>
+              <a:t>שאלה 5 המשך</a:t>
             </a:r>
             <a:endParaRPr lang="en-US" sz="4200" b="1" kern="0" dirty="0">
               <a:solidFill>
@@ -15578,103 +13205,6 @@
               <a:ea typeface="+mj-ea"/>
               <a:cs typeface="Arial"/>
             </a:endParaRPr>
-          </a:p>
-        </p:txBody>
-      </p:sp>
-      <p:sp>
-        <p:nvSpPr>
-          <p:cNvPr id="11" name="TextBox 10"/>
-          <p:cNvSpPr txBox="1"/>
-          <p:nvPr/>
-        </p:nvSpPr>
-        <p:spPr>
-          <a:xfrm>
-            <a:off x="6496050" y="1007794"/>
-            <a:ext cx="5422900" cy="400110"/>
-          </a:xfrm>
-          <a:prstGeom prst="rect">
-            <a:avLst/>
-          </a:prstGeom>
-          <a:noFill/>
-        </p:spPr>
-        <p:txBody>
-          <a:bodyPr wrap="square" rtlCol="1">
-            <a:spAutoFit/>
-          </a:bodyPr>
-          <a:lstStyle/>
-          <a:p>
-            <a:r>
-              <a:rPr lang="he-IL" sz="2000" dirty="0"/>
-              <a:t>נתונה סדרת מספרים </a:t>
-            </a:r>
-            <a:r>
-              <a:rPr lang="en-US" sz="2000" dirty="0" smtClean="0"/>
-              <a:t>(1, 4, 5, 10, 16, 6, 21)</a:t>
-            </a:r>
-            <a:endParaRPr lang="he-IL" sz="2000" dirty="0"/>
-          </a:p>
-        </p:txBody>
-      </p:sp>
-      <p:sp>
-        <p:nvSpPr>
-          <p:cNvPr id="12" name="TextBox 11"/>
-          <p:cNvSpPr txBox="1"/>
-          <p:nvPr/>
-        </p:nvSpPr>
-        <p:spPr>
-          <a:xfrm>
-            <a:off x="8147050" y="1514762"/>
-            <a:ext cx="3771900" cy="784830"/>
-          </a:xfrm>
-          <a:prstGeom prst="rect">
-            <a:avLst/>
-          </a:prstGeom>
-          <a:noFill/>
-        </p:spPr>
-        <p:txBody>
-          <a:bodyPr wrap="square" rtlCol="1">
-            <a:spAutoFit/>
-          </a:bodyPr>
-          <a:lstStyle/>
-          <a:p>
-            <a:pPr marL="342900" lvl="0" indent="-342900">
-              <a:spcAft>
-                <a:spcPts val="600"/>
-              </a:spcAft>
-              <a:buFont typeface="+mj-lt"/>
-              <a:buAutoNum type="arabicPeriod"/>
-            </a:pPr>
-            <a:r>
-              <a:rPr lang="he-IL" sz="2000" dirty="0"/>
-              <a:t>בנה עץ בינארי מאוזן </a:t>
-            </a:r>
-            <a:r>
-              <a:rPr lang="en-US" sz="2000" dirty="0"/>
-              <a:t>AVL</a:t>
-            </a:r>
-            <a:r>
-              <a:rPr lang="he-IL" sz="2000" dirty="0"/>
-              <a:t>.</a:t>
-            </a:r>
-            <a:endParaRPr lang="en-US" sz="2000" dirty="0"/>
-          </a:p>
-          <a:p>
-            <a:pPr marL="342900" lvl="0" indent="-342900">
-              <a:spcAft>
-                <a:spcPts val="600"/>
-              </a:spcAft>
-              <a:buFont typeface="+mj-lt"/>
-              <a:buAutoNum type="arabicPeriod"/>
-            </a:pPr>
-            <a:r>
-              <a:rPr lang="he-IL" sz="2000" dirty="0"/>
-              <a:t>איך נראה עץ אחרי מחיקת </a:t>
-            </a:r>
-            <a:r>
-              <a:rPr lang="he-IL" sz="2000" dirty="0" smtClean="0"/>
-              <a:t>1?</a:t>
-            </a:r>
-            <a:endParaRPr lang="en-US" sz="2000" dirty="0"/>
           </a:p>
         </p:txBody>
       </p:sp>
@@ -15731,7 +13261,7 @@
           <a:p>
             <a:pPr algn="l" rtl="0"/>
             <a:r>
-              <a:rPr lang="en-US" b="1" dirty="0" smtClean="0">
+              <a:rPr lang="en-US" b="1" dirty="0">
                 <a:solidFill>
                   <a:srgbClr val="FF0000"/>
                 </a:solidFill>
@@ -15770,7 +13300,7 @@
           <a:p>
             <a:pPr algn="l" rtl="0"/>
             <a:r>
-              <a:rPr lang="en-US" b="1" dirty="0" smtClean="0">
+              <a:rPr lang="en-US" b="1" dirty="0">
                 <a:solidFill>
                   <a:srgbClr val="FF0000"/>
                 </a:solidFill>
@@ -15866,8 +13396,8 @@
         </p:nvSpPr>
         <p:spPr>
           <a:xfrm rot="11043128">
-            <a:off x="4240304" y="1217954"/>
-            <a:ext cx="484095" cy="258795"/>
+            <a:off x="4263323" y="1218768"/>
+            <a:ext cx="461383" cy="249274"/>
           </a:xfrm>
           <a:prstGeom prst="curvedUpArrow">
             <a:avLst/>
@@ -16059,7 +13589,7 @@
           <a:p>
             <a:pPr algn="l" rtl="0"/>
             <a:r>
-              <a:rPr lang="en-US" b="1" dirty="0" smtClean="0">
+              <a:rPr lang="en-US" b="1" dirty="0">
                 <a:solidFill>
                   <a:srgbClr val="FF0000"/>
                 </a:solidFill>
@@ -16098,7 +13628,7 @@
           <a:p>
             <a:pPr algn="l" rtl="0"/>
             <a:r>
-              <a:rPr lang="en-US" b="1" dirty="0" smtClean="0">
+              <a:rPr lang="en-US" b="1" dirty="0">
                 <a:solidFill>
                   <a:srgbClr val="FF0000"/>
                 </a:solidFill>
@@ -16568,6 +14098,361 @@
 </p:sld>
 </file>
 
+<file path=ppt/slides/slide18.xml><?xml version="1.0" encoding="utf-8"?>
+<p:sld xmlns:a="http://schemas.openxmlformats.org/drawingml/2006/main" xmlns:r="http://schemas.openxmlformats.org/officeDocument/2006/relationships" xmlns:p="http://schemas.openxmlformats.org/presentationml/2006/main">
+  <p:cSld>
+    <p:bg>
+      <p:bgPr>
+        <a:blipFill dpi="0" rotWithShape="1">
+          <a:blip r:embed="rId3">
+            <a:lum/>
+          </a:blip>
+          <a:srcRect/>
+          <a:stretch>
+            <a:fillRect/>
+          </a:stretch>
+        </a:blipFill>
+        <a:effectLst/>
+      </p:bgPr>
+    </p:bg>
+    <p:spTree>
+      <p:nvGrpSpPr>
+        <p:cNvPr id="1" name=""/>
+        <p:cNvGrpSpPr/>
+        <p:nvPr/>
+      </p:nvGrpSpPr>
+      <p:grpSpPr>
+        <a:xfrm>
+          <a:off x="0" y="0"/>
+          <a:ext cx="0" cy="0"/>
+          <a:chOff x="0" y="0"/>
+          <a:chExt cx="0" cy="0"/>
+        </a:xfrm>
+      </p:grpSpPr>
+      <p:sp>
+        <p:nvSpPr>
+          <p:cNvPr id="10" name="TextBox 9"/>
+          <p:cNvSpPr txBox="1"/>
+          <p:nvPr/>
+        </p:nvSpPr>
+        <p:spPr>
+          <a:xfrm>
+            <a:off x="7020177" y="289672"/>
+            <a:ext cx="4169285" cy="738664"/>
+          </a:xfrm>
+          <a:prstGeom prst="rect">
+            <a:avLst/>
+          </a:prstGeom>
+          <a:noFill/>
+        </p:spPr>
+        <p:txBody>
+          <a:bodyPr wrap="square" rtlCol="1">
+            <a:spAutoFit/>
+          </a:bodyPr>
+          <a:lstStyle/>
+          <a:p>
+            <a:pPr fontAlgn="base">
+              <a:spcBef>
+                <a:spcPct val="0"/>
+              </a:spcBef>
+              <a:spcAft>
+                <a:spcPct val="0"/>
+              </a:spcAft>
+              <a:defRPr/>
+            </a:pPr>
+            <a:r>
+              <a:rPr lang="he-IL" sz="4200" b="1" kern="0" dirty="0">
+                <a:solidFill>
+                  <a:srgbClr val="006633"/>
+                </a:solidFill>
+                <a:latin typeface="Garamond"/>
+                <a:ea typeface="+mj-ea"/>
+                <a:cs typeface="Arial"/>
+              </a:rPr>
+              <a:t>שאלה 6</a:t>
+            </a:r>
+            <a:endParaRPr lang="en-US" sz="4200" b="1" kern="0" dirty="0">
+              <a:solidFill>
+                <a:srgbClr val="006633"/>
+              </a:solidFill>
+              <a:latin typeface="Garamond"/>
+              <a:ea typeface="+mj-ea"/>
+              <a:cs typeface="Arial"/>
+            </a:endParaRPr>
+          </a:p>
+        </p:txBody>
+      </p:sp>
+      <p:sp>
+        <p:nvSpPr>
+          <p:cNvPr id="3" name="TextBox 2">
+            <a:extLst>
+              <a:ext uri="{FF2B5EF4-FFF2-40B4-BE49-F238E27FC236}">
+                <a16:creationId xmlns:a16="http://schemas.microsoft.com/office/drawing/2014/main" id="{39B5B162-FE79-D79E-9EDE-16350AB82F28}"/>
+              </a:ext>
+            </a:extLst>
+          </p:cNvPr>
+          <p:cNvSpPr txBox="1"/>
+          <p:nvPr/>
+        </p:nvSpPr>
+        <p:spPr>
+          <a:xfrm>
+            <a:off x="2907224" y="1183319"/>
+            <a:ext cx="8437535" cy="461665"/>
+          </a:xfrm>
+          <a:prstGeom prst="rect">
+            <a:avLst/>
+          </a:prstGeom>
+          <a:noFill/>
+        </p:spPr>
+        <p:txBody>
+          <a:bodyPr wrap="square">
+            <a:spAutoFit/>
+          </a:bodyPr>
+          <a:lstStyle/>
+          <a:p>
+            <a:pPr marL="0" algn="r" defTabSz="914400" eaLnBrk="1" latinLnBrk="0" hangingPunct="1"/>
+            <a:r>
+              <a:rPr lang="he-IL" sz="2400" b="0" i="0" u="none" strike="noStrike" dirty="0">
+                <a:solidFill>
+                  <a:srgbClr val="000000"/>
+                </a:solidFill>
+                <a:effectLst/>
+                <a:cs typeface="tahoma" panose="020B0604030504040204" pitchFamily="34" charset="0"/>
+              </a:rPr>
+              <a:t>הציעו אלגוריתם הבונה אץ </a:t>
+            </a:r>
+            <a:r>
+              <a:rPr lang="en-US" sz="2400" b="0" i="0" u="none" strike="noStrike" dirty="0">
+                <a:solidFill>
+                  <a:srgbClr val="000000"/>
+                </a:solidFill>
+                <a:effectLst/>
+                <a:cs typeface="tahoma" panose="020B0604030504040204" pitchFamily="34" charset="0"/>
+              </a:rPr>
+              <a:t>AVL</a:t>
+            </a:r>
+            <a:r>
+              <a:rPr lang="he-IL" sz="2400" b="0" i="0" u="none" strike="noStrike" dirty="0">
+                <a:solidFill>
+                  <a:srgbClr val="000000"/>
+                </a:solidFill>
+                <a:effectLst/>
+                <a:cs typeface="tahoma" panose="020B0604030504040204" pitchFamily="34" charset="0"/>
+              </a:rPr>
+              <a:t> </a:t>
+            </a:r>
+            <a:r>
+              <a:rPr lang="en-US" sz="2400" b="0" i="0" u="none" strike="noStrike" dirty="0">
+                <a:solidFill>
+                  <a:srgbClr val="000000"/>
+                </a:solidFill>
+                <a:effectLst/>
+                <a:cs typeface="tahoma" panose="020B0604030504040204" pitchFamily="34" charset="0"/>
+              </a:rPr>
+              <a:t> </a:t>
+            </a:r>
+            <a:r>
+              <a:rPr lang="he-IL" sz="2400" b="0" i="0" u="none" strike="noStrike" dirty="0">
+                <a:solidFill>
+                  <a:srgbClr val="000000"/>
+                </a:solidFill>
+                <a:effectLst/>
+                <a:cs typeface="tahoma" panose="020B0604030504040204" pitchFamily="34" charset="0"/>
+              </a:rPr>
+              <a:t>ממערך ממוין ב</a:t>
+            </a:r>
+            <a:r>
+              <a:rPr lang="he-IL" sz="2400" dirty="0">
+                <a:solidFill>
+                  <a:srgbClr val="000000"/>
+                </a:solidFill>
+                <a:cs typeface="tahoma" panose="020B0604030504040204" pitchFamily="34" charset="0"/>
+              </a:rPr>
+              <a:t>-</a:t>
+            </a:r>
+            <a:r>
+              <a:rPr lang="en-US" sz="2400" dirty="0">
+                <a:solidFill>
+                  <a:srgbClr val="000000"/>
+                </a:solidFill>
+                <a:cs typeface="tahoma" panose="020B0604030504040204" pitchFamily="34" charset="0"/>
+              </a:rPr>
+              <a:t>O(n)</a:t>
+            </a:r>
+            <a:r>
+              <a:rPr lang="he-IL" sz="2400" dirty="0">
+                <a:solidFill>
+                  <a:srgbClr val="000000"/>
+                </a:solidFill>
+                <a:cs typeface="tahoma" panose="020B0604030504040204" pitchFamily="34" charset="0"/>
+              </a:rPr>
+              <a:t>. </a:t>
+            </a:r>
+            <a:endParaRPr lang="en-IL" sz="2400" dirty="0"/>
+          </a:p>
+        </p:txBody>
+      </p:sp>
+    </p:spTree>
+    <p:extLst>
+      <p:ext uri="{BB962C8B-B14F-4D97-AF65-F5344CB8AC3E}">
+        <p14:creationId xmlns:p14="http://schemas.microsoft.com/office/powerpoint/2010/main" val="3351039412"/>
+      </p:ext>
+    </p:extLst>
+  </p:cSld>
+  <p:clrMapOvr>
+    <a:masterClrMapping/>
+  </p:clrMapOvr>
+</p:sld>
+</file>
+
+<file path=ppt/slides/slide19.xml><?xml version="1.0" encoding="utf-8"?>
+<p:sld xmlns:a="http://schemas.openxmlformats.org/drawingml/2006/main" xmlns:r="http://schemas.openxmlformats.org/officeDocument/2006/relationships" xmlns:p="http://schemas.openxmlformats.org/presentationml/2006/main">
+  <p:cSld>
+    <p:bg>
+      <p:bgPr>
+        <a:blipFill dpi="0" rotWithShape="1">
+          <a:blip r:embed="rId3">
+            <a:lum/>
+          </a:blip>
+          <a:srcRect/>
+          <a:stretch>
+            <a:fillRect/>
+          </a:stretch>
+        </a:blipFill>
+        <a:effectLst/>
+      </p:bgPr>
+    </p:bg>
+    <p:spTree>
+      <p:nvGrpSpPr>
+        <p:cNvPr id="1" name=""/>
+        <p:cNvGrpSpPr/>
+        <p:nvPr/>
+      </p:nvGrpSpPr>
+      <p:grpSpPr>
+        <a:xfrm>
+          <a:off x="0" y="0"/>
+          <a:ext cx="0" cy="0"/>
+          <a:chOff x="0" y="0"/>
+          <a:chExt cx="0" cy="0"/>
+        </a:xfrm>
+      </p:grpSpPr>
+      <p:sp>
+        <p:nvSpPr>
+          <p:cNvPr id="10" name="TextBox 9"/>
+          <p:cNvSpPr txBox="1"/>
+          <p:nvPr/>
+        </p:nvSpPr>
+        <p:spPr>
+          <a:xfrm>
+            <a:off x="7004679" y="305170"/>
+            <a:ext cx="4169285" cy="738664"/>
+          </a:xfrm>
+          <a:prstGeom prst="rect">
+            <a:avLst/>
+          </a:prstGeom>
+          <a:noFill/>
+        </p:spPr>
+        <p:txBody>
+          <a:bodyPr wrap="square" rtlCol="1">
+            <a:spAutoFit/>
+          </a:bodyPr>
+          <a:lstStyle/>
+          <a:p>
+            <a:pPr fontAlgn="base">
+              <a:spcBef>
+                <a:spcPct val="0"/>
+              </a:spcBef>
+              <a:spcAft>
+                <a:spcPct val="0"/>
+              </a:spcAft>
+              <a:defRPr/>
+            </a:pPr>
+            <a:r>
+              <a:rPr lang="he-IL" sz="4200" b="1" kern="0" dirty="0">
+                <a:solidFill>
+                  <a:srgbClr val="006633"/>
+                </a:solidFill>
+                <a:latin typeface="Garamond"/>
+                <a:ea typeface="+mj-ea"/>
+                <a:cs typeface="Arial"/>
+              </a:rPr>
+              <a:t>שאלה 6 פתרון</a:t>
+            </a:r>
+            <a:endParaRPr lang="en-US" sz="4200" b="1" kern="0" dirty="0">
+              <a:solidFill>
+                <a:srgbClr val="006633"/>
+              </a:solidFill>
+              <a:latin typeface="Garamond"/>
+              <a:ea typeface="+mj-ea"/>
+              <a:cs typeface="Arial"/>
+            </a:endParaRPr>
+          </a:p>
+        </p:txBody>
+      </p:sp>
+      <p:sp>
+        <p:nvSpPr>
+          <p:cNvPr id="5" name="TextBox 4">
+            <a:extLst>
+              <a:ext uri="{FF2B5EF4-FFF2-40B4-BE49-F238E27FC236}">
+                <a16:creationId xmlns:a16="http://schemas.microsoft.com/office/drawing/2014/main" id="{B8B00C37-FE97-C308-25F1-9B7A697B3E79}"/>
+              </a:ext>
+            </a:extLst>
+          </p:cNvPr>
+          <p:cNvSpPr txBox="1"/>
+          <p:nvPr/>
+        </p:nvSpPr>
+        <p:spPr>
+          <a:xfrm>
+            <a:off x="1999281" y="1684849"/>
+            <a:ext cx="8667426" cy="1200329"/>
+          </a:xfrm>
+          <a:prstGeom prst="rect">
+            <a:avLst/>
+          </a:prstGeom>
+          <a:noFill/>
+        </p:spPr>
+        <p:txBody>
+          <a:bodyPr wrap="square">
+            <a:spAutoFit/>
+          </a:bodyPr>
+          <a:lstStyle/>
+          <a:p>
+            <a:pPr>
+              <a:spcAft>
+                <a:spcPts val="600"/>
+              </a:spcAft>
+            </a:pPr>
+            <a:r>
+              <a:rPr lang="he-IL" sz="2400" dirty="0">
+                <a:solidFill>
+                  <a:srgbClr val="000000"/>
+                </a:solidFill>
+                <a:cs typeface="tahoma" panose="020B0604030504040204" pitchFamily="34" charset="0"/>
+              </a:rPr>
+              <a:t>אלג' רקורסיבי: כל פעם האיבר האמצעי הוא השורש ומחלק השמאלי בונים באופן רקורסיבי תת עץ שמאלי, מחלק ימני בונים באופן רקורסיבי תת עץ ימני</a:t>
+            </a:r>
+            <a:endParaRPr lang="en-IL" sz="2400" dirty="0">
+              <a:solidFill>
+                <a:srgbClr val="000000"/>
+              </a:solidFill>
+              <a:cs typeface="tahoma" panose="020B0604030504040204" pitchFamily="34" charset="0"/>
+            </a:endParaRPr>
+          </a:p>
+        </p:txBody>
+      </p:sp>
+    </p:spTree>
+    <p:extLst>
+      <p:ext uri="{BB962C8B-B14F-4D97-AF65-F5344CB8AC3E}">
+        <p14:creationId xmlns:p14="http://schemas.microsoft.com/office/powerpoint/2010/main" val="3774688099"/>
+      </p:ext>
+    </p:extLst>
+  </p:cSld>
+  <p:clrMapOvr>
+    <a:masterClrMapping/>
+  </p:clrMapOvr>
+</p:sld>
+</file>
+
 <file path=ppt/slides/slide2.xml><?xml version="1.0" encoding="utf-8"?>
 <p:sld xmlns:a="http://schemas.openxmlformats.org/drawingml/2006/main" xmlns:r="http://schemas.openxmlformats.org/officeDocument/2006/relationships" xmlns:p="http://schemas.openxmlformats.org/presentationml/2006/main">
   <p:cSld>
@@ -16722,10 +14607,9 @@
           <a:p>
             <a:pPr algn="ctr"/>
             <a:r>
-              <a:rPr lang="en-US" dirty="0" smtClean="0"/>
+              <a:rPr lang="en-US" dirty="0"/>
               <a:t>4</a:t>
             </a:r>
-            <a:endParaRPr lang="en-US" dirty="0"/>
           </a:p>
         </p:txBody>
       </p:sp>
@@ -16766,10 +14650,9 @@
           <a:p>
             <a:pPr algn="ctr"/>
             <a:r>
-              <a:rPr lang="en-US" dirty="0" smtClean="0"/>
+              <a:rPr lang="en-US" dirty="0"/>
               <a:t>6</a:t>
             </a:r>
-            <a:endParaRPr lang="en-US" dirty="0"/>
           </a:p>
         </p:txBody>
       </p:sp>
@@ -16810,10 +14693,9 @@
           <a:p>
             <a:pPr algn="ctr"/>
             <a:r>
-              <a:rPr lang="en-US" dirty="0" smtClean="0"/>
+              <a:rPr lang="en-US" dirty="0"/>
               <a:t>7</a:t>
             </a:r>
-            <a:endParaRPr lang="en-US" dirty="0"/>
           </a:p>
         </p:txBody>
       </p:sp>
@@ -16854,10 +14736,9 @@
           <a:p>
             <a:pPr algn="ctr"/>
             <a:r>
-              <a:rPr lang="en-US" dirty="0" smtClean="0"/>
+              <a:rPr lang="en-US" dirty="0"/>
               <a:t>3</a:t>
             </a:r>
-            <a:endParaRPr lang="en-US" dirty="0"/>
           </a:p>
         </p:txBody>
       </p:sp>
@@ -16898,10 +14779,9 @@
           <a:p>
             <a:pPr algn="ctr"/>
             <a:r>
-              <a:rPr lang="en-US" dirty="0" smtClean="0"/>
+              <a:rPr lang="en-US" dirty="0"/>
               <a:t>10</a:t>
             </a:r>
-            <a:endParaRPr lang="en-US" dirty="0"/>
           </a:p>
         </p:txBody>
       </p:sp>
@@ -16942,10 +14822,9 @@
           <a:p>
             <a:pPr algn="ctr"/>
             <a:r>
-              <a:rPr lang="en-US" dirty="0" smtClean="0"/>
+              <a:rPr lang="en-US" dirty="0"/>
               <a:t>14</a:t>
             </a:r>
-            <a:endParaRPr lang="en-US" dirty="0"/>
           </a:p>
         </p:txBody>
       </p:sp>
@@ -16986,10 +14865,9 @@
           <a:p>
             <a:pPr algn="ctr"/>
             <a:r>
-              <a:rPr lang="en-US" dirty="0" smtClean="0"/>
+              <a:rPr lang="en-US" dirty="0"/>
               <a:t>13</a:t>
             </a:r>
-            <a:endParaRPr lang="en-US" dirty="0"/>
           </a:p>
         </p:txBody>
       </p:sp>
@@ -17348,7 +15226,15 @@
           <a:p>
             <a:r>
               <a:rPr lang="he-IL" sz="2800" dirty="0"/>
-              <a:t>גובה העץ הוא </a:t>
+              <a:t>גובה העץ </a:t>
+            </a:r>
+            <a:r>
+              <a:rPr lang="en-US" sz="2800" dirty="0"/>
+              <a:t>AVL</a:t>
+            </a:r>
+            <a:r>
+              <a:rPr lang="he-IL" sz="2800" dirty="0"/>
+              <a:t> הוא </a:t>
             </a:r>
             <a:r>
               <a:rPr lang="en-US" sz="2800" dirty="0"/>
@@ -17364,13 +15250,8 @@
             </a:r>
             <a:r>
               <a:rPr lang="he-IL" sz="2800" dirty="0"/>
-              <a:t>– כמות צמתים בעץ</a:t>
-            </a:r>
-            <a:r>
-              <a:rPr lang="he-IL" sz="2800" dirty="0" smtClean="0"/>
-              <a:t>) </a:t>
-            </a:r>
-            <a:endParaRPr lang="he-IL" sz="2800" dirty="0"/>
+              <a:t>– כמות צמתים בעץ) </a:t>
+            </a:r>
           </a:p>
         </p:txBody>
       </p:sp>
@@ -17382,8 +15263,8 @@
         </p:nvSpPr>
         <p:spPr>
           <a:xfrm>
-            <a:off x="8124489" y="2218699"/>
-            <a:ext cx="3530241" cy="523220"/>
+            <a:off x="5809787" y="2861360"/>
+            <a:ext cx="5659539" cy="523220"/>
           </a:xfrm>
           <a:prstGeom prst="rect">
             <a:avLst/>
@@ -17398,7 +15279,7 @@
           <a:p>
             <a:r>
               <a:rPr lang="he-IL" sz="2800" dirty="0"/>
-              <a:t>חיפוש תהיה </a:t>
+              <a:t>זמן ריצה של החיפוש יהיה </a:t>
             </a:r>
             <a:r>
               <a:rPr lang="en-US" sz="2800" dirty="0"/>
@@ -17410,14 +15291,14 @@
       </p:sp>
       <p:sp>
         <p:nvSpPr>
-          <p:cNvPr id="29" name="TextBox 28"/>
+          <p:cNvPr id="30" name="TextBox 29"/>
           <p:cNvSpPr txBox="1"/>
           <p:nvPr/>
         </p:nvSpPr>
         <p:spPr>
           <a:xfrm>
-            <a:off x="5495272" y="3012449"/>
-            <a:ext cx="6159458" cy="523220"/>
+            <a:off x="1253431" y="4045951"/>
+            <a:ext cx="10401300" cy="523220"/>
           </a:xfrm>
           <a:prstGeom prst="rect">
             <a:avLst/>
@@ -17432,51 +15313,13 @@
           <a:p>
             <a:r>
               <a:rPr lang="he-IL" sz="2800" dirty="0"/>
-              <a:t>משפחת עצים מאוזנים קוראים עצי </a:t>
+              <a:t>לכל צומת של עץ </a:t>
             </a:r>
             <a:r>
               <a:rPr lang="en-US" sz="2800" dirty="0"/>
               <a:t>AVL</a:t>
             </a:r>
             <a:r>
-              <a:rPr lang="he-IL" sz="2800" dirty="0" smtClean="0"/>
-              <a:t>.</a:t>
-            </a:r>
-            <a:endParaRPr lang="en-US" sz="2800" dirty="0"/>
-          </a:p>
-        </p:txBody>
-      </p:sp>
-      <p:sp>
-        <p:nvSpPr>
-          <p:cNvPr id="30" name="TextBox 29"/>
-          <p:cNvSpPr txBox="1"/>
-          <p:nvPr/>
-        </p:nvSpPr>
-        <p:spPr>
-          <a:xfrm>
-            <a:off x="2777431" y="4045951"/>
-            <a:ext cx="8877300" cy="523220"/>
-          </a:xfrm>
-          <a:prstGeom prst="rect">
-            <a:avLst/>
-          </a:prstGeom>
-          <a:noFill/>
-        </p:spPr>
-        <p:txBody>
-          <a:bodyPr wrap="square" rtlCol="1">
-            <a:spAutoFit/>
-          </a:bodyPr>
-          <a:lstStyle/>
-          <a:p>
-            <a:r>
-              <a:rPr lang="he-IL" sz="2800" dirty="0"/>
-              <a:t>לכל צומת של עץ </a:t>
-            </a:r>
-            <a:r>
-              <a:rPr lang="en-US" sz="2800" dirty="0"/>
-              <a:t>AVL</a:t>
-            </a:r>
-            <a:r>
               <a:rPr lang="he-IL" sz="2800" dirty="0"/>
               <a:t> יש תכונה </a:t>
             </a:r>
@@ -17486,11 +15329,7 @@
             </a:r>
             <a:r>
               <a:rPr lang="he-IL" sz="2800" dirty="0"/>
-              <a:t> (מקדם איזון</a:t>
-            </a:r>
-            <a:r>
-              <a:rPr lang="he-IL" sz="2800" dirty="0" smtClean="0"/>
-              <a:t>)</a:t>
+              <a:t> (מקדם איזון) או שדה גובה</a:t>
             </a:r>
             <a:endParaRPr lang="en-US" sz="2800" dirty="0"/>
           </a:p>
@@ -17506,17 +15345,470 @@
   <p:clrMapOvr>
     <a:masterClrMapping/>
   </p:clrMapOvr>
-  <p:timing>
-    <p:tnLst>
-      <p:par>
-        <p:cTn id="1" dur="indefinite" restart="never" nodeType="tmRoot"/>
-      </p:par>
-    </p:tnLst>
-  </p:timing>
 </p:sld>
 </file>
 
 <file path=ppt/slides/slide20.xml><?xml version="1.0" encoding="utf-8"?>
+<p:sld xmlns:a="http://schemas.openxmlformats.org/drawingml/2006/main" xmlns:r="http://schemas.openxmlformats.org/officeDocument/2006/relationships" xmlns:p="http://schemas.openxmlformats.org/presentationml/2006/main">
+  <p:cSld>
+    <p:bg>
+      <p:bgPr>
+        <a:blipFill dpi="0" rotWithShape="1">
+          <a:blip r:embed="rId3">
+            <a:lum/>
+          </a:blip>
+          <a:srcRect/>
+          <a:stretch>
+            <a:fillRect/>
+          </a:stretch>
+        </a:blipFill>
+        <a:effectLst/>
+      </p:bgPr>
+    </p:bg>
+    <p:spTree>
+      <p:nvGrpSpPr>
+        <p:cNvPr id="1" name=""/>
+        <p:cNvGrpSpPr/>
+        <p:nvPr/>
+      </p:nvGrpSpPr>
+      <p:grpSpPr>
+        <a:xfrm>
+          <a:off x="0" y="0"/>
+          <a:ext cx="0" cy="0"/>
+          <a:chOff x="0" y="0"/>
+          <a:chExt cx="0" cy="0"/>
+        </a:xfrm>
+      </p:grpSpPr>
+      <p:sp>
+        <p:nvSpPr>
+          <p:cNvPr id="10" name="TextBox 9"/>
+          <p:cNvSpPr txBox="1"/>
+          <p:nvPr/>
+        </p:nvSpPr>
+        <p:spPr>
+          <a:xfrm>
+            <a:off x="1803126" y="522147"/>
+            <a:ext cx="8988703" cy="769441"/>
+          </a:xfrm>
+          <a:prstGeom prst="rect">
+            <a:avLst/>
+          </a:prstGeom>
+          <a:noFill/>
+        </p:spPr>
+        <p:txBody>
+          <a:bodyPr wrap="square" rtlCol="1">
+            <a:spAutoFit/>
+          </a:bodyPr>
+          <a:lstStyle/>
+          <a:p>
+            <a:pPr fontAlgn="base">
+              <a:spcBef>
+                <a:spcPct val="0"/>
+              </a:spcBef>
+              <a:spcAft>
+                <a:spcPct val="0"/>
+              </a:spcAft>
+              <a:defRPr/>
+            </a:pPr>
+            <a:r>
+              <a:rPr lang="he-IL" sz="4200" b="1" kern="0" dirty="0">
+                <a:solidFill>
+                  <a:srgbClr val="006633"/>
+                </a:solidFill>
+                <a:latin typeface="Garamond"/>
+                <a:ea typeface="+mj-ea"/>
+                <a:cs typeface="Arial"/>
+              </a:rPr>
+              <a:t>שאלה 7 - </a:t>
+            </a:r>
+            <a:r>
+              <a:rPr lang="en-US" sz="4200" b="1" kern="0" dirty="0">
+                <a:solidFill>
+                  <a:srgbClr val="006633"/>
+                </a:solidFill>
+                <a:latin typeface="Garamond"/>
+                <a:ea typeface="+mj-ea"/>
+                <a:cs typeface="Arial"/>
+              </a:rPr>
+              <a:t>Interview</a:t>
+            </a:r>
+            <a:r>
+              <a:rPr lang="en-US" sz="4400" b="0" i="0" dirty="0">
+                <a:solidFill>
+                  <a:srgbClr val="1A202C"/>
+                </a:solidFill>
+                <a:effectLst/>
+                <a:latin typeface="Avenir Demi" panose="02000503020000020003" pitchFamily="2" charset="0"/>
+              </a:rPr>
+              <a:t> </a:t>
+            </a:r>
+            <a:r>
+              <a:rPr lang="en-US" sz="4200" b="1" kern="0" dirty="0">
+                <a:solidFill>
+                  <a:srgbClr val="006633"/>
+                </a:solidFill>
+                <a:latin typeface="Garamond"/>
+                <a:ea typeface="+mj-ea"/>
+                <a:cs typeface="Arial"/>
+              </a:rPr>
+              <a:t>Questions</a:t>
+            </a:r>
+          </a:p>
+        </p:txBody>
+      </p:sp>
+      <p:sp>
+        <p:nvSpPr>
+          <p:cNvPr id="5" name="TextBox 4">
+            <a:extLst>
+              <a:ext uri="{FF2B5EF4-FFF2-40B4-BE49-F238E27FC236}">
+                <a16:creationId xmlns:a16="http://schemas.microsoft.com/office/drawing/2014/main" id="{B8B00C37-FE97-C308-25F1-9B7A697B3E79}"/>
+              </a:ext>
+            </a:extLst>
+          </p:cNvPr>
+          <p:cNvSpPr txBox="1"/>
+          <p:nvPr/>
+        </p:nvSpPr>
+        <p:spPr>
+          <a:xfrm>
+            <a:off x="842231" y="1793337"/>
+            <a:ext cx="10507537" cy="830997"/>
+          </a:xfrm>
+          <a:prstGeom prst="rect">
+            <a:avLst/>
+          </a:prstGeom>
+          <a:noFill/>
+        </p:spPr>
+        <p:txBody>
+          <a:bodyPr wrap="square">
+            <a:spAutoFit/>
+          </a:bodyPr>
+          <a:lstStyle/>
+          <a:p>
+            <a:pPr algn="l"/>
+            <a:r>
+              <a:rPr lang="en-US" sz="2400" b="0" i="0" dirty="0">
+                <a:solidFill>
+                  <a:srgbClr val="1A202C"/>
+                </a:solidFill>
+                <a:effectLst/>
+                <a:latin typeface="Avenir Demi" panose="02000503020000020003" pitchFamily="2" charset="0"/>
+              </a:rPr>
+              <a:t>Describe how AVL Trees are modified to support operations like finding the minimum, maximum or k-</a:t>
+            </a:r>
+            <a:r>
+              <a:rPr lang="en-US" sz="2400" b="0" i="0" dirty="0" err="1">
+                <a:solidFill>
+                  <a:srgbClr val="1A202C"/>
+                </a:solidFill>
+                <a:effectLst/>
+                <a:latin typeface="Avenir Demi" panose="02000503020000020003" pitchFamily="2" charset="0"/>
+              </a:rPr>
+              <a:t>th</a:t>
+            </a:r>
+            <a:r>
+              <a:rPr lang="en-US" sz="2400" b="0" i="0" dirty="0">
+                <a:solidFill>
+                  <a:srgbClr val="1A202C"/>
+                </a:solidFill>
+                <a:effectLst/>
+                <a:latin typeface="Avenir Demi" panose="02000503020000020003" pitchFamily="2" charset="0"/>
+              </a:rPr>
+              <a:t> smallest element efficiently.</a:t>
+            </a:r>
+          </a:p>
+        </p:txBody>
+      </p:sp>
+    </p:spTree>
+    <p:extLst>
+      <p:ext uri="{BB962C8B-B14F-4D97-AF65-F5344CB8AC3E}">
+        <p14:creationId xmlns:p14="http://schemas.microsoft.com/office/powerpoint/2010/main" val="2970910964"/>
+      </p:ext>
+    </p:extLst>
+  </p:cSld>
+  <p:clrMapOvr>
+    <a:masterClrMapping/>
+  </p:clrMapOvr>
+</p:sld>
+</file>
+
+<file path=ppt/slides/slide21.xml><?xml version="1.0" encoding="utf-8"?>
+<p:sld xmlns:a="http://schemas.openxmlformats.org/drawingml/2006/main" xmlns:r="http://schemas.openxmlformats.org/officeDocument/2006/relationships" xmlns:p="http://schemas.openxmlformats.org/presentationml/2006/main">
+  <p:cSld>
+    <p:bg>
+      <p:bgPr>
+        <a:blipFill dpi="0" rotWithShape="1">
+          <a:blip r:embed="rId3">
+            <a:lum/>
+          </a:blip>
+          <a:srcRect/>
+          <a:stretch>
+            <a:fillRect/>
+          </a:stretch>
+        </a:blipFill>
+        <a:effectLst/>
+      </p:bgPr>
+    </p:bg>
+    <p:spTree>
+      <p:nvGrpSpPr>
+        <p:cNvPr id="1" name=""/>
+        <p:cNvGrpSpPr/>
+        <p:nvPr/>
+      </p:nvGrpSpPr>
+      <p:grpSpPr>
+        <a:xfrm>
+          <a:off x="0" y="0"/>
+          <a:ext cx="0" cy="0"/>
+          <a:chOff x="0" y="0"/>
+          <a:chExt cx="0" cy="0"/>
+        </a:xfrm>
+      </p:grpSpPr>
+      <p:sp>
+        <p:nvSpPr>
+          <p:cNvPr id="10" name="TextBox 9"/>
+          <p:cNvSpPr txBox="1"/>
+          <p:nvPr/>
+        </p:nvSpPr>
+        <p:spPr>
+          <a:xfrm>
+            <a:off x="7004679" y="362749"/>
+            <a:ext cx="4169285" cy="738664"/>
+          </a:xfrm>
+          <a:prstGeom prst="rect">
+            <a:avLst/>
+          </a:prstGeom>
+          <a:noFill/>
+        </p:spPr>
+        <p:txBody>
+          <a:bodyPr wrap="square" rtlCol="1">
+            <a:spAutoFit/>
+          </a:bodyPr>
+          <a:lstStyle/>
+          <a:p>
+            <a:pPr fontAlgn="base">
+              <a:spcBef>
+                <a:spcPct val="0"/>
+              </a:spcBef>
+              <a:spcAft>
+                <a:spcPct val="0"/>
+              </a:spcAft>
+              <a:defRPr/>
+            </a:pPr>
+            <a:r>
+              <a:rPr lang="he-IL" sz="4200" b="1" kern="0" dirty="0">
+                <a:solidFill>
+                  <a:srgbClr val="006633"/>
+                </a:solidFill>
+                <a:latin typeface="Garamond"/>
+                <a:ea typeface="+mj-ea"/>
+                <a:cs typeface="Arial"/>
+              </a:rPr>
+              <a:t>שאלה </a:t>
+            </a:r>
+            <a:r>
+              <a:rPr lang="en-US" sz="4200" b="1" kern="0" dirty="0">
+                <a:solidFill>
+                  <a:srgbClr val="006633"/>
+                </a:solidFill>
+                <a:latin typeface="Garamond"/>
+                <a:ea typeface="+mj-ea"/>
+                <a:cs typeface="Arial"/>
+              </a:rPr>
+              <a:t>7</a:t>
+            </a:r>
+            <a:r>
+              <a:rPr lang="he-IL" sz="4200" b="1" kern="0" dirty="0">
+                <a:solidFill>
+                  <a:srgbClr val="006633"/>
+                </a:solidFill>
+                <a:latin typeface="Garamond"/>
+                <a:ea typeface="+mj-ea"/>
+                <a:cs typeface="Arial"/>
+              </a:rPr>
+              <a:t> פתרון</a:t>
+            </a:r>
+            <a:endParaRPr lang="en-US" sz="4200" b="1" kern="0" dirty="0">
+              <a:solidFill>
+                <a:srgbClr val="006633"/>
+              </a:solidFill>
+              <a:latin typeface="Garamond"/>
+              <a:ea typeface="+mj-ea"/>
+              <a:cs typeface="Arial"/>
+            </a:endParaRPr>
+          </a:p>
+        </p:txBody>
+      </p:sp>
+      <p:sp>
+        <p:nvSpPr>
+          <p:cNvPr id="3" name="TextBox 2">
+            <a:extLst>
+              <a:ext uri="{FF2B5EF4-FFF2-40B4-BE49-F238E27FC236}">
+                <a16:creationId xmlns:a16="http://schemas.microsoft.com/office/drawing/2014/main" id="{FE4B9442-88E5-BA68-82B0-142DED7FBA51}"/>
+              </a:ext>
+            </a:extLst>
+          </p:cNvPr>
+          <p:cNvSpPr txBox="1"/>
+          <p:nvPr/>
+        </p:nvSpPr>
+        <p:spPr>
+          <a:xfrm>
+            <a:off x="616056" y="1447715"/>
+            <a:ext cx="11405461" cy="4893647"/>
+          </a:xfrm>
+          <a:prstGeom prst="rect">
+            <a:avLst/>
+          </a:prstGeom>
+          <a:noFill/>
+        </p:spPr>
+        <p:txBody>
+          <a:bodyPr wrap="square">
+            <a:spAutoFit/>
+          </a:bodyPr>
+          <a:lstStyle/>
+          <a:p>
+            <a:pPr algn="l"/>
+            <a:r>
+              <a:rPr lang="en-US" sz="2400" dirty="0">
+                <a:solidFill>
+                  <a:srgbClr val="1A202C"/>
+                </a:solidFill>
+                <a:latin typeface="Avenir Demi" panose="02000503020000020003" pitchFamily="2" charset="0"/>
+              </a:rPr>
+              <a:t>To support finding minimum, maximum, or k-</a:t>
+            </a:r>
+            <a:r>
+              <a:rPr lang="en-US" sz="2400" dirty="0" err="1">
+                <a:solidFill>
+                  <a:srgbClr val="1A202C"/>
+                </a:solidFill>
+                <a:latin typeface="Avenir Demi" panose="02000503020000020003" pitchFamily="2" charset="0"/>
+              </a:rPr>
+              <a:t>th</a:t>
+            </a:r>
+            <a:r>
+              <a:rPr lang="en-US" sz="2400" dirty="0">
+                <a:solidFill>
+                  <a:srgbClr val="1A202C"/>
+                </a:solidFill>
+                <a:latin typeface="Avenir Demi" panose="02000503020000020003" pitchFamily="2" charset="0"/>
+              </a:rPr>
+              <a:t> smallest elements efficiently, AVL Trees utilize the following modifications:</a:t>
+            </a:r>
+          </a:p>
+          <a:p>
+            <a:pPr algn="l"/>
+            <a:r>
+              <a:rPr lang="en-US" sz="2400" dirty="0">
+                <a:solidFill>
+                  <a:srgbClr val="1A202C"/>
+                </a:solidFill>
+                <a:latin typeface="Avenir Demi" panose="02000503020000020003" pitchFamily="2" charset="0"/>
+              </a:rPr>
+              <a:t>1. Store subtree size: Each node stores the number of nodes in its subtree, including itself. This helps determine the rank of an element and find the k-</a:t>
+            </a:r>
+            <a:r>
+              <a:rPr lang="en-US" sz="2400" dirty="0" err="1">
+                <a:solidFill>
+                  <a:srgbClr val="1A202C"/>
+                </a:solidFill>
+                <a:latin typeface="Avenir Demi" panose="02000503020000020003" pitchFamily="2" charset="0"/>
+              </a:rPr>
+              <a:t>th</a:t>
+            </a:r>
+            <a:r>
+              <a:rPr lang="en-US" sz="2400" dirty="0">
+                <a:solidFill>
+                  <a:srgbClr val="1A202C"/>
+                </a:solidFill>
+                <a:latin typeface="Avenir Demi" panose="02000503020000020003" pitchFamily="2" charset="0"/>
+              </a:rPr>
+              <a:t> smallest element.</a:t>
+            </a:r>
+            <a:br>
+              <a:rPr lang="en-US" sz="2400" dirty="0">
+                <a:solidFill>
+                  <a:srgbClr val="1A202C"/>
+                </a:solidFill>
+                <a:latin typeface="Avenir Demi" panose="02000503020000020003" pitchFamily="2" charset="0"/>
+              </a:rPr>
+            </a:br>
+            <a:r>
+              <a:rPr lang="en-US" sz="2400" dirty="0">
+                <a:solidFill>
+                  <a:srgbClr val="1A202C"/>
+                </a:solidFill>
+                <a:latin typeface="Avenir Demi" panose="02000503020000020003" pitchFamily="2" charset="0"/>
+              </a:rPr>
+              <a:t>2. Update subtree sizes: When performing rotations (single or double) during insertion or deletion, update the subtree sizes accordingly for affected nodes.</a:t>
+            </a:r>
+            <a:br>
+              <a:rPr lang="en-US" sz="2400" dirty="0">
+                <a:solidFill>
+                  <a:srgbClr val="1A202C"/>
+                </a:solidFill>
+                <a:latin typeface="Avenir Demi" panose="02000503020000020003" pitchFamily="2" charset="0"/>
+              </a:rPr>
+            </a:br>
+            <a:r>
+              <a:rPr lang="en-US" sz="2400" dirty="0">
+                <a:solidFill>
+                  <a:srgbClr val="1A202C"/>
+                </a:solidFill>
+                <a:latin typeface="Avenir Demi" panose="02000503020000020003" pitchFamily="2" charset="0"/>
+              </a:rPr>
+              <a:t>3. Find minimum/maximum: Traverse left/right from the root until a null child is reached; this takes O(log n) time due to height balancing.</a:t>
+            </a:r>
+            <a:br>
+              <a:rPr lang="en-US" sz="2400" dirty="0">
+                <a:solidFill>
+                  <a:srgbClr val="1A202C"/>
+                </a:solidFill>
+                <a:latin typeface="Avenir Demi" panose="02000503020000020003" pitchFamily="2" charset="0"/>
+              </a:rPr>
+            </a:br>
+            <a:r>
+              <a:rPr lang="en-US" sz="2400" dirty="0">
+                <a:solidFill>
+                  <a:srgbClr val="1A202C"/>
+                </a:solidFill>
+                <a:latin typeface="Avenir Demi" panose="02000503020000020003" pitchFamily="2" charset="0"/>
+              </a:rPr>
+              <a:t>4. K-</a:t>
+            </a:r>
+            <a:r>
+              <a:rPr lang="en-US" sz="2400" dirty="0" err="1">
+                <a:solidFill>
+                  <a:srgbClr val="1A202C"/>
+                </a:solidFill>
+                <a:latin typeface="Avenir Demi" panose="02000503020000020003" pitchFamily="2" charset="0"/>
+              </a:rPr>
+              <a:t>th</a:t>
+            </a:r>
+            <a:r>
+              <a:rPr lang="en-US" sz="2400" dirty="0">
+                <a:solidFill>
+                  <a:srgbClr val="1A202C"/>
+                </a:solidFill>
+                <a:latin typeface="Avenir Demi" panose="02000503020000020003" pitchFamily="2" charset="0"/>
+              </a:rPr>
+              <a:t> smallest element: Starting at the root, compare k with the size of the left subtree. If equal, return the current node’s value; if less, recurse on the left subtree; otherwise, subtract the left subtree size plus one and recurse on the right subtree.</a:t>
+            </a:r>
+          </a:p>
+        </p:txBody>
+      </p:sp>
+    </p:spTree>
+    <p:extLst>
+      <p:ext uri="{BB962C8B-B14F-4D97-AF65-F5344CB8AC3E}">
+        <p14:creationId xmlns:p14="http://schemas.microsoft.com/office/powerpoint/2010/main" val="3497765117"/>
+      </p:ext>
+    </p:extLst>
+  </p:cSld>
+  <p:clrMapOvr>
+    <a:masterClrMapping/>
+  </p:clrMapOvr>
+</p:sld>
+</file>
+
+<file path=ppt/slides/slide22.xml><?xml version="1.0" encoding="utf-8"?>
 <p:sld xmlns:a="http://schemas.openxmlformats.org/drawingml/2006/main" xmlns:r="http://schemas.openxmlformats.org/officeDocument/2006/relationships" xmlns:p="http://schemas.openxmlformats.org/presentationml/2006/main">
   <p:cSld>
     <p:bg>
@@ -17557,13 +15849,6 @@
   <p:clrMapOvr>
     <a:masterClrMapping/>
   </p:clrMapOvr>
-  <p:timing>
-    <p:tnLst>
-      <p:par>
-        <p:cTn id="1" dur="indefinite" restart="never" nodeType="tmRoot"/>
-      </p:par>
-    </p:tnLst>
-  </p:timing>
 </p:sld>
 </file>
 
@@ -17727,7 +16012,7 @@
           <a:lstStyle/>
           <a:p>
             <a:r>
-              <a:rPr lang="en-US" b="1" dirty="0" smtClean="0">
+              <a:rPr lang="en-US" b="1" dirty="0">
                 <a:solidFill>
                   <a:srgbClr val="FF0000"/>
                 </a:solidFill>
@@ -17765,7 +16050,7 @@
           <a:lstStyle/>
           <a:p>
             <a:r>
-              <a:rPr lang="en-US" b="1" dirty="0" smtClean="0">
+              <a:rPr lang="en-US" b="1" dirty="0">
                 <a:solidFill>
                   <a:srgbClr val="FF0000"/>
                 </a:solidFill>
@@ -17803,7 +16088,7 @@
           <a:lstStyle/>
           <a:p>
             <a:r>
-              <a:rPr lang="en-US" b="1" dirty="0" smtClean="0">
+              <a:rPr lang="en-US" b="1" dirty="0">
                 <a:solidFill>
                   <a:srgbClr val="FF0000"/>
                 </a:solidFill>
@@ -17841,7 +16126,7 @@
           <a:lstStyle/>
           <a:p>
             <a:r>
-              <a:rPr lang="en-US" b="1" dirty="0" smtClean="0">
+              <a:rPr lang="en-US" b="1" dirty="0">
                 <a:solidFill>
                   <a:srgbClr val="FF0000"/>
                 </a:solidFill>
@@ -17879,7 +16164,7 @@
           <a:lstStyle/>
           <a:p>
             <a:r>
-              <a:rPr lang="en-US" b="1" dirty="0" smtClean="0">
+              <a:rPr lang="en-US" b="1" dirty="0">
                 <a:solidFill>
                   <a:srgbClr val="FF0000"/>
                 </a:solidFill>
@@ -17917,7 +16202,7 @@
           <a:lstStyle/>
           <a:p>
             <a:r>
-              <a:rPr lang="en-US" b="1" dirty="0" smtClean="0">
+              <a:rPr lang="en-US" b="1" dirty="0">
                 <a:solidFill>
                   <a:srgbClr val="FF0000"/>
                 </a:solidFill>
@@ -17955,7 +16240,7 @@
           <a:lstStyle/>
           <a:p>
             <a:r>
-              <a:rPr lang="en-US" b="1" dirty="0" smtClean="0">
+              <a:rPr lang="en-US" b="1" dirty="0">
                 <a:solidFill>
                   <a:srgbClr val="FF0000"/>
                 </a:solidFill>
@@ -17993,7 +16278,7 @@
           <a:lstStyle/>
           <a:p>
             <a:r>
-              <a:rPr lang="en-US" b="1" dirty="0" smtClean="0">
+              <a:rPr lang="en-US" b="1" dirty="0">
                 <a:solidFill>
                   <a:srgbClr val="FF0000"/>
                 </a:solidFill>
@@ -18031,7 +16316,7 @@
           <a:lstStyle/>
           <a:p>
             <a:r>
-              <a:rPr lang="en-US" b="1" dirty="0" smtClean="0">
+              <a:rPr lang="en-US" b="1" dirty="0">
                 <a:solidFill>
                   <a:srgbClr val="FF0000"/>
                 </a:solidFill>
@@ -18069,7 +16354,7 @@
           <a:lstStyle/>
           <a:p>
             <a:r>
-              <a:rPr lang="en-US" b="1" dirty="0" smtClean="0">
+              <a:rPr lang="en-US" b="1" dirty="0">
                 <a:solidFill>
                   <a:srgbClr val="FF0000"/>
                 </a:solidFill>
@@ -18107,7 +16392,7 @@
           <a:lstStyle/>
           <a:p>
             <a:r>
-              <a:rPr lang="en-US" b="1" dirty="0" smtClean="0">
+              <a:rPr lang="en-US" b="1" dirty="0">
                 <a:solidFill>
                   <a:srgbClr val="FF0000"/>
                 </a:solidFill>
@@ -18145,7 +16430,7 @@
           <a:lstStyle/>
           <a:p>
             <a:r>
-              <a:rPr lang="en-US" b="1" dirty="0" smtClean="0">
+              <a:rPr lang="en-US" b="1" dirty="0">
                 <a:solidFill>
                   <a:srgbClr val="FF0000"/>
                 </a:solidFill>
@@ -18184,11 +16469,7 @@
           <a:p>
             <a:r>
               <a:rPr lang="he-IL" sz="2400" b="1" u="sng" dirty="0"/>
-              <a:t>הגדרה</a:t>
-            </a:r>
-            <a:r>
-              <a:rPr lang="he-IL" sz="2400" b="1" u="sng" dirty="0" smtClean="0"/>
-              <a:t>:</a:t>
+              <a:t>הגדרה:</a:t>
             </a:r>
             <a:endParaRPr lang="en-US" sz="2400" dirty="0"/>
           </a:p>
@@ -18241,7 +16522,7 @@
               <a:t>balance</a:t>
             </a:r>
             <a:r>
-              <a:rPr lang="he-IL" sz="2000" dirty="0" smtClean="0"/>
+              <a:rPr lang="he-IL" sz="2000" dirty="0"/>
               <a:t>:</a:t>
             </a:r>
             <a:endParaRPr lang="en-US" sz="2000" dirty="0"/>
@@ -18272,14 +16553,10 @@
           <a:p>
             <a:r>
               <a:rPr lang="en-US" sz="2400" b="1" dirty="0"/>
-              <a:t>balance factor  = </a:t>
-            </a:r>
-            <a:r>
-              <a:rPr lang="en-US" sz="2400" b="1" dirty="0" smtClean="0"/>
-              <a:t>h(</a:t>
-            </a:r>
-            <a:r>
-              <a:rPr lang="en-US" sz="2400" b="1" dirty="0" err="1" smtClean="0"/>
+              <a:t>balance factor  = h(</a:t>
+            </a:r>
+            <a:r>
+              <a:rPr lang="en-US" sz="2400" b="1" dirty="0" err="1"/>
               <a:t>v</a:t>
             </a:r>
             <a:r>
@@ -18289,19 +16566,15 @@
               <a:t>.</a:t>
             </a:r>
             <a:r>
-              <a:rPr lang="en-US" sz="2400" b="1" dirty="0" err="1" smtClean="0"/>
+              <a:rPr lang="en-US" sz="2400" b="1" dirty="0" err="1"/>
               <a:t>left</a:t>
             </a:r>
             <a:r>
               <a:rPr lang="en-US" sz="2400" b="1" dirty="0"/>
-              <a:t>) – </a:t>
-            </a:r>
-            <a:r>
-              <a:rPr lang="en-US" sz="2400" b="1" dirty="0" smtClean="0"/>
-              <a:t>h(</a:t>
-            </a:r>
-            <a:r>
-              <a:rPr lang="en-US" sz="2400" b="1" dirty="0" err="1" smtClean="0"/>
+              <a:t>) – h(</a:t>
+            </a:r>
+            <a:r>
+              <a:rPr lang="en-US" sz="2400" b="1" dirty="0" err="1"/>
               <a:t>v</a:t>
             </a:r>
             <a:r>
@@ -18311,14 +16584,13 @@
               <a:t>.</a:t>
             </a:r>
             <a:r>
-              <a:rPr lang="en-US" sz="2400" b="1" dirty="0" err="1" smtClean="0"/>
+              <a:rPr lang="en-US" sz="2400" b="1" dirty="0" err="1"/>
               <a:t>right</a:t>
             </a:r>
             <a:r>
-              <a:rPr lang="en-US" sz="2400" b="1" dirty="0" smtClean="0"/>
+              <a:rPr lang="en-US" sz="2400" b="1" dirty="0"/>
               <a:t>)</a:t>
             </a:r>
-            <a:endParaRPr lang="en-US" sz="2400" b="1" dirty="0"/>
           </a:p>
         </p:txBody>
       </p:sp>
@@ -18330,7 +16602,7 @@
         </p:nvSpPr>
         <p:spPr>
           <a:xfrm>
-            <a:off x="6571615" y="3533338"/>
+            <a:off x="6480543" y="3607150"/>
             <a:ext cx="4495800" cy="400110"/>
           </a:xfrm>
           <a:prstGeom prst="rect">
@@ -18346,11 +16618,7 @@
           <a:p>
             <a:r>
               <a:rPr lang="he-IL" sz="2000" dirty="0"/>
-              <a:t>ערכו של מקדם איזון יכול להיות 1-, 0 או 1</a:t>
-            </a:r>
-            <a:r>
-              <a:rPr lang="he-IL" sz="2000" dirty="0" smtClean="0"/>
-              <a:t>.</a:t>
+              <a:t>ערכו של מקדם איזון יכול להיות 1-, 0 או 1.</a:t>
             </a:r>
             <a:endParaRPr lang="en-US" sz="2000" dirty="0"/>
           </a:p>
@@ -18364,7 +16632,7 @@
         </p:nvSpPr>
         <p:spPr>
           <a:xfrm>
-            <a:off x="1449070" y="5398918"/>
+            <a:off x="2792476" y="4333363"/>
             <a:ext cx="8456930" cy="400110"/>
           </a:xfrm>
           <a:prstGeom prst="rect">
@@ -18388,19 +16656,7 @@
             </a:r>
             <a:r>
               <a:rPr lang="he-IL" sz="2000" dirty="0"/>
-              <a:t>– ערך שלו 0. גובה של עלה 1 ו-</a:t>
-            </a:r>
-            <a:r>
-              <a:rPr lang="en-US" sz="2000" dirty="0"/>
-              <a:t>balance factor</a:t>
-            </a:r>
-            <a:r>
-              <a:rPr lang="he-IL" sz="2000" dirty="0"/>
-              <a:t> 0</a:t>
-            </a:r>
-            <a:r>
-              <a:rPr lang="he-IL" sz="2000" dirty="0" smtClean="0"/>
-              <a:t>.</a:t>
+              <a:t>– ערך שלו 0.</a:t>
             </a:r>
             <a:endParaRPr lang="en-US" sz="2000" dirty="0"/>
           </a:p>
@@ -18416,13 +16672,6 @@
   <p:clrMapOvr>
     <a:masterClrMapping/>
   </p:clrMapOvr>
-  <p:timing>
-    <p:tnLst>
-      <p:par>
-        <p:cTn id="1" dur="indefinite" restart="never" nodeType="tmRoot"/>
-      </p:par>
-    </p:tnLst>
-  </p:timing>
 </p:sld>
 </file>
 
@@ -18601,15 +16850,7 @@
                   <a:srgbClr val="7030A0"/>
                 </a:solidFill>
               </a:rPr>
-              <a:t> בהתאם</a:t>
-            </a:r>
-            <a:r>
-              <a:rPr lang="he-IL" sz="2400" b="1" dirty="0" smtClean="0">
-                <a:solidFill>
-                  <a:srgbClr val="7030A0"/>
-                </a:solidFill>
-              </a:rPr>
-              <a:t>.</a:t>
+              <a:t> בהתאם.</a:t>
             </a:r>
             <a:endParaRPr lang="en-US" sz="2400" b="1" dirty="0">
               <a:solidFill>
@@ -18642,7 +16883,7 @@
           <a:lstStyle/>
           <a:p>
             <a:r>
-              <a:rPr lang="he-IL" sz="2400" b="1" dirty="0" smtClean="0">
+              <a:rPr lang="he-IL" sz="2400" b="1" dirty="0">
                 <a:effectLst>
                   <a:outerShdw blurRad="38100" dist="38100" dir="2700000" algn="tl">
                     <a:srgbClr val="000000">
@@ -18654,7 +16895,7 @@
               <a:t>מקרה </a:t>
             </a:r>
             <a:r>
-              <a:rPr lang="en-US" sz="2400" b="1" dirty="0" smtClean="0">
+              <a:rPr lang="en-US" sz="2400" b="1" dirty="0">
                 <a:effectLst>
                   <a:outerShdw blurRad="38100" dist="38100" dir="2700000" algn="tl">
                     <a:srgbClr val="000000">
@@ -18736,7 +16977,7 @@
           <a:lstStyle/>
           <a:p>
             <a:r>
-              <a:rPr lang="en-US" b="1" dirty="0" smtClean="0">
+              <a:rPr lang="en-US" b="1" dirty="0">
                 <a:solidFill>
                   <a:srgbClr val="FF0000"/>
                 </a:solidFill>
@@ -18774,7 +17015,7 @@
           <a:lstStyle/>
           <a:p>
             <a:r>
-              <a:rPr lang="en-US" b="1" dirty="0" smtClean="0">
+              <a:rPr lang="en-US" b="1" dirty="0">
                 <a:solidFill>
                   <a:srgbClr val="FF0000"/>
                 </a:solidFill>
@@ -18812,7 +17053,7 @@
           <a:lstStyle/>
           <a:p>
             <a:r>
-              <a:rPr lang="en-US" b="1" dirty="0" smtClean="0">
+              <a:rPr lang="en-US" b="1" dirty="0">
                 <a:solidFill>
                   <a:srgbClr val="FF0000"/>
                 </a:solidFill>
@@ -18850,7 +17091,7 @@
           <a:lstStyle/>
           <a:p>
             <a:r>
-              <a:rPr lang="en-US" b="1" dirty="0" smtClean="0">
+              <a:rPr lang="en-US" b="1" dirty="0">
                 <a:solidFill>
                   <a:srgbClr val="FF0000"/>
                 </a:solidFill>
@@ -18888,7 +17129,7 @@
           <a:lstStyle/>
           <a:p>
             <a:r>
-              <a:rPr lang="en-US" b="1" dirty="0" smtClean="0">
+              <a:rPr lang="en-US" b="1" dirty="0">
                 <a:solidFill>
                   <a:srgbClr val="FF0000"/>
                 </a:solidFill>
@@ -18926,7 +17167,7 @@
           <a:lstStyle/>
           <a:p>
             <a:r>
-              <a:rPr lang="en-US" b="1" dirty="0" smtClean="0">
+              <a:rPr lang="en-US" b="1" dirty="0">
                 <a:solidFill>
                   <a:srgbClr val="FF0000"/>
                 </a:solidFill>
@@ -18964,7 +17205,7 @@
           <a:lstStyle/>
           <a:p>
             <a:r>
-              <a:rPr lang="en-US" b="1" dirty="0" smtClean="0">
+              <a:rPr lang="en-US" b="1" dirty="0">
                 <a:solidFill>
                   <a:srgbClr val="FF0000"/>
                 </a:solidFill>
@@ -19002,7 +17243,7 @@
           <a:lstStyle/>
           <a:p>
             <a:r>
-              <a:rPr lang="en-US" b="1" dirty="0" smtClean="0">
+              <a:rPr lang="en-US" b="1" dirty="0">
                 <a:solidFill>
                   <a:srgbClr val="0070C0"/>
                 </a:solidFill>
@@ -19040,7 +17281,7 @@
           <a:lstStyle/>
           <a:p>
             <a:r>
-              <a:rPr lang="en-US" b="1" dirty="0" smtClean="0">
+              <a:rPr lang="en-US" b="1" dirty="0">
                 <a:solidFill>
                   <a:srgbClr val="0070C0"/>
                 </a:solidFill>
@@ -19079,7 +17320,7 @@
           <a:p>
             <a:pPr algn="l" rtl="0"/>
             <a:r>
-              <a:rPr lang="en-US" sz="2000" b="1" dirty="0" smtClean="0">
+              <a:rPr lang="en-US" sz="2000" b="1" dirty="0">
                 <a:solidFill>
                   <a:srgbClr val="00B050"/>
                 </a:solidFill>
@@ -19118,7 +17359,7 @@
           <a:p>
             <a:pPr algn="l" rtl="0"/>
             <a:r>
-              <a:rPr lang="en-US" b="1" dirty="0" smtClean="0">
+              <a:rPr lang="en-US" b="1" dirty="0">
                 <a:solidFill>
                   <a:srgbClr val="00B050"/>
                 </a:solidFill>
@@ -19157,7 +17398,7 @@
           <a:p>
             <a:pPr algn="l" rtl="0"/>
             <a:r>
-              <a:rPr lang="en-US" b="1" dirty="0" smtClean="0">
+              <a:rPr lang="en-US" b="1" dirty="0">
                 <a:solidFill>
                   <a:srgbClr val="00B050"/>
                 </a:solidFill>
@@ -19240,7 +17481,7 @@
           <a:p>
             <a:pPr algn="l" rtl="0"/>
             <a:r>
-              <a:rPr lang="en-US" b="1" dirty="0" smtClean="0">
+              <a:rPr lang="en-US" b="1" dirty="0">
                 <a:solidFill>
                   <a:srgbClr val="00B050"/>
                 </a:solidFill>
@@ -19279,7 +17520,7 @@
           <a:p>
             <a:pPr algn="l" rtl="0"/>
             <a:r>
-              <a:rPr lang="en-US" b="1" dirty="0" smtClean="0">
+              <a:rPr lang="en-US" b="1" dirty="0">
                 <a:solidFill>
                   <a:srgbClr val="00B050"/>
                 </a:solidFill>
@@ -19318,7 +17559,7 @@
           <a:p>
             <a:pPr algn="l" rtl="0"/>
             <a:r>
-              <a:rPr lang="en-US" b="1" dirty="0" smtClean="0">
+              <a:rPr lang="en-US" b="1" dirty="0">
                 <a:solidFill>
                   <a:srgbClr val="00B050"/>
                 </a:solidFill>
@@ -19434,11 +17675,7 @@
             </a:r>
             <a:r>
               <a:rPr lang="he-IL" sz="2000" dirty="0"/>
-              <a:t> הוא </a:t>
-            </a:r>
-            <a:r>
-              <a:rPr lang="he-IL" sz="2000" dirty="0" smtClean="0"/>
-              <a:t>השורש.</a:t>
+              <a:t> הוא השורש.</a:t>
             </a:r>
             <a:endParaRPr lang="en-US" sz="2000" dirty="0"/>
           </a:p>
@@ -19452,7 +17689,7 @@
         </p:nvSpPr>
         <p:spPr>
           <a:xfrm>
-            <a:off x="4127754" y="3890015"/>
+            <a:off x="4163942" y="3838853"/>
             <a:ext cx="1788020" cy="188619"/>
           </a:xfrm>
           <a:prstGeom prst="rightArrow">
@@ -19508,7 +17745,7 @@
           <a:p>
             <a:pPr algn="l" rtl="0"/>
             <a:r>
-              <a:rPr lang="en-US" b="1" dirty="0" smtClean="0"/>
+              <a:rPr lang="en-US" b="1" dirty="0"/>
               <a:t>y</a:t>
             </a:r>
             <a:endParaRPr lang="he-IL" b="1" dirty="0"/>
@@ -19539,7 +17776,7 @@
           <a:p>
             <a:pPr algn="l" rtl="0"/>
             <a:r>
-              <a:rPr lang="en-US" b="1" dirty="0" smtClean="0"/>
+              <a:rPr lang="en-US" b="1" dirty="0"/>
               <a:t>x</a:t>
             </a:r>
             <a:endParaRPr lang="he-IL" b="1" dirty="0"/>
@@ -19570,7 +17807,7 @@
           <a:p>
             <a:pPr algn="l" rtl="0"/>
             <a:r>
-              <a:rPr lang="en-US" b="1" dirty="0" smtClean="0">
+              <a:rPr lang="en-US" b="1" dirty="0">
                 <a:solidFill>
                   <a:srgbClr val="00B050"/>
                 </a:solidFill>
@@ -19633,7 +17870,7 @@
           <a:p>
             <a:pPr algn="l" rtl="0"/>
             <a:r>
-              <a:rPr lang="en-US" b="1" dirty="0" smtClean="0">
+              <a:rPr lang="en-US" b="1" dirty="0">
                 <a:solidFill>
                   <a:srgbClr val="00B050"/>
                 </a:solidFill>
@@ -19671,7 +17908,7 @@
           <a:lstStyle/>
           <a:p>
             <a:r>
-              <a:rPr lang="en-US" b="1" dirty="0" smtClean="0"/>
+              <a:rPr lang="en-US" b="1" dirty="0"/>
               <a:t>z</a:t>
             </a:r>
             <a:endParaRPr lang="he-IL" b="1" dirty="0"/>
@@ -19701,7 +17938,7 @@
           <a:lstStyle/>
           <a:p>
             <a:r>
-              <a:rPr lang="en-US" b="1" dirty="0" smtClean="0"/>
+              <a:rPr lang="en-US" b="1" dirty="0"/>
               <a:t>z</a:t>
             </a:r>
             <a:endParaRPr lang="he-IL" b="1" dirty="0"/>
@@ -19732,7 +17969,7 @@
           <a:p>
             <a:pPr algn="l" rtl="0"/>
             <a:r>
-              <a:rPr lang="en-US" b="1" dirty="0" smtClean="0"/>
+              <a:rPr lang="en-US" b="1" dirty="0"/>
               <a:t>y</a:t>
             </a:r>
             <a:endParaRPr lang="he-IL" b="1" dirty="0"/>
@@ -19763,7 +18000,7 @@
           <a:p>
             <a:pPr algn="l" rtl="0"/>
             <a:r>
-              <a:rPr lang="en-US" b="1" dirty="0" smtClean="0"/>
+              <a:rPr lang="en-US" b="1" dirty="0"/>
               <a:t>x</a:t>
             </a:r>
             <a:endParaRPr lang="he-IL" b="1" dirty="0"/>
@@ -19780,13 +18017,6 @@
   <p:clrMapOvr>
     <a:masterClrMapping/>
   </p:clrMapOvr>
-  <p:timing>
-    <p:tnLst>
-      <p:par>
-        <p:cTn id="1" dur="indefinite" restart="never" nodeType="tmRoot"/>
-      </p:par>
-    </p:tnLst>
-  </p:timing>
 </p:sld>
 </file>
 
@@ -19929,15 +18159,7 @@
                   <a:srgbClr val="7030A0"/>
                 </a:solidFill>
               </a:rPr>
-              <a:t> בהתאם</a:t>
-            </a:r>
-            <a:r>
-              <a:rPr lang="he-IL" sz="2400" b="1" dirty="0" smtClean="0">
-                <a:solidFill>
-                  <a:srgbClr val="7030A0"/>
-                </a:solidFill>
-              </a:rPr>
-              <a:t>.</a:t>
+              <a:t> בהתאם.</a:t>
             </a:r>
             <a:endParaRPr lang="en-US" sz="2400" b="1" dirty="0">
               <a:solidFill>
@@ -19971,11 +18193,11 @@
           <a:p>
             <a:pPr algn="ctr"/>
             <a:r>
-              <a:rPr lang="he-IL" sz="2400" b="1" dirty="0" smtClean="0"/>
+              <a:rPr lang="he-IL" sz="2400" b="1" dirty="0"/>
               <a:t>מקרה </a:t>
             </a:r>
             <a:r>
-              <a:rPr lang="en-US" sz="2400" b="1" dirty="0" smtClean="0"/>
+              <a:rPr lang="en-US" sz="2400" b="1" dirty="0"/>
               <a:t>LL</a:t>
             </a:r>
             <a:endParaRPr lang="he-IL" sz="2400" b="1" dirty="0"/>
@@ -20224,7 +18446,7 @@
           <a:p>
             <a:pPr algn="l" rtl="0"/>
             <a:r>
-              <a:rPr lang="en-US" b="1" dirty="0" smtClean="0">
+              <a:rPr lang="en-US" b="1" dirty="0">
                 <a:solidFill>
                   <a:srgbClr val="FF0000"/>
                 </a:solidFill>
@@ -20263,7 +18485,7 @@
           <a:p>
             <a:pPr algn="l" rtl="0"/>
             <a:r>
-              <a:rPr lang="en-US" b="1" dirty="0" smtClean="0">
+              <a:rPr lang="en-US" b="1" dirty="0">
                 <a:solidFill>
                   <a:srgbClr val="FF0000"/>
                 </a:solidFill>
@@ -20345,7 +18567,7 @@
           <a:lstStyle/>
           <a:p>
             <a:r>
-              <a:rPr lang="en-US" b="1" dirty="0" smtClean="0"/>
+              <a:rPr lang="en-US" b="1" dirty="0"/>
               <a:t>y</a:t>
             </a:r>
             <a:endParaRPr lang="he-IL" b="1" dirty="0"/>
@@ -20375,7 +18597,7 @@
           <a:lstStyle/>
           <a:p>
             <a:r>
-              <a:rPr lang="en-US" b="1" dirty="0" smtClean="0"/>
+              <a:rPr lang="en-US" b="1" dirty="0"/>
               <a:t>x</a:t>
             </a:r>
             <a:endParaRPr lang="he-IL" b="1" dirty="0"/>
@@ -20406,7 +18628,7 @@
           <a:p>
             <a:pPr algn="l" rtl="0"/>
             <a:r>
-              <a:rPr lang="en-US" b="1" dirty="0" smtClean="0">
+              <a:rPr lang="en-US" b="1" dirty="0">
                 <a:solidFill>
                   <a:srgbClr val="00B050"/>
                 </a:solidFill>
@@ -20445,7 +18667,7 @@
           <a:p>
             <a:pPr algn="l" rtl="0"/>
             <a:r>
-              <a:rPr lang="en-US" b="1" dirty="0" smtClean="0">
+              <a:rPr lang="en-US" b="1" dirty="0">
                 <a:solidFill>
                   <a:srgbClr val="00B050"/>
                 </a:solidFill>
@@ -20484,7 +18706,7 @@
           <a:p>
             <a:pPr algn="l" rtl="0"/>
             <a:r>
-              <a:rPr lang="en-US" b="1" dirty="0" smtClean="0">
+              <a:rPr lang="en-US" b="1" dirty="0">
                 <a:solidFill>
                   <a:srgbClr val="00B050"/>
                 </a:solidFill>
@@ -20523,7 +18745,7 @@
           <a:p>
             <a:pPr algn="l" rtl="0"/>
             <a:r>
-              <a:rPr lang="en-US" b="1" dirty="0" smtClean="0">
+              <a:rPr lang="en-US" b="1" dirty="0">
                 <a:solidFill>
                   <a:srgbClr val="00B050"/>
                 </a:solidFill>
@@ -20562,7 +18784,7 @@
           <a:p>
             <a:pPr algn="l" rtl="0"/>
             <a:r>
-              <a:rPr lang="en-US" b="1" dirty="0" smtClean="0">
+              <a:rPr lang="en-US" b="1" dirty="0">
                 <a:solidFill>
                   <a:srgbClr val="00B050"/>
                 </a:solidFill>
@@ -20601,7 +18823,7 @@
           <a:p>
             <a:pPr algn="l" rtl="0"/>
             <a:r>
-              <a:rPr lang="en-US" b="1" dirty="0" smtClean="0">
+              <a:rPr lang="en-US" b="1" dirty="0">
                 <a:solidFill>
                   <a:srgbClr val="00B050"/>
                 </a:solidFill>
@@ -20664,7 +18886,7 @@
           <a:p>
             <a:pPr algn="l" rtl="0"/>
             <a:r>
-              <a:rPr lang="en-US" b="1" dirty="0" smtClean="0">
+              <a:rPr lang="en-US" b="1" dirty="0">
                 <a:solidFill>
                   <a:srgbClr val="00B050"/>
                 </a:solidFill>
@@ -20702,7 +18924,7 @@
           <a:lstStyle/>
           <a:p>
             <a:r>
-              <a:rPr lang="en-US" b="1" dirty="0" smtClean="0"/>
+              <a:rPr lang="en-US" b="1" dirty="0"/>
               <a:t>z</a:t>
             </a:r>
             <a:endParaRPr lang="he-IL" b="1" dirty="0"/>
@@ -20732,7 +18954,7 @@
           <a:lstStyle/>
           <a:p>
             <a:r>
-              <a:rPr lang="en-US" b="1" dirty="0" smtClean="0"/>
+              <a:rPr lang="en-US" b="1" dirty="0"/>
               <a:t>z</a:t>
             </a:r>
             <a:endParaRPr lang="he-IL" b="1" dirty="0"/>
@@ -20762,7 +18984,7 @@
           <a:lstStyle/>
           <a:p>
             <a:r>
-              <a:rPr lang="en-US" b="1" dirty="0" smtClean="0"/>
+              <a:rPr lang="en-US" b="1" dirty="0"/>
               <a:t>y</a:t>
             </a:r>
             <a:endParaRPr lang="he-IL" b="1" dirty="0"/>
@@ -20792,7 +19014,7 @@
           <a:lstStyle/>
           <a:p>
             <a:r>
-              <a:rPr lang="en-US" b="1" dirty="0" smtClean="0"/>
+              <a:rPr lang="en-US" b="1" dirty="0"/>
               <a:t>x</a:t>
             </a:r>
             <a:endParaRPr lang="he-IL" b="1" dirty="0"/>
@@ -20823,7 +19045,7 @@
           <a:p>
             <a:pPr algn="l" rtl="0"/>
             <a:r>
-              <a:rPr lang="en-US" b="1" dirty="0" smtClean="0">
+              <a:rPr lang="en-US" b="1" dirty="0">
                 <a:solidFill>
                   <a:srgbClr val="00B050"/>
                 </a:solidFill>
@@ -20848,13 +19070,6 @@
   <p:clrMapOvr>
     <a:masterClrMapping/>
   </p:clrMapOvr>
-  <p:timing>
-    <p:tnLst>
-      <p:par>
-        <p:cTn id="1" dur="indefinite" restart="never" nodeType="tmRoot"/>
-      </p:par>
-    </p:tnLst>
-  </p:timing>
 </p:sld>
 </file>
 
@@ -20997,15 +19212,7 @@
                   <a:srgbClr val="7030A0"/>
                 </a:solidFill>
               </a:rPr>
-              <a:t> בהתאם</a:t>
-            </a:r>
-            <a:r>
-              <a:rPr lang="he-IL" sz="2400" b="1" dirty="0" smtClean="0">
-                <a:solidFill>
-                  <a:srgbClr val="7030A0"/>
-                </a:solidFill>
-              </a:rPr>
-              <a:t>.</a:t>
+              <a:t> בהתאם.</a:t>
             </a:r>
             <a:endParaRPr lang="en-US" sz="2400" b="1" dirty="0">
               <a:solidFill>
@@ -21295,7 +19502,7 @@
           <a:p>
             <a:pPr algn="l" rtl="0"/>
             <a:r>
-              <a:rPr lang="en-US" b="1" dirty="0" smtClean="0">
+              <a:rPr lang="en-US" b="1" dirty="0">
                 <a:solidFill>
                   <a:srgbClr val="FF0000"/>
                 </a:solidFill>
@@ -21334,7 +19541,7 @@
           <a:p>
             <a:pPr algn="l" rtl="0"/>
             <a:r>
-              <a:rPr lang="en-US" b="1" dirty="0" smtClean="0">
+              <a:rPr lang="en-US" b="1" dirty="0">
                 <a:solidFill>
                   <a:srgbClr val="FF0000"/>
                 </a:solidFill>
@@ -21372,7 +19579,7 @@
           <a:lstStyle/>
           <a:p>
             <a:r>
-              <a:rPr lang="en-US" b="1" dirty="0" smtClean="0"/>
+              <a:rPr lang="en-US" b="1" dirty="0"/>
               <a:t>z</a:t>
             </a:r>
             <a:endParaRPr lang="he-IL" b="1" dirty="0"/>
@@ -21402,7 +19609,7 @@
           <a:lstStyle/>
           <a:p>
             <a:r>
-              <a:rPr lang="en-US" b="1" dirty="0" smtClean="0"/>
+              <a:rPr lang="en-US" b="1" dirty="0"/>
               <a:t>y</a:t>
             </a:r>
             <a:endParaRPr lang="he-IL" b="1" dirty="0"/>
@@ -21432,7 +19639,7 @@
           <a:lstStyle/>
           <a:p>
             <a:r>
-              <a:rPr lang="en-US" b="1" dirty="0" smtClean="0"/>
+              <a:rPr lang="en-US" b="1" dirty="0"/>
               <a:t>x</a:t>
             </a:r>
             <a:endParaRPr lang="he-IL" b="1" dirty="0"/>
@@ -21550,7 +19757,7 @@
           <a:lstStyle/>
           <a:p>
             <a:r>
-              <a:rPr lang="en-US" b="1" dirty="0" smtClean="0">
+              <a:rPr lang="en-US" b="1" dirty="0">
                 <a:solidFill>
                   <a:srgbClr val="00B050"/>
                 </a:solidFill>
@@ -21589,7 +19796,7 @@
           <a:p>
             <a:pPr algn="l" rtl="0"/>
             <a:r>
-              <a:rPr lang="en-US" b="1" dirty="0" smtClean="0">
+              <a:rPr lang="en-US" b="1" dirty="0">
                 <a:solidFill>
                   <a:srgbClr val="00B050"/>
                 </a:solidFill>
@@ -21628,7 +19835,7 @@
           <a:p>
             <a:pPr algn="l" rtl="0"/>
             <a:r>
-              <a:rPr lang="en-US" b="1" dirty="0" smtClean="0">
+              <a:rPr lang="en-US" b="1" dirty="0">
                 <a:solidFill>
                   <a:srgbClr val="00B050"/>
                 </a:solidFill>
@@ -21667,7 +19874,7 @@
           <a:p>
             <a:pPr algn="l" rtl="0"/>
             <a:r>
-              <a:rPr lang="en-US" b="1" dirty="0" smtClean="0">
+              <a:rPr lang="en-US" b="1" dirty="0">
                 <a:solidFill>
                   <a:srgbClr val="00B050"/>
                 </a:solidFill>
@@ -21706,7 +19913,7 @@
           <a:p>
             <a:pPr algn="l" rtl="0"/>
             <a:r>
-              <a:rPr lang="en-US" b="1" dirty="0" smtClean="0"/>
+              <a:rPr lang="en-US" b="1" dirty="0"/>
               <a:t>z</a:t>
             </a:r>
             <a:endParaRPr lang="he-IL" b="1" dirty="0"/>
@@ -21737,7 +19944,7 @@
           <a:p>
             <a:pPr algn="l" rtl="0"/>
             <a:r>
-              <a:rPr lang="en-US" b="1" dirty="0" smtClean="0"/>
+              <a:rPr lang="en-US" b="1" dirty="0"/>
               <a:t>x</a:t>
             </a:r>
             <a:endParaRPr lang="he-IL" b="1" dirty="0"/>
@@ -21767,7 +19974,7 @@
           <a:lstStyle/>
           <a:p>
             <a:r>
-              <a:rPr lang="en-US" b="1" dirty="0" smtClean="0"/>
+              <a:rPr lang="en-US" b="1" dirty="0"/>
               <a:t>y</a:t>
             </a:r>
             <a:endParaRPr lang="he-IL" b="1" dirty="0"/>
@@ -21798,7 +20005,7 @@
           <a:p>
             <a:pPr algn="l" rtl="0"/>
             <a:r>
-              <a:rPr lang="en-US" b="1" dirty="0" smtClean="0">
+              <a:rPr lang="en-US" b="1" dirty="0">
                 <a:solidFill>
                   <a:srgbClr val="00B050"/>
                 </a:solidFill>
@@ -21837,7 +20044,7 @@
           <a:p>
             <a:pPr algn="l" rtl="0"/>
             <a:r>
-              <a:rPr lang="en-US" b="1" dirty="0" smtClean="0">
+              <a:rPr lang="en-US" b="1" dirty="0">
                 <a:solidFill>
                   <a:srgbClr val="00B050"/>
                 </a:solidFill>
@@ -21876,7 +20083,7 @@
           <a:p>
             <a:pPr algn="l" rtl="0"/>
             <a:r>
-              <a:rPr lang="en-US" b="1" dirty="0" smtClean="0">
+              <a:rPr lang="en-US" b="1" dirty="0">
                 <a:solidFill>
                   <a:srgbClr val="00B050"/>
                 </a:solidFill>
@@ -21915,7 +20122,7 @@
           <a:p>
             <a:pPr algn="l" rtl="0"/>
             <a:r>
-              <a:rPr lang="en-US" b="1" dirty="0" smtClean="0">
+              <a:rPr lang="en-US" b="1" dirty="0">
                 <a:solidFill>
                   <a:srgbClr val="00B050"/>
                 </a:solidFill>
@@ -22017,7 +20224,7 @@
           <a:lstStyle/>
           <a:p>
             <a:r>
-              <a:rPr lang="en-US" sz="2000" b="1" dirty="0" smtClean="0">
+              <a:rPr lang="en-US" sz="2000" b="1" dirty="0">
                 <a:latin typeface="Arial" panose="020B0604020202020204" pitchFamily="34" charset="0"/>
                 <a:cs typeface="Arial" panose="020B0604020202020204" pitchFamily="34" charset="0"/>
               </a:rPr>
@@ -22054,7 +20261,7 @@
           <a:p>
             <a:pPr algn="l" rtl="0"/>
             <a:r>
-              <a:rPr lang="en-US" b="1" dirty="0" smtClean="0"/>
+              <a:rPr lang="en-US" b="1" dirty="0"/>
               <a:t>z</a:t>
             </a:r>
             <a:endParaRPr lang="he-IL" b="1" dirty="0"/>
@@ -22085,7 +20292,7 @@
           <a:p>
             <a:pPr algn="l" rtl="0"/>
             <a:r>
-              <a:rPr lang="en-US" b="1" dirty="0" smtClean="0"/>
+              <a:rPr lang="en-US" b="1" dirty="0"/>
               <a:t>x</a:t>
             </a:r>
             <a:endParaRPr lang="he-IL" b="1" dirty="0"/>
@@ -22115,7 +20322,7 @@
           <a:lstStyle/>
           <a:p>
             <a:r>
-              <a:rPr lang="en-US" b="1" dirty="0" smtClean="0"/>
+              <a:rPr lang="en-US" b="1" dirty="0"/>
               <a:t>y</a:t>
             </a:r>
             <a:endParaRPr lang="he-IL" b="1" dirty="0"/>
@@ -22146,7 +20353,7 @@
           <a:p>
             <a:pPr algn="l" rtl="0"/>
             <a:r>
-              <a:rPr lang="en-US" b="1" dirty="0" smtClean="0">
+              <a:rPr lang="en-US" b="1" dirty="0">
                 <a:solidFill>
                   <a:srgbClr val="00B050"/>
                 </a:solidFill>
@@ -22185,7 +20392,7 @@
           <a:p>
             <a:pPr algn="l" rtl="0"/>
             <a:r>
-              <a:rPr lang="en-US" b="1" dirty="0" smtClean="0">
+              <a:rPr lang="en-US" b="1" dirty="0">
                 <a:solidFill>
                   <a:srgbClr val="00B050"/>
                 </a:solidFill>
@@ -22224,7 +20431,7 @@
           <a:p>
             <a:pPr algn="l" rtl="0"/>
             <a:r>
-              <a:rPr lang="en-US" b="1" dirty="0" smtClean="0">
+              <a:rPr lang="en-US" b="1" dirty="0">
                 <a:solidFill>
                   <a:srgbClr val="00B050"/>
                 </a:solidFill>
@@ -22263,7 +20470,7 @@
           <a:p>
             <a:pPr algn="l" rtl="0"/>
             <a:r>
-              <a:rPr lang="en-US" b="1" dirty="0" smtClean="0">
+              <a:rPr lang="en-US" b="1" dirty="0">
                 <a:solidFill>
                   <a:srgbClr val="00B050"/>
                 </a:solidFill>
@@ -22288,13 +20495,6 @@
   <p:clrMapOvr>
     <a:masterClrMapping/>
   </p:clrMapOvr>
-  <p:timing>
-    <p:tnLst>
-      <p:par>
-        <p:cTn id="1" dur="indefinite" restart="never" nodeType="tmRoot"/>
-      </p:par>
-    </p:tnLst>
-  </p:timing>
 </p:sld>
 </file>
 
@@ -22356,10 +20556,9 @@
               <a:t>מקרה </a:t>
             </a:r>
             <a:r>
-              <a:rPr lang="en-US" sz="2400" b="1" dirty="0" smtClean="0"/>
+              <a:rPr lang="en-US" sz="2400" b="1" dirty="0"/>
               <a:t>RL</a:t>
             </a:r>
-            <a:endParaRPr lang="en-US" sz="2400" b="1" dirty="0"/>
           </a:p>
         </p:txBody>
       </p:sp>
@@ -22471,15 +20670,7 @@
                   <a:srgbClr val="7030A0"/>
                 </a:solidFill>
               </a:rPr>
-              <a:t> בהתאם</a:t>
-            </a:r>
-            <a:r>
-              <a:rPr lang="he-IL" sz="2400" b="1" dirty="0" smtClean="0">
-                <a:solidFill>
-                  <a:srgbClr val="7030A0"/>
-                </a:solidFill>
-              </a:rPr>
-              <a:t>.</a:t>
+              <a:t> בהתאם.</a:t>
             </a:r>
             <a:endParaRPr lang="en-US" sz="2400" b="1" dirty="0">
               <a:solidFill>
@@ -22735,7 +20926,7 @@
           <a:p>
             <a:pPr algn="l" rtl="0"/>
             <a:r>
-              <a:rPr lang="en-US" b="1" dirty="0" smtClean="0">
+              <a:rPr lang="en-US" b="1" dirty="0">
                 <a:solidFill>
                   <a:srgbClr val="FF0000"/>
                 </a:solidFill>
@@ -22773,7 +20964,7 @@
           <a:lstStyle/>
           <a:p>
             <a:r>
-              <a:rPr lang="en-US" b="1" dirty="0" smtClean="0">
+              <a:rPr lang="en-US" b="1" dirty="0">
                 <a:solidFill>
                   <a:srgbClr val="FF0000"/>
                 </a:solidFill>
@@ -22856,7 +21047,7 @@
           <a:p>
             <a:pPr algn="l" rtl="0"/>
             <a:r>
-              <a:rPr lang="en-US" dirty="0" smtClean="0"/>
+              <a:rPr lang="en-US" dirty="0"/>
               <a:t>T1</a:t>
             </a:r>
             <a:endParaRPr lang="he-IL" dirty="0"/>
@@ -22887,7 +21078,7 @@
           <a:p>
             <a:pPr algn="l" rtl="0"/>
             <a:r>
-              <a:rPr lang="en-US" dirty="0" smtClean="0"/>
+              <a:rPr lang="en-US" dirty="0"/>
               <a:t>T2</a:t>
             </a:r>
             <a:endParaRPr lang="he-IL" dirty="0"/>
@@ -22918,7 +21109,7 @@
           <a:p>
             <a:pPr algn="l" rtl="0"/>
             <a:r>
-              <a:rPr lang="en-US" dirty="0" smtClean="0"/>
+              <a:rPr lang="en-US" dirty="0"/>
               <a:t>T3</a:t>
             </a:r>
             <a:endParaRPr lang="he-IL" dirty="0"/>
@@ -22949,7 +21140,7 @@
           <a:p>
             <a:pPr algn="l" rtl="0"/>
             <a:r>
-              <a:rPr lang="en-US" dirty="0" smtClean="0"/>
+              <a:rPr lang="en-US" dirty="0"/>
               <a:t>T4</a:t>
             </a:r>
             <a:endParaRPr lang="he-IL" dirty="0"/>
@@ -23020,7 +21211,7 @@
           <a:p>
             <a:pPr algn="l" rtl="0"/>
             <a:r>
-              <a:rPr lang="en-US" b="1" dirty="0" smtClean="0"/>
+              <a:rPr lang="en-US" b="1" dirty="0"/>
               <a:t>Right</a:t>
             </a:r>
           </a:p>
@@ -23094,7 +21285,7 @@
           <a:p>
             <a:pPr algn="ctr" rtl="0"/>
             <a:r>
-              <a:rPr lang="en-US" b="1" dirty="0" smtClean="0"/>
+              <a:rPr lang="en-US" b="1" dirty="0"/>
               <a:t>Left</a:t>
             </a:r>
             <a:endParaRPr lang="he-IL" b="1" dirty="0"/>
@@ -23169,7 +21360,7 @@
           <a:p>
             <a:pPr algn="l" rtl="0"/>
             <a:r>
-              <a:rPr lang="en-US" b="1" dirty="0" smtClean="0">
+              <a:rPr lang="en-US" b="1" dirty="0">
                 <a:solidFill>
                   <a:srgbClr val="FF0000"/>
                 </a:solidFill>
@@ -23207,7 +21398,7 @@
           <a:lstStyle/>
           <a:p>
             <a:r>
-              <a:rPr lang="en-US" b="1" dirty="0" smtClean="0">
+              <a:rPr lang="en-US" b="1" dirty="0">
                 <a:solidFill>
                   <a:srgbClr val="FF0000"/>
                 </a:solidFill>
@@ -23245,7 +21436,7 @@
           <a:lstStyle/>
           <a:p>
             <a:r>
-              <a:rPr lang="en-US" b="1" dirty="0" smtClean="0"/>
+              <a:rPr lang="en-US" b="1" dirty="0"/>
               <a:t>z</a:t>
             </a:r>
             <a:endParaRPr lang="he-IL" b="1" dirty="0"/>
@@ -23275,7 +21466,7 @@
           <a:lstStyle/>
           <a:p>
             <a:r>
-              <a:rPr lang="en-US" b="1" dirty="0" smtClean="0"/>
+              <a:rPr lang="en-US" b="1" dirty="0"/>
               <a:t>y</a:t>
             </a:r>
             <a:endParaRPr lang="he-IL" b="1" dirty="0"/>
@@ -23305,7 +21496,7 @@
           <a:lstStyle/>
           <a:p>
             <a:r>
-              <a:rPr lang="en-US" b="1" dirty="0" smtClean="0"/>
+              <a:rPr lang="en-US" b="1" dirty="0"/>
               <a:t>x</a:t>
             </a:r>
             <a:endParaRPr lang="he-IL" b="1" dirty="0"/>
@@ -23335,7 +21526,7 @@
           <a:lstStyle/>
           <a:p>
             <a:r>
-              <a:rPr lang="en-US" b="1" dirty="0" smtClean="0"/>
+              <a:rPr lang="en-US" b="1" dirty="0"/>
               <a:t>z</a:t>
             </a:r>
             <a:endParaRPr lang="he-IL" b="1" dirty="0"/>
@@ -23365,7 +21556,7 @@
           <a:lstStyle/>
           <a:p>
             <a:r>
-              <a:rPr lang="en-US" b="1" dirty="0" smtClean="0"/>
+              <a:rPr lang="en-US" b="1" dirty="0"/>
               <a:t>x</a:t>
             </a:r>
             <a:endParaRPr lang="he-IL" b="1" dirty="0"/>
@@ -23395,7 +21586,7 @@
           <a:lstStyle/>
           <a:p>
             <a:r>
-              <a:rPr lang="en-US" b="1" dirty="0" smtClean="0"/>
+              <a:rPr lang="en-US" b="1" dirty="0"/>
               <a:t>y</a:t>
             </a:r>
             <a:endParaRPr lang="he-IL" b="1" dirty="0"/>
@@ -23436,13 +21627,6 @@
   <p:clrMapOvr>
     <a:masterClrMapping/>
   </p:clrMapOvr>
-  <p:timing>
-    <p:tnLst>
-      <p:par>
-        <p:cTn id="1" dur="indefinite" restart="never" nodeType="tmRoot"/>
-      </p:par>
-    </p:tnLst>
-  </p:timing>
 </p:sld>
 </file>
 
@@ -23590,15 +21774,7 @@
             </a:pPr>
             <a:r>
               <a:rPr lang="he-IL" sz="2800" dirty="0"/>
-              <a:t>מכניסים צומת חדש </a:t>
-            </a:r>
-            <a:r>
-              <a:rPr lang="he-IL" sz="2800" dirty="0" smtClean="0"/>
-              <a:t>לעץ</a:t>
-            </a:r>
-            <a:r>
-              <a:rPr lang="he-IL" sz="2800" dirty="0"/>
-              <a:t>.</a:t>
+              <a:t>מכניסים צומת חדש לעץ כמו לעץ חיפוש רגיל.</a:t>
             </a:r>
             <a:endParaRPr lang="en-US" sz="2800" dirty="0"/>
           </a:p>
@@ -23612,11 +21788,7 @@
             </a:pPr>
             <a:r>
               <a:rPr lang="he-IL" sz="2800" dirty="0"/>
-              <a:t>עושים איזון עץ מחדש (גלגול</a:t>
-            </a:r>
-            <a:r>
-              <a:rPr lang="he-IL" sz="2800" dirty="0" smtClean="0"/>
-              <a:t>).</a:t>
+              <a:t>עושים איזון עץ מחדש (גלגול) במידת הצורך.</a:t>
             </a:r>
             <a:endParaRPr lang="en-US" sz="2800" dirty="0"/>
           </a:p>
@@ -23650,15 +21822,7 @@
                   <a:srgbClr val="C00000"/>
                 </a:solidFill>
               </a:rPr>
-              <a:t>מחיקת </a:t>
-            </a:r>
-            <a:r>
-              <a:rPr lang="he-IL" sz="3200" b="1" u="sng" dirty="0" smtClean="0">
-                <a:solidFill>
-                  <a:srgbClr val="C00000"/>
-                </a:solidFill>
-              </a:rPr>
-              <a:t>צמתים</a:t>
+              <a:t>מחיקת צמתים</a:t>
             </a:r>
             <a:endParaRPr lang="en-US" sz="3200" dirty="0">
               <a:solidFill>
@@ -23713,11 +21877,7 @@
             </a:pPr>
             <a:r>
               <a:rPr lang="he-IL" sz="2800" dirty="0"/>
-              <a:t>גלגולים איזון (יתכן נדרשים כמה גלגולים</a:t>
-            </a:r>
-            <a:r>
-              <a:rPr lang="he-IL" sz="2800" dirty="0" smtClean="0"/>
-              <a:t>).</a:t>
+              <a:t>גלגולים איזון (יתכן נדרשים כמה גלגולים).</a:t>
             </a:r>
             <a:endParaRPr lang="en-US" sz="2800" dirty="0"/>
           </a:p>
@@ -23733,13 +21893,6 @@
   <p:clrMapOvr>
     <a:masterClrMapping/>
   </p:clrMapOvr>
-  <p:timing>
-    <p:tnLst>
-      <p:par>
-        <p:cTn id="1" dur="indefinite" restart="never" nodeType="tmRoot"/>
-      </p:par>
-    </p:tnLst>
-  </p:timing>
 </p:sld>
 </file>
 
@@ -23749,7 +21902,7 @@
     <p:bg>
       <p:bgPr>
         <a:blipFill dpi="0" rotWithShape="1">
-          <a:blip r:embed="rId3">
+          <a:blip r:embed="rId2">
             <a:lum/>
           </a:blip>
           <a:srcRect/>
@@ -23776,76 +21929,549 @@
       </p:grpSpPr>
       <p:sp>
         <p:nvSpPr>
-          <p:cNvPr id="29" name="מלבן 3"/>
-          <p:cNvSpPr/>
-          <p:nvPr/>
-        </p:nvSpPr>
-        <p:spPr>
-          <a:xfrm>
-            <a:off x="6068732" y="929772"/>
-            <a:ext cx="5097678" cy="592726"/>
-          </a:xfrm>
-          <a:prstGeom prst="rect">
-            <a:avLst/>
-          </a:prstGeom>
-        </p:spPr>
-        <p:txBody>
-          <a:bodyPr wrap="none">
+          <p:cNvPr id="3" name="Rectangle 3">
+            <a:extLst>
+              <a:ext uri="{FF2B5EF4-FFF2-40B4-BE49-F238E27FC236}">
+                <a16:creationId xmlns:a16="http://schemas.microsoft.com/office/drawing/2014/main" id="{5BEB75EE-0B9B-1391-1B55-ADB142E9C6DB}"/>
+              </a:ext>
+            </a:extLst>
+          </p:cNvPr>
+          <p:cNvSpPr>
+            <a:spLocks noGrp="1" noChangeArrowheads="1"/>
+          </p:cNvSpPr>
+          <p:nvPr/>
+        </p:nvSpPr>
+        <p:spPr bwMode="auto">
+          <a:xfrm>
+            <a:off x="2304288" y="499016"/>
+            <a:ext cx="8125121" cy="1139825"/>
+          </a:xfrm>
+          <a:prstGeom prst="rect">
+            <a:avLst/>
+          </a:prstGeom>
+          <a:noFill/>
+          <a:ln>
+            <a:noFill/>
+          </a:ln>
+          <a:effectLst/>
+          <a:extLst>
+            <a:ext uri="{909E8E84-426E-40DD-AFC4-6F175D3DCCD1}">
+              <a14:hiddenFill xmlns:a14="http://schemas.microsoft.com/office/drawing/2010/main">
+                <a:solidFill>
+                  <a:schemeClr val="accent1"/>
+                </a:solidFill>
+              </a14:hiddenFill>
+            </a:ext>
+            <a:ext uri="{91240B29-F687-4F45-9708-019B960494DF}">
+              <a14:hiddenLine xmlns:a14="http://schemas.microsoft.com/office/drawing/2010/main" w="9525">
+                <a:solidFill>
+                  <a:schemeClr val="tx1"/>
+                </a:solidFill>
+                <a:miter lim="800000"/>
+                <a:headEnd/>
+                <a:tailEnd/>
+              </a14:hiddenLine>
+            </a:ext>
+            <a:ext uri="{AF507438-7753-43E0-B8FC-AC1667EBCBE1}">
+              <a14:hiddenEffects xmlns:a14="http://schemas.microsoft.com/office/drawing/2010/main">
+                <a:effectLst>
+                  <a:outerShdw dist="35921" dir="2700000" algn="ctr" rotWithShape="0">
+                    <a:schemeClr val="bg2"/>
+                  </a:outerShdw>
+                </a:effectLst>
+              </a14:hiddenEffects>
+            </a:ext>
+          </a:extLst>
+        </p:spPr>
+        <p:txBody>
+          <a:bodyPr vert="horz" wrap="square" lIns="91440" tIns="45720" rIns="91440" bIns="45720" numCol="1" anchor="t" anchorCtr="0" compatLnSpc="1">
+            <a:prstTxWarp prst="textNoShape">
+              <a:avLst/>
+            </a:prstTxWarp>
+          </a:bodyPr>
+          <a:lstStyle>
+            <a:lvl1pPr algn="l" rtl="1" eaLnBrk="0" fontAlgn="base" hangingPunct="0">
+              <a:spcBef>
+                <a:spcPct val="0"/>
+              </a:spcBef>
+              <a:spcAft>
+                <a:spcPct val="0"/>
+              </a:spcAft>
+              <a:defRPr sz="4200">
+                <a:solidFill>
+                  <a:schemeClr val="tx2"/>
+                </a:solidFill>
+                <a:latin typeface="+mj-lt"/>
+                <a:ea typeface="+mj-ea"/>
+                <a:cs typeface="+mj-cs"/>
+              </a:defRPr>
+            </a:lvl1pPr>
+            <a:lvl2pPr algn="l" rtl="1" eaLnBrk="0" fontAlgn="base" hangingPunct="0">
+              <a:spcBef>
+                <a:spcPct val="0"/>
+              </a:spcBef>
+              <a:spcAft>
+                <a:spcPct val="0"/>
+              </a:spcAft>
+              <a:defRPr sz="4200">
+                <a:solidFill>
+                  <a:schemeClr val="tx2"/>
+                </a:solidFill>
+                <a:latin typeface="Garamond" pitchFamily="18" charset="0"/>
+                <a:cs typeface="Arial" pitchFamily="34" charset="0"/>
+              </a:defRPr>
+            </a:lvl2pPr>
+            <a:lvl3pPr algn="l" rtl="1" eaLnBrk="0" fontAlgn="base" hangingPunct="0">
+              <a:spcBef>
+                <a:spcPct val="0"/>
+              </a:spcBef>
+              <a:spcAft>
+                <a:spcPct val="0"/>
+              </a:spcAft>
+              <a:defRPr sz="4200">
+                <a:solidFill>
+                  <a:schemeClr val="tx2"/>
+                </a:solidFill>
+                <a:latin typeface="Garamond" pitchFamily="18" charset="0"/>
+                <a:cs typeface="Arial" pitchFamily="34" charset="0"/>
+              </a:defRPr>
+            </a:lvl3pPr>
+            <a:lvl4pPr algn="l" rtl="1" eaLnBrk="0" fontAlgn="base" hangingPunct="0">
+              <a:spcBef>
+                <a:spcPct val="0"/>
+              </a:spcBef>
+              <a:spcAft>
+                <a:spcPct val="0"/>
+              </a:spcAft>
+              <a:defRPr sz="4200">
+                <a:solidFill>
+                  <a:schemeClr val="tx2"/>
+                </a:solidFill>
+                <a:latin typeface="Garamond" pitchFamily="18" charset="0"/>
+                <a:cs typeface="Arial" pitchFamily="34" charset="0"/>
+              </a:defRPr>
+            </a:lvl4pPr>
+            <a:lvl5pPr algn="l" rtl="1" eaLnBrk="0" fontAlgn="base" hangingPunct="0">
+              <a:spcBef>
+                <a:spcPct val="0"/>
+              </a:spcBef>
+              <a:spcAft>
+                <a:spcPct val="0"/>
+              </a:spcAft>
+              <a:defRPr sz="4200">
+                <a:solidFill>
+                  <a:schemeClr val="tx2"/>
+                </a:solidFill>
+                <a:latin typeface="Garamond" pitchFamily="18" charset="0"/>
+                <a:cs typeface="Arial" pitchFamily="34" charset="0"/>
+              </a:defRPr>
+            </a:lvl5pPr>
+            <a:lvl6pPr marL="457200" algn="l" rtl="1" fontAlgn="base">
+              <a:spcBef>
+                <a:spcPct val="0"/>
+              </a:spcBef>
+              <a:spcAft>
+                <a:spcPct val="0"/>
+              </a:spcAft>
+              <a:defRPr sz="4200">
+                <a:solidFill>
+                  <a:schemeClr val="tx2"/>
+                </a:solidFill>
+                <a:latin typeface="Garamond" pitchFamily="18" charset="0"/>
+                <a:cs typeface="Arial" pitchFamily="34" charset="0"/>
+              </a:defRPr>
+            </a:lvl6pPr>
+            <a:lvl7pPr marL="914400" algn="l" rtl="1" fontAlgn="base">
+              <a:spcBef>
+                <a:spcPct val="0"/>
+              </a:spcBef>
+              <a:spcAft>
+                <a:spcPct val="0"/>
+              </a:spcAft>
+              <a:defRPr sz="4200">
+                <a:solidFill>
+                  <a:schemeClr val="tx2"/>
+                </a:solidFill>
+                <a:latin typeface="Garamond" pitchFamily="18" charset="0"/>
+                <a:cs typeface="Arial" pitchFamily="34" charset="0"/>
+              </a:defRPr>
+            </a:lvl7pPr>
+            <a:lvl8pPr marL="1371600" algn="l" rtl="1" fontAlgn="base">
+              <a:spcBef>
+                <a:spcPct val="0"/>
+              </a:spcBef>
+              <a:spcAft>
+                <a:spcPct val="0"/>
+              </a:spcAft>
+              <a:defRPr sz="4200">
+                <a:solidFill>
+                  <a:schemeClr val="tx2"/>
+                </a:solidFill>
+                <a:latin typeface="Garamond" pitchFamily="18" charset="0"/>
+                <a:cs typeface="Arial" pitchFamily="34" charset="0"/>
+              </a:defRPr>
+            </a:lvl8pPr>
+            <a:lvl9pPr marL="1828800" algn="l" rtl="1" fontAlgn="base">
+              <a:spcBef>
+                <a:spcPct val="0"/>
+              </a:spcBef>
+              <a:spcAft>
+                <a:spcPct val="0"/>
+              </a:spcAft>
+              <a:defRPr sz="4200">
+                <a:solidFill>
+                  <a:schemeClr val="tx2"/>
+                </a:solidFill>
+                <a:latin typeface="Garamond" pitchFamily="18" charset="0"/>
+                <a:cs typeface="Arial" pitchFamily="34" charset="0"/>
+              </a:defRPr>
+            </a:lvl9pPr>
+          </a:lstStyle>
+          <a:p>
+            <a:pPr algn="r" eaLnBrk="1" hangingPunct="1"/>
+            <a:r>
+              <a:rPr lang="en-US" altLang="he-IL" sz="3200" u="sng" dirty="0">
+                <a:solidFill>
+                  <a:schemeClr val="accent6">
+                    <a:lumMod val="50000"/>
+                  </a:schemeClr>
+                </a:solidFill>
+                <a:latin typeface="Calibri" panose="020F0502020204030204" pitchFamily="34" charset="0"/>
+                <a:ea typeface="Calibri" panose="020F0502020204030204" pitchFamily="34" charset="0"/>
+                <a:cs typeface="+mn-cs"/>
+              </a:rPr>
+              <a:t>Time complexities of different data structures</a:t>
+            </a:r>
+          </a:p>
+        </p:txBody>
+      </p:sp>
+      <p:sp>
+        <p:nvSpPr>
+          <p:cNvPr id="4" name="Rectangle 4">
+            <a:extLst>
+              <a:ext uri="{FF2B5EF4-FFF2-40B4-BE49-F238E27FC236}">
+                <a16:creationId xmlns:a16="http://schemas.microsoft.com/office/drawing/2014/main" id="{3FA352FF-5D78-3670-CDFA-7CF68B7F8904}"/>
+              </a:ext>
+            </a:extLst>
+          </p:cNvPr>
+          <p:cNvSpPr>
+            <a:spLocks noChangeArrowheads="1"/>
+          </p:cNvSpPr>
+          <p:nvPr/>
+        </p:nvSpPr>
+        <p:spPr bwMode="auto">
+          <a:xfrm>
+            <a:off x="1904206" y="1262856"/>
+            <a:ext cx="8229600" cy="5005388"/>
+          </a:xfrm>
+          <a:prstGeom prst="rect">
+            <a:avLst/>
+          </a:prstGeom>
+          <a:noFill/>
+          <a:ln>
+            <a:noFill/>
+          </a:ln>
+          <a:effectLst/>
+          <a:extLst>
+            <a:ext uri="{909E8E84-426E-40DD-AFC4-6F175D3DCCD1}">
+              <a14:hiddenFill xmlns:a14="http://schemas.microsoft.com/office/drawing/2010/main">
+                <a:solidFill>
+                  <a:schemeClr val="accent1"/>
+                </a:solidFill>
+              </a14:hiddenFill>
+            </a:ext>
+            <a:ext uri="{91240B29-F687-4F45-9708-019B960494DF}">
+              <a14:hiddenLine xmlns:a14="http://schemas.microsoft.com/office/drawing/2010/main" w="9525">
+                <a:solidFill>
+                  <a:schemeClr val="tx1"/>
+                </a:solidFill>
+                <a:miter lim="800000"/>
+                <a:headEnd/>
+                <a:tailEnd/>
+              </a14:hiddenLine>
+            </a:ext>
+            <a:ext uri="{AF507438-7753-43E0-B8FC-AC1667EBCBE1}">
+              <a14:hiddenEffects xmlns:a14="http://schemas.microsoft.com/office/drawing/2010/main">
+                <a:effectLst>
+                  <a:outerShdw dist="35921" dir="2700000" algn="ctr" rotWithShape="0">
+                    <a:schemeClr val="bg2"/>
+                  </a:outerShdw>
+                </a:effectLst>
+              </a14:hiddenEffects>
+            </a:ext>
+          </a:extLst>
+        </p:spPr>
+        <p:txBody>
+          <a:bodyPr/>
+          <a:lstStyle>
+            <a:defPPr>
+              <a:defRPr lang="he-IL"/>
+            </a:defPPr>
+            <a:lvl1pPr algn="r" rtl="1" fontAlgn="base">
+              <a:spcBef>
+                <a:spcPct val="0"/>
+              </a:spcBef>
+              <a:spcAft>
+                <a:spcPct val="0"/>
+              </a:spcAft>
+              <a:defRPr kern="1200" baseline="30000">
+                <a:solidFill>
+                  <a:schemeClr val="tx1"/>
+                </a:solidFill>
+                <a:latin typeface="Arial" panose="020B0604020202020204" pitchFamily="34" charset="0"/>
+                <a:ea typeface="+mn-ea"/>
+                <a:cs typeface="Arial" panose="020B0604020202020204" pitchFamily="34" charset="0"/>
+              </a:defRPr>
+            </a:lvl1pPr>
+            <a:lvl2pPr marL="457200" algn="r" rtl="1" fontAlgn="base">
+              <a:spcBef>
+                <a:spcPct val="0"/>
+              </a:spcBef>
+              <a:spcAft>
+                <a:spcPct val="0"/>
+              </a:spcAft>
+              <a:defRPr kern="1200" baseline="30000">
+                <a:solidFill>
+                  <a:schemeClr val="tx1"/>
+                </a:solidFill>
+                <a:latin typeface="Arial" panose="020B0604020202020204" pitchFamily="34" charset="0"/>
+                <a:ea typeface="+mn-ea"/>
+                <a:cs typeface="Arial" panose="020B0604020202020204" pitchFamily="34" charset="0"/>
+              </a:defRPr>
+            </a:lvl2pPr>
+            <a:lvl3pPr marL="914400" algn="r" rtl="1" fontAlgn="base">
+              <a:spcBef>
+                <a:spcPct val="0"/>
+              </a:spcBef>
+              <a:spcAft>
+                <a:spcPct val="0"/>
+              </a:spcAft>
+              <a:defRPr kern="1200" baseline="30000">
+                <a:solidFill>
+                  <a:schemeClr val="tx1"/>
+                </a:solidFill>
+                <a:latin typeface="Arial" panose="020B0604020202020204" pitchFamily="34" charset="0"/>
+                <a:ea typeface="+mn-ea"/>
+                <a:cs typeface="Arial" panose="020B0604020202020204" pitchFamily="34" charset="0"/>
+              </a:defRPr>
+            </a:lvl3pPr>
+            <a:lvl4pPr marL="1371600" algn="r" rtl="1" fontAlgn="base">
+              <a:spcBef>
+                <a:spcPct val="0"/>
+              </a:spcBef>
+              <a:spcAft>
+                <a:spcPct val="0"/>
+              </a:spcAft>
+              <a:defRPr kern="1200" baseline="30000">
+                <a:solidFill>
+                  <a:schemeClr val="tx1"/>
+                </a:solidFill>
+                <a:latin typeface="Arial" panose="020B0604020202020204" pitchFamily="34" charset="0"/>
+                <a:ea typeface="+mn-ea"/>
+                <a:cs typeface="Arial" panose="020B0604020202020204" pitchFamily="34" charset="0"/>
+              </a:defRPr>
+            </a:lvl4pPr>
+            <a:lvl5pPr marL="1828800" algn="r" rtl="1" fontAlgn="base">
+              <a:spcBef>
+                <a:spcPct val="0"/>
+              </a:spcBef>
+              <a:spcAft>
+                <a:spcPct val="0"/>
+              </a:spcAft>
+              <a:defRPr kern="1200" baseline="30000">
+                <a:solidFill>
+                  <a:schemeClr val="tx1"/>
+                </a:solidFill>
+                <a:latin typeface="Arial" panose="020B0604020202020204" pitchFamily="34" charset="0"/>
+                <a:ea typeface="+mn-ea"/>
+                <a:cs typeface="Arial" panose="020B0604020202020204" pitchFamily="34" charset="0"/>
+              </a:defRPr>
+            </a:lvl5pPr>
+            <a:lvl6pPr marL="2286000" algn="l" defTabSz="914400" rtl="0" eaLnBrk="1" latinLnBrk="0" hangingPunct="1">
+              <a:defRPr kern="1200" baseline="30000">
+                <a:solidFill>
+                  <a:schemeClr val="tx1"/>
+                </a:solidFill>
+                <a:latin typeface="Arial" panose="020B0604020202020204" pitchFamily="34" charset="0"/>
+                <a:ea typeface="+mn-ea"/>
+                <a:cs typeface="Arial" panose="020B0604020202020204" pitchFamily="34" charset="0"/>
+              </a:defRPr>
+            </a:lvl6pPr>
+            <a:lvl7pPr marL="2743200" algn="l" defTabSz="914400" rtl="0" eaLnBrk="1" latinLnBrk="0" hangingPunct="1">
+              <a:defRPr kern="1200" baseline="30000">
+                <a:solidFill>
+                  <a:schemeClr val="tx1"/>
+                </a:solidFill>
+                <a:latin typeface="Arial" panose="020B0604020202020204" pitchFamily="34" charset="0"/>
+                <a:ea typeface="+mn-ea"/>
+                <a:cs typeface="Arial" panose="020B0604020202020204" pitchFamily="34" charset="0"/>
+              </a:defRPr>
+            </a:lvl7pPr>
+            <a:lvl8pPr marL="3200400" algn="l" defTabSz="914400" rtl="0" eaLnBrk="1" latinLnBrk="0" hangingPunct="1">
+              <a:defRPr kern="1200" baseline="30000">
+                <a:solidFill>
+                  <a:schemeClr val="tx1"/>
+                </a:solidFill>
+                <a:latin typeface="Arial" panose="020B0604020202020204" pitchFamily="34" charset="0"/>
+                <a:ea typeface="+mn-ea"/>
+                <a:cs typeface="Arial" panose="020B0604020202020204" pitchFamily="34" charset="0"/>
+              </a:defRPr>
+            </a:lvl8pPr>
+            <a:lvl9pPr marL="3657600" algn="l" defTabSz="914400" rtl="0" eaLnBrk="1" latinLnBrk="0" hangingPunct="1">
+              <a:defRPr kern="1200" baseline="30000">
+                <a:solidFill>
+                  <a:schemeClr val="tx1"/>
+                </a:solidFill>
+                <a:latin typeface="Arial" panose="020B0604020202020204" pitchFamily="34" charset="0"/>
+                <a:ea typeface="+mn-ea"/>
+                <a:cs typeface="Arial" panose="020B0604020202020204" pitchFamily="34" charset="0"/>
+              </a:defRPr>
+            </a:lvl9pPr>
+          </a:lstStyle>
+          <a:p>
+            <a:pPr eaLnBrk="1" hangingPunct="1">
+              <a:lnSpc>
+                <a:spcPct val="90000"/>
+              </a:lnSpc>
+              <a:spcBef>
+                <a:spcPct val="20000"/>
+              </a:spcBef>
+              <a:buClr>
+                <a:schemeClr val="accent1"/>
+              </a:buClr>
+              <a:buSzPct val="65000"/>
+              <a:buFont typeface="Wingdings" panose="05000000000000000000" pitchFamily="2" charset="2"/>
+              <a:buChar char="n"/>
+            </a:pPr>
+            <a:endParaRPr lang="en-US" altLang="he-IL" sz="2900" baseline="0" dirty="0"/>
+          </a:p>
+          <a:p>
+            <a:pPr eaLnBrk="1" hangingPunct="1">
+              <a:lnSpc>
+                <a:spcPct val="90000"/>
+              </a:lnSpc>
+              <a:spcBef>
+                <a:spcPct val="20000"/>
+              </a:spcBef>
+              <a:buClr>
+                <a:schemeClr val="accent1"/>
+              </a:buClr>
+              <a:buSzPct val="65000"/>
+              <a:buFont typeface="Wingdings" panose="05000000000000000000" pitchFamily="2" charset="2"/>
+              <a:buChar char="n"/>
+            </a:pPr>
+            <a:endParaRPr lang="he-IL" altLang="he-IL" sz="2900" baseline="0" dirty="0"/>
+          </a:p>
+          <a:p>
+            <a:pPr lvl="1" eaLnBrk="1" hangingPunct="1">
+              <a:lnSpc>
+                <a:spcPct val="90000"/>
+              </a:lnSpc>
+              <a:spcBef>
+                <a:spcPct val="20000"/>
+              </a:spcBef>
+              <a:buClr>
+                <a:schemeClr val="accent2"/>
+              </a:buClr>
+              <a:buSzPct val="60000"/>
+              <a:buFont typeface="Wingdings" panose="05000000000000000000" pitchFamily="2" charset="2"/>
+              <a:buChar char="q"/>
+            </a:pPr>
+            <a:endParaRPr lang="en-US" altLang="he-IL" sz="2200" baseline="0" dirty="0">
+              <a:latin typeface="Courier New" panose="02070309020205020404" pitchFamily="49" charset="0"/>
+              <a:cs typeface="Courier New" panose="02070309020205020404" pitchFamily="49" charset="0"/>
+            </a:endParaRPr>
+          </a:p>
+        </p:txBody>
+      </p:sp>
+      <p:pic>
+        <p:nvPicPr>
+          <p:cNvPr id="8" name="Picture 7" descr="A black table with white text&#10;&#10;Description automatically generated">
+            <a:extLst>
+              <a:ext uri="{FF2B5EF4-FFF2-40B4-BE49-F238E27FC236}">
+                <a16:creationId xmlns:a16="http://schemas.microsoft.com/office/drawing/2014/main" id="{CC89351B-9CB4-ED5F-7585-728E3F7F6A0C}"/>
+              </a:ext>
+            </a:extLst>
+          </p:cNvPr>
+          <p:cNvPicPr>
+            <a:picLocks noChangeAspect="1"/>
+          </p:cNvPicPr>
+          <p:nvPr/>
+        </p:nvPicPr>
+        <p:blipFill>
+          <a:blip r:embed="rId3">
+            <a:extLst>
+              <a:ext uri="{28A0092B-C50C-407E-A947-70E740481C1C}">
+                <a14:useLocalDpi xmlns:a14="http://schemas.microsoft.com/office/drawing/2010/main" val="0"/>
+              </a:ext>
+            </a:extLst>
+          </a:blip>
+          <a:stretch>
+            <a:fillRect/>
+          </a:stretch>
+        </p:blipFill>
+        <p:spPr>
+          <a:xfrm>
+            <a:off x="833887" y="2128879"/>
+            <a:ext cx="3186834" cy="3759557"/>
+          </a:xfrm>
+          <a:prstGeom prst="rect">
+            <a:avLst/>
+          </a:prstGeom>
+        </p:spPr>
+      </p:pic>
+      <p:sp>
+        <p:nvSpPr>
+          <p:cNvPr id="10" name="TextBox 9">
+            <a:extLst>
+              <a:ext uri="{FF2B5EF4-FFF2-40B4-BE49-F238E27FC236}">
+                <a16:creationId xmlns:a16="http://schemas.microsoft.com/office/drawing/2014/main" id="{963F2D58-10F5-2AA3-3051-92402AD4789E}"/>
+              </a:ext>
+            </a:extLst>
+          </p:cNvPr>
+          <p:cNvSpPr txBox="1"/>
+          <p:nvPr/>
+        </p:nvSpPr>
+        <p:spPr>
+          <a:xfrm>
+            <a:off x="705981" y="1422393"/>
+            <a:ext cx="3186834" cy="523220"/>
+          </a:xfrm>
+          <a:prstGeom prst="rect">
+            <a:avLst/>
+          </a:prstGeom>
+          <a:noFill/>
+        </p:spPr>
+        <p:txBody>
+          <a:bodyPr wrap="square">
             <a:spAutoFit/>
           </a:bodyPr>
           <a:lstStyle/>
           <a:p>
-            <a:pPr>
-              <a:lnSpc>
-                <a:spcPct val="107000"/>
-              </a:lnSpc>
-              <a:spcAft>
-                <a:spcPts val="800"/>
-              </a:spcAft>
-            </a:pPr>
-            <a:r>
-              <a:rPr lang="he-IL" sz="3200" b="1" u="sng" dirty="0">
-                <a:solidFill>
-                  <a:srgbClr val="C00000"/>
-                </a:solidFill>
-                <a:latin typeface="Calibri" panose="020F0502020204030204" pitchFamily="34" charset="0"/>
-                <a:ea typeface="Calibri" panose="020F0502020204030204" pitchFamily="34" charset="0"/>
-              </a:rPr>
-              <a:t>הכנסת  איבר (צומת) לעץ </a:t>
-            </a:r>
-            <a:r>
-              <a:rPr lang="en-US" sz="3200" b="1" u="sng" dirty="0">
-                <a:solidFill>
-                  <a:srgbClr val="C00000"/>
-                </a:solidFill>
-                <a:latin typeface="Calibri" panose="020F0502020204030204" pitchFamily="34" charset="0"/>
-                <a:ea typeface="Calibri" panose="020F0502020204030204" pitchFamily="34" charset="0"/>
-                <a:cs typeface="Arial" panose="020B0604020202020204" pitchFamily="34" charset="0"/>
-              </a:rPr>
-              <a:t>AVL</a:t>
-            </a:r>
-            <a:endParaRPr lang="en-US" sz="3200" dirty="0">
-              <a:solidFill>
-                <a:srgbClr val="C00000"/>
-              </a:solidFill>
-              <a:effectLst/>
-              <a:latin typeface="Calibri" panose="020F0502020204030204" pitchFamily="34" charset="0"/>
-              <a:ea typeface="Calibri" panose="020F0502020204030204" pitchFamily="34" charset="0"/>
-              <a:cs typeface="Arial" panose="020B0604020202020204" pitchFamily="34" charset="0"/>
-            </a:endParaRPr>
-          </a:p>
-        </p:txBody>
-      </p:sp>
-      <p:sp>
-        <p:nvSpPr>
-          <p:cNvPr id="30" name="TextBox 29"/>
+            <a:pPr algn="ctr" rtl="0"/>
+            <a:r>
+              <a:rPr lang="en-US" sz="1400" dirty="0"/>
+              <a:t> Best case time complexity of different data structures for different operations </a:t>
+            </a:r>
+          </a:p>
+        </p:txBody>
+      </p:sp>
+      <p:sp>
+        <p:nvSpPr>
+          <p:cNvPr id="14" name="TextBox 13">
+            <a:extLst>
+              <a:ext uri="{FF2B5EF4-FFF2-40B4-BE49-F238E27FC236}">
+                <a16:creationId xmlns:a16="http://schemas.microsoft.com/office/drawing/2014/main" id="{EECE16AB-2930-EB37-0A0E-432CF538148F}"/>
+              </a:ext>
+            </a:extLst>
+          </p:cNvPr>
           <p:cNvSpPr txBox="1"/>
           <p:nvPr/>
         </p:nvSpPr>
         <p:spPr>
           <a:xfrm>
-            <a:off x="2197100" y="1604168"/>
-            <a:ext cx="8763000" cy="1538883"/>
+            <a:off x="4587055" y="1439084"/>
+            <a:ext cx="3186834" cy="523220"/>
           </a:xfrm>
           <a:prstGeom prst="rect">
             <a:avLst/>
@@ -23853,82 +22479,71 @@
           <a:noFill/>
         </p:spPr>
         <p:txBody>
-          <a:bodyPr wrap="square" rtlCol="1">
+          <a:bodyPr wrap="square">
             <a:spAutoFit/>
           </a:bodyPr>
           <a:lstStyle/>
           <a:p>
-            <a:pPr>
-              <a:spcAft>
-                <a:spcPts val="600"/>
-              </a:spcAft>
-            </a:pPr>
-            <a:r>
-              <a:rPr lang="he-IL" sz="2800" dirty="0"/>
-              <a:t>כשאנו רוצים להוסיף איבר לעץ </a:t>
-            </a:r>
-            <a:r>
-              <a:rPr lang="en-US" sz="2800" dirty="0"/>
-              <a:t>AVL</a:t>
-            </a:r>
-            <a:r>
-              <a:rPr lang="he-IL" sz="2800" dirty="0"/>
-              <a:t>, אנחנו עושים שתי פעולות:</a:t>
-            </a:r>
-            <a:endParaRPr lang="en-US" sz="2800" dirty="0"/>
-          </a:p>
-          <a:p>
-            <a:pPr marL="742950" lvl="0" indent="-457200">
-              <a:spcAft>
-                <a:spcPts val="600"/>
-              </a:spcAft>
-              <a:buFont typeface="+mj-lt"/>
-              <a:buAutoNum type="arabicPeriod"/>
-            </a:pPr>
-            <a:r>
-              <a:rPr lang="he-IL" sz="2800" dirty="0"/>
-              <a:t>מכניסים צומת חדש </a:t>
-            </a:r>
-            <a:r>
-              <a:rPr lang="he-IL" sz="2800" dirty="0" smtClean="0"/>
-              <a:t>לעץ</a:t>
-            </a:r>
-            <a:r>
-              <a:rPr lang="he-IL" sz="2800" dirty="0"/>
-              <a:t>.</a:t>
-            </a:r>
-            <a:endParaRPr lang="en-US" sz="2800" dirty="0"/>
-          </a:p>
-          <a:p>
-            <a:pPr marL="742950" lvl="0" indent="-457200">
-              <a:spcAft>
-                <a:spcPts val="600"/>
-              </a:spcAft>
-              <a:buFont typeface="+mj-lt"/>
-              <a:buAutoNum type="arabicPeriod"/>
-            </a:pPr>
-            <a:r>
-              <a:rPr lang="he-IL" sz="2800" dirty="0"/>
-              <a:t>עושים איזון עץ מחדש (גלגול</a:t>
-            </a:r>
-            <a:r>
-              <a:rPr lang="he-IL" sz="2800" dirty="0" smtClean="0"/>
-              <a:t>).</a:t>
-            </a:r>
-            <a:endParaRPr lang="en-US" sz="2800" dirty="0"/>
-          </a:p>
-        </p:txBody>
-      </p:sp>
-      <p:sp>
-        <p:nvSpPr>
-          <p:cNvPr id="31" name="TextBox 30"/>
+            <a:pPr algn="l" rtl="0"/>
+            <a:r>
+              <a:rPr lang="en-US" sz="1400" dirty="0"/>
+              <a:t>Worst Case time complexity of different data structures for different operations</a:t>
+            </a:r>
+          </a:p>
+        </p:txBody>
+      </p:sp>
+      <p:pic>
+        <p:nvPicPr>
+          <p:cNvPr id="16" name="Picture 15" descr="A black and white grid with white text&#10;&#10;Description automatically generated">
+            <a:extLst>
+              <a:ext uri="{FF2B5EF4-FFF2-40B4-BE49-F238E27FC236}">
+                <a16:creationId xmlns:a16="http://schemas.microsoft.com/office/drawing/2014/main" id="{9067D54D-E3DE-5C06-8DD4-43DB963FE85E}"/>
+              </a:ext>
+            </a:extLst>
+          </p:cNvPr>
+          <p:cNvPicPr>
+            <a:picLocks noChangeAspect="1"/>
+          </p:cNvPicPr>
+          <p:nvPr/>
+        </p:nvPicPr>
+        <p:blipFill>
+          <a:blip r:embed="rId4">
+            <a:extLst>
+              <a:ext uri="{28A0092B-C50C-407E-A947-70E740481C1C}">
+                <a14:useLocalDpi xmlns:a14="http://schemas.microsoft.com/office/drawing/2010/main" val="0"/>
+              </a:ext>
+            </a:extLst>
+          </a:blip>
+          <a:stretch>
+            <a:fillRect/>
+          </a:stretch>
+        </p:blipFill>
+        <p:spPr>
+          <a:xfrm>
+            <a:off x="4560962" y="2138532"/>
+            <a:ext cx="3204299" cy="3759557"/>
+          </a:xfrm>
+          <a:prstGeom prst="rect">
+            <a:avLst/>
+          </a:prstGeom>
+        </p:spPr>
+      </p:pic>
+      <p:sp>
+        <p:nvSpPr>
+          <p:cNvPr id="18" name="TextBox 17">
+            <a:extLst>
+              <a:ext uri="{FF2B5EF4-FFF2-40B4-BE49-F238E27FC236}">
+                <a16:creationId xmlns:a16="http://schemas.microsoft.com/office/drawing/2014/main" id="{D11913FD-FEF4-CA38-C0B9-555DBBA1DA76}"/>
+              </a:ext>
+            </a:extLst>
+          </p:cNvPr>
           <p:cNvSpPr txBox="1"/>
           <p:nvPr/>
         </p:nvSpPr>
         <p:spPr>
           <a:xfrm>
-            <a:off x="2197100" y="4129235"/>
-            <a:ext cx="3556000" cy="584775"/>
+            <a:off x="8194730" y="1439084"/>
+            <a:ext cx="3204299" cy="523220"/>
           </a:xfrm>
           <a:prstGeom prst="rect">
             <a:avLst/>
@@ -23936,107 +22551,65 @@
           <a:noFill/>
         </p:spPr>
         <p:txBody>
-          <a:bodyPr wrap="square" rtlCol="1">
+          <a:bodyPr wrap="square">
             <a:spAutoFit/>
           </a:bodyPr>
           <a:lstStyle/>
           <a:p>
-            <a:r>
-              <a:rPr lang="he-IL" sz="3200" b="1" u="sng" dirty="0">
-                <a:solidFill>
-                  <a:srgbClr val="C00000"/>
-                </a:solidFill>
-              </a:rPr>
-              <a:t>מחיקת </a:t>
-            </a:r>
-            <a:r>
-              <a:rPr lang="he-IL" sz="3200" b="1" u="sng" dirty="0" smtClean="0">
-                <a:solidFill>
-                  <a:srgbClr val="C00000"/>
-                </a:solidFill>
-              </a:rPr>
-              <a:t>צמתים</a:t>
-            </a:r>
-            <a:endParaRPr lang="en-US" sz="3200" dirty="0">
-              <a:solidFill>
-                <a:srgbClr val="C00000"/>
-              </a:solidFill>
-            </a:endParaRPr>
-          </a:p>
-        </p:txBody>
-      </p:sp>
-      <p:sp>
-        <p:nvSpPr>
-          <p:cNvPr id="32" name="TextBox 31"/>
-          <p:cNvSpPr txBox="1"/>
-          <p:nvPr/>
-        </p:nvSpPr>
-        <p:spPr>
-          <a:xfrm>
-            <a:off x="692150" y="4855412"/>
-            <a:ext cx="6565900" cy="1031051"/>
-          </a:xfrm>
-          <a:prstGeom prst="rect">
-            <a:avLst/>
-          </a:prstGeom>
-          <a:noFill/>
-        </p:spPr>
-        <p:txBody>
-          <a:bodyPr wrap="square" rtlCol="1">
-            <a:spAutoFit/>
-          </a:bodyPr>
-          <a:lstStyle/>
-          <a:p>
-            <a:pPr marL="342900" lvl="0" indent="-342900">
-              <a:spcAft>
-                <a:spcPts val="600"/>
-              </a:spcAft>
-              <a:buFont typeface="+mj-lt"/>
-              <a:buAutoNum type="arabicPeriod"/>
-            </a:pPr>
-            <a:r>
-              <a:rPr lang="he-IL" sz="2800" dirty="0"/>
-              <a:t>מחיקה מתבצעת כמו בעץ חיפוש בינארי.</a:t>
-            </a:r>
-            <a:endParaRPr lang="en-US" sz="2800" dirty="0"/>
-          </a:p>
-          <a:p>
-            <a:pPr marL="342900" lvl="0" indent="-342900">
-              <a:spcAft>
-                <a:spcPts val="600"/>
-              </a:spcAft>
-              <a:buFont typeface="+mj-lt"/>
-              <a:buAutoNum type="arabicPeriod"/>
-            </a:pPr>
-            <a:r>
-              <a:rPr lang="he-IL" sz="2800" dirty="0"/>
-              <a:t>גלגולים איזון (יתכן נדרשים כמה גלגולים</a:t>
-            </a:r>
-            <a:r>
-              <a:rPr lang="he-IL" sz="2800" dirty="0" smtClean="0"/>
-              <a:t>).</a:t>
-            </a:r>
-            <a:endParaRPr lang="en-US" sz="2800" dirty="0"/>
-          </a:p>
-        </p:txBody>
-      </p:sp>
+            <a:pPr algn="ctr"/>
+            <a:r>
+              <a:rPr lang="en-US" sz="1400" dirty="0"/>
+              <a:t>The average time complexity of different data structures for different operations</a:t>
+            </a:r>
+          </a:p>
+        </p:txBody>
+      </p:sp>
+      <p:pic>
+        <p:nvPicPr>
+          <p:cNvPr id="20" name="Picture 19" descr="A black and white table with white text&#10;&#10;Description automatically generated">
+            <a:extLst>
+              <a:ext uri="{FF2B5EF4-FFF2-40B4-BE49-F238E27FC236}">
+                <a16:creationId xmlns:a16="http://schemas.microsoft.com/office/drawing/2014/main" id="{A372FDDC-95FA-B518-6D34-DDA5210565F4}"/>
+              </a:ext>
+            </a:extLst>
+          </p:cNvPr>
+          <p:cNvPicPr>
+            <a:picLocks noChangeAspect="1"/>
+          </p:cNvPicPr>
+          <p:nvPr/>
+        </p:nvPicPr>
+        <p:blipFill>
+          <a:blip r:embed="rId5">
+            <a:extLst>
+              <a:ext uri="{28A0092B-C50C-407E-A947-70E740481C1C}">
+                <a14:useLocalDpi xmlns:a14="http://schemas.microsoft.com/office/drawing/2010/main" val="0"/>
+              </a:ext>
+            </a:extLst>
+          </a:blip>
+          <a:stretch>
+            <a:fillRect/>
+          </a:stretch>
+        </p:blipFill>
+        <p:spPr>
+          <a:xfrm>
+            <a:off x="8252435" y="2118072"/>
+            <a:ext cx="3146594" cy="3739097"/>
+          </a:xfrm>
+          <a:prstGeom prst="rect">
+            <a:avLst/>
+          </a:prstGeom>
+        </p:spPr>
+      </p:pic>
     </p:spTree>
     <p:extLst>
       <p:ext uri="{BB962C8B-B14F-4D97-AF65-F5344CB8AC3E}">
-        <p14:creationId xmlns:p14="http://schemas.microsoft.com/office/powerpoint/2010/main" val="1605864194"/>
+        <p14:creationId xmlns:p14="http://schemas.microsoft.com/office/powerpoint/2010/main" val="3952466834"/>
       </p:ext>
     </p:extLst>
   </p:cSld>
   <p:clrMapOvr>
     <a:masterClrMapping/>
   </p:clrMapOvr>
-  <p:timing>
-    <p:tnLst>
-      <p:par>
-        <p:cTn id="1" dur="indefinite" restart="never" nodeType="tmRoot"/>
-      </p:par>
-    </p:tnLst>
-  </p:timing>
 </p:sld>
 </file>
 

--- a/t-07-avl-tree/תרגול 7.pptx
+++ b/t-07-avl-tree/תרגול 7.pptx
@@ -5,7 +5,7 @@
     <p:sldMasterId id="2147483648" r:id="rId1"/>
   </p:sldMasterIdLst>
   <p:notesMasterIdLst>
-    <p:notesMasterId r:id="rId24"/>
+    <p:notesMasterId r:id="rId22"/>
   </p:notesMasterIdLst>
   <p:sldIdLst>
     <p:sldId id="257" r:id="rId2"/>
@@ -27,9 +27,7 @@
     <p:sldId id="282" r:id="rId18"/>
     <p:sldId id="301" r:id="rId19"/>
     <p:sldId id="302" r:id="rId20"/>
-    <p:sldId id="303" r:id="rId21"/>
-    <p:sldId id="304" r:id="rId22"/>
-    <p:sldId id="259" r:id="rId23"/>
+    <p:sldId id="259" r:id="rId21"/>
   </p:sldIdLst>
   <p:sldSz cx="12192000" cy="6858000"/>
   <p:notesSz cx="6858000" cy="9144000"/>
@@ -218,7 +216,7 @@
           <a:p>
             <a:fld id="{C267593B-B963-47D8-A2A4-BA759CBCEAC5}" type="datetimeFigureOut">
               <a:rPr lang="en-US" smtClean="0"/>
-              <a:t>3/2/24</a:t>
+              <a:t>3/4/24</a:t>
             </a:fld>
             <a:endParaRPr lang="en-US"/>
           </a:p>
@@ -1244,176 +1242,6 @@
 </p:notes>
 </file>
 
-<file path=ppt/notesSlides/notesSlide18.xml><?xml version="1.0" encoding="utf-8"?>
-<p:notes xmlns:a="http://schemas.openxmlformats.org/drawingml/2006/main" xmlns:r="http://schemas.openxmlformats.org/officeDocument/2006/relationships" xmlns:p="http://schemas.openxmlformats.org/presentationml/2006/main">
-  <p:cSld>
-    <p:spTree>
-      <p:nvGrpSpPr>
-        <p:cNvPr id="1" name=""/>
-        <p:cNvGrpSpPr/>
-        <p:nvPr/>
-      </p:nvGrpSpPr>
-      <p:grpSpPr>
-        <a:xfrm>
-          <a:off x="0" y="0"/>
-          <a:ext cx="0" cy="0"/>
-          <a:chOff x="0" y="0"/>
-          <a:chExt cx="0" cy="0"/>
-        </a:xfrm>
-      </p:grpSpPr>
-      <p:sp>
-        <p:nvSpPr>
-          <p:cNvPr id="2" name="Slide Image Placeholder 1"/>
-          <p:cNvSpPr>
-            <a:spLocks noGrp="1" noRot="1" noChangeAspect="1"/>
-          </p:cNvSpPr>
-          <p:nvPr>
-            <p:ph type="sldImg"/>
-          </p:nvPr>
-        </p:nvSpPr>
-        <p:spPr/>
-      </p:sp>
-      <p:sp>
-        <p:nvSpPr>
-          <p:cNvPr id="3" name="Notes Placeholder 2"/>
-          <p:cNvSpPr>
-            <a:spLocks noGrp="1"/>
-          </p:cNvSpPr>
-          <p:nvPr>
-            <p:ph type="body" idx="1"/>
-          </p:nvPr>
-        </p:nvSpPr>
-        <p:spPr/>
-        <p:txBody>
-          <a:bodyPr/>
-          <a:lstStyle/>
-          <a:p>
-            <a:pPr marL="0" algn="r" defTabSz="914400" rtl="1" eaLnBrk="1" latinLnBrk="0" hangingPunct="1"/>
-            <a:endParaRPr lang="en-US" dirty="0"/>
-          </a:p>
-        </p:txBody>
-      </p:sp>
-      <p:sp>
-        <p:nvSpPr>
-          <p:cNvPr id="4" name="Slide Number Placeholder 3"/>
-          <p:cNvSpPr>
-            <a:spLocks noGrp="1"/>
-          </p:cNvSpPr>
-          <p:nvPr>
-            <p:ph type="sldNum" sz="quarter" idx="5"/>
-          </p:nvPr>
-        </p:nvSpPr>
-        <p:spPr/>
-        <p:txBody>
-          <a:bodyPr/>
-          <a:lstStyle/>
-          <a:p>
-            <a:fld id="{72391380-8262-4EC7-BAB8-26F58A320275}" type="slidenum">
-              <a:rPr lang="en-US" smtClean="0"/>
-              <a:t>20</a:t>
-            </a:fld>
-            <a:endParaRPr lang="en-US"/>
-          </a:p>
-        </p:txBody>
-      </p:sp>
-    </p:spTree>
-    <p:extLst>
-      <p:ext uri="{BB962C8B-B14F-4D97-AF65-F5344CB8AC3E}">
-        <p14:creationId xmlns:p14="http://schemas.microsoft.com/office/powerpoint/2010/main" val="189497205"/>
-      </p:ext>
-    </p:extLst>
-  </p:cSld>
-  <p:clrMapOvr>
-    <a:masterClrMapping/>
-  </p:clrMapOvr>
-</p:notes>
-</file>
-
-<file path=ppt/notesSlides/notesSlide19.xml><?xml version="1.0" encoding="utf-8"?>
-<p:notes xmlns:a="http://schemas.openxmlformats.org/drawingml/2006/main" xmlns:r="http://schemas.openxmlformats.org/officeDocument/2006/relationships" xmlns:p="http://schemas.openxmlformats.org/presentationml/2006/main">
-  <p:cSld>
-    <p:spTree>
-      <p:nvGrpSpPr>
-        <p:cNvPr id="1" name=""/>
-        <p:cNvGrpSpPr/>
-        <p:nvPr/>
-      </p:nvGrpSpPr>
-      <p:grpSpPr>
-        <a:xfrm>
-          <a:off x="0" y="0"/>
-          <a:ext cx="0" cy="0"/>
-          <a:chOff x="0" y="0"/>
-          <a:chExt cx="0" cy="0"/>
-        </a:xfrm>
-      </p:grpSpPr>
-      <p:sp>
-        <p:nvSpPr>
-          <p:cNvPr id="2" name="Slide Image Placeholder 1"/>
-          <p:cNvSpPr>
-            <a:spLocks noGrp="1" noRot="1" noChangeAspect="1"/>
-          </p:cNvSpPr>
-          <p:nvPr>
-            <p:ph type="sldImg"/>
-          </p:nvPr>
-        </p:nvSpPr>
-        <p:spPr/>
-      </p:sp>
-      <p:sp>
-        <p:nvSpPr>
-          <p:cNvPr id="3" name="Notes Placeholder 2"/>
-          <p:cNvSpPr>
-            <a:spLocks noGrp="1"/>
-          </p:cNvSpPr>
-          <p:nvPr>
-            <p:ph type="body" idx="1"/>
-          </p:nvPr>
-        </p:nvSpPr>
-        <p:spPr/>
-        <p:txBody>
-          <a:bodyPr/>
-          <a:lstStyle/>
-          <a:p>
-            <a:pPr marL="0" algn="r" defTabSz="914400" rtl="1" eaLnBrk="1" latinLnBrk="0" hangingPunct="1"/>
-            <a:endParaRPr lang="en-US" dirty="0"/>
-          </a:p>
-        </p:txBody>
-      </p:sp>
-      <p:sp>
-        <p:nvSpPr>
-          <p:cNvPr id="4" name="Slide Number Placeholder 3"/>
-          <p:cNvSpPr>
-            <a:spLocks noGrp="1"/>
-          </p:cNvSpPr>
-          <p:nvPr>
-            <p:ph type="sldNum" sz="quarter" idx="5"/>
-          </p:nvPr>
-        </p:nvSpPr>
-        <p:spPr/>
-        <p:txBody>
-          <a:bodyPr/>
-          <a:lstStyle/>
-          <a:p>
-            <a:fld id="{72391380-8262-4EC7-BAB8-26F58A320275}" type="slidenum">
-              <a:rPr lang="en-US" smtClean="0"/>
-              <a:t>21</a:t>
-            </a:fld>
-            <a:endParaRPr lang="en-US"/>
-          </a:p>
-        </p:txBody>
-      </p:sp>
-    </p:spTree>
-    <p:extLst>
-      <p:ext uri="{BB962C8B-B14F-4D97-AF65-F5344CB8AC3E}">
-        <p14:creationId xmlns:p14="http://schemas.microsoft.com/office/powerpoint/2010/main" val="1133212925"/>
-      </p:ext>
-    </p:extLst>
-  </p:cSld>
-  <p:clrMapOvr>
-    <a:masterClrMapping/>
-  </p:clrMapOvr>
-</p:notes>
-</file>
-
 <file path=ppt/notesSlides/notesSlide2.xml><?xml version="1.0" encoding="utf-8"?>
 <p:notes xmlns:a="http://schemas.openxmlformats.org/drawingml/2006/main" xmlns:r="http://schemas.openxmlformats.org/officeDocument/2006/relationships" xmlns:p="http://schemas.openxmlformats.org/presentationml/2006/main">
   <p:cSld>
@@ -2233,7 +2061,7 @@
           <a:p>
             <a:fld id="{9FBD9C55-7868-4FF1-8666-2EC1F88A96B2}" type="datetimeFigureOut">
               <a:rPr lang="he-IL" smtClean="0"/>
-              <a:t>כ"ב.אדר א.תשפ"ד</a:t>
+              <a:t>כ"ד.אדר א.תשפ"ד</a:t>
             </a:fld>
             <a:endParaRPr lang="he-IL"/>
           </a:p>
@@ -2431,7 +2259,7 @@
           <a:p>
             <a:fld id="{9FBD9C55-7868-4FF1-8666-2EC1F88A96B2}" type="datetimeFigureOut">
               <a:rPr lang="he-IL" smtClean="0"/>
-              <a:t>כ"ב.אדר א.תשפ"ד</a:t>
+              <a:t>כ"ד.אדר א.תשפ"ד</a:t>
             </a:fld>
             <a:endParaRPr lang="he-IL"/>
           </a:p>
@@ -2639,7 +2467,7 @@
           <a:p>
             <a:fld id="{9FBD9C55-7868-4FF1-8666-2EC1F88A96B2}" type="datetimeFigureOut">
               <a:rPr lang="he-IL" smtClean="0"/>
-              <a:t>כ"ב.אדר א.תשפ"ד</a:t>
+              <a:t>כ"ד.אדר א.תשפ"ד</a:t>
             </a:fld>
             <a:endParaRPr lang="he-IL"/>
           </a:p>
@@ -2837,7 +2665,7 @@
           <a:p>
             <a:fld id="{9FBD9C55-7868-4FF1-8666-2EC1F88A96B2}" type="datetimeFigureOut">
               <a:rPr lang="he-IL" smtClean="0"/>
-              <a:t>כ"ב.אדר א.תשפ"ד</a:t>
+              <a:t>כ"ד.אדר א.תשפ"ד</a:t>
             </a:fld>
             <a:endParaRPr lang="he-IL"/>
           </a:p>
@@ -3112,7 +2940,7 @@
           <a:p>
             <a:fld id="{9FBD9C55-7868-4FF1-8666-2EC1F88A96B2}" type="datetimeFigureOut">
               <a:rPr lang="he-IL" smtClean="0"/>
-              <a:t>כ"ב.אדר א.תשפ"ד</a:t>
+              <a:t>כ"ד.אדר א.תשפ"ד</a:t>
             </a:fld>
             <a:endParaRPr lang="he-IL"/>
           </a:p>
@@ -3377,7 +3205,7 @@
           <a:p>
             <a:fld id="{9FBD9C55-7868-4FF1-8666-2EC1F88A96B2}" type="datetimeFigureOut">
               <a:rPr lang="he-IL" smtClean="0"/>
-              <a:t>כ"ב.אדר א.תשפ"ד</a:t>
+              <a:t>כ"ד.אדר א.תשפ"ד</a:t>
             </a:fld>
             <a:endParaRPr lang="he-IL"/>
           </a:p>
@@ -3789,7 +3617,7 @@
           <a:p>
             <a:fld id="{9FBD9C55-7868-4FF1-8666-2EC1F88A96B2}" type="datetimeFigureOut">
               <a:rPr lang="he-IL" smtClean="0"/>
-              <a:t>כ"ב.אדר א.תשפ"ד</a:t>
+              <a:t>כ"ד.אדר א.תשפ"ד</a:t>
             </a:fld>
             <a:endParaRPr lang="he-IL"/>
           </a:p>
@@ -3930,7 +3758,7 @@
           <a:p>
             <a:fld id="{9FBD9C55-7868-4FF1-8666-2EC1F88A96B2}" type="datetimeFigureOut">
               <a:rPr lang="he-IL" smtClean="0"/>
-              <a:t>כ"ב.אדר א.תשפ"ד</a:t>
+              <a:t>כ"ד.אדר א.תשפ"ד</a:t>
             </a:fld>
             <a:endParaRPr lang="he-IL"/>
           </a:p>
@@ -4043,7 +3871,7 @@
           <a:p>
             <a:fld id="{9FBD9C55-7868-4FF1-8666-2EC1F88A96B2}" type="datetimeFigureOut">
               <a:rPr lang="he-IL" smtClean="0"/>
-              <a:t>כ"ב.אדר א.תשפ"ד</a:t>
+              <a:t>כ"ד.אדר א.תשפ"ד</a:t>
             </a:fld>
             <a:endParaRPr lang="he-IL"/>
           </a:p>
@@ -4354,7 +4182,7 @@
           <a:p>
             <a:fld id="{9FBD9C55-7868-4FF1-8666-2EC1F88A96B2}" type="datetimeFigureOut">
               <a:rPr lang="he-IL" smtClean="0"/>
-              <a:t>כ"ב.אדר א.תשפ"ד</a:t>
+              <a:t>כ"ד.אדר א.תשפ"ד</a:t>
             </a:fld>
             <a:endParaRPr lang="he-IL"/>
           </a:p>
@@ -4642,7 +4470,7 @@
           <a:p>
             <a:fld id="{9FBD9C55-7868-4FF1-8666-2EC1F88A96B2}" type="datetimeFigureOut">
               <a:rPr lang="he-IL" smtClean="0"/>
-              <a:t>כ"ב.אדר א.תשפ"ד</a:t>
+              <a:t>כ"ד.אדר א.תשפ"ד</a:t>
             </a:fld>
             <a:endParaRPr lang="he-IL"/>
           </a:p>
@@ -4883,7 +4711,7 @@
           <a:p>
             <a:fld id="{9FBD9C55-7868-4FF1-8666-2EC1F88A96B2}" type="datetimeFigureOut">
               <a:rPr lang="he-IL" smtClean="0"/>
-              <a:t>כ"ב.אדר א.תשפ"ד</a:t>
+              <a:t>כ"ד.אדר א.תשפ"ד</a:t>
             </a:fld>
             <a:endParaRPr lang="he-IL"/>
           </a:p>
@@ -15354,466 +15182,6 @@
     <p:bg>
       <p:bgPr>
         <a:blipFill dpi="0" rotWithShape="1">
-          <a:blip r:embed="rId3">
-            <a:lum/>
-          </a:blip>
-          <a:srcRect/>
-          <a:stretch>
-            <a:fillRect/>
-          </a:stretch>
-        </a:blipFill>
-        <a:effectLst/>
-      </p:bgPr>
-    </p:bg>
-    <p:spTree>
-      <p:nvGrpSpPr>
-        <p:cNvPr id="1" name=""/>
-        <p:cNvGrpSpPr/>
-        <p:nvPr/>
-      </p:nvGrpSpPr>
-      <p:grpSpPr>
-        <a:xfrm>
-          <a:off x="0" y="0"/>
-          <a:ext cx="0" cy="0"/>
-          <a:chOff x="0" y="0"/>
-          <a:chExt cx="0" cy="0"/>
-        </a:xfrm>
-      </p:grpSpPr>
-      <p:sp>
-        <p:nvSpPr>
-          <p:cNvPr id="10" name="TextBox 9"/>
-          <p:cNvSpPr txBox="1"/>
-          <p:nvPr/>
-        </p:nvSpPr>
-        <p:spPr>
-          <a:xfrm>
-            <a:off x="1803126" y="522147"/>
-            <a:ext cx="8988703" cy="769441"/>
-          </a:xfrm>
-          <a:prstGeom prst="rect">
-            <a:avLst/>
-          </a:prstGeom>
-          <a:noFill/>
-        </p:spPr>
-        <p:txBody>
-          <a:bodyPr wrap="square" rtlCol="1">
-            <a:spAutoFit/>
-          </a:bodyPr>
-          <a:lstStyle/>
-          <a:p>
-            <a:pPr fontAlgn="base">
-              <a:spcBef>
-                <a:spcPct val="0"/>
-              </a:spcBef>
-              <a:spcAft>
-                <a:spcPct val="0"/>
-              </a:spcAft>
-              <a:defRPr/>
-            </a:pPr>
-            <a:r>
-              <a:rPr lang="he-IL" sz="4200" b="1" kern="0" dirty="0">
-                <a:solidFill>
-                  <a:srgbClr val="006633"/>
-                </a:solidFill>
-                <a:latin typeface="Garamond"/>
-                <a:ea typeface="+mj-ea"/>
-                <a:cs typeface="Arial"/>
-              </a:rPr>
-              <a:t>שאלה 7 - </a:t>
-            </a:r>
-            <a:r>
-              <a:rPr lang="en-US" sz="4200" b="1" kern="0" dirty="0">
-                <a:solidFill>
-                  <a:srgbClr val="006633"/>
-                </a:solidFill>
-                <a:latin typeface="Garamond"/>
-                <a:ea typeface="+mj-ea"/>
-                <a:cs typeface="Arial"/>
-              </a:rPr>
-              <a:t>Interview</a:t>
-            </a:r>
-            <a:r>
-              <a:rPr lang="en-US" sz="4400" b="0" i="0" dirty="0">
-                <a:solidFill>
-                  <a:srgbClr val="1A202C"/>
-                </a:solidFill>
-                <a:effectLst/>
-                <a:latin typeface="Avenir Demi" panose="02000503020000020003" pitchFamily="2" charset="0"/>
-              </a:rPr>
-              <a:t> </a:t>
-            </a:r>
-            <a:r>
-              <a:rPr lang="en-US" sz="4200" b="1" kern="0" dirty="0">
-                <a:solidFill>
-                  <a:srgbClr val="006633"/>
-                </a:solidFill>
-                <a:latin typeface="Garamond"/>
-                <a:ea typeface="+mj-ea"/>
-                <a:cs typeface="Arial"/>
-              </a:rPr>
-              <a:t>Questions</a:t>
-            </a:r>
-          </a:p>
-        </p:txBody>
-      </p:sp>
-      <p:sp>
-        <p:nvSpPr>
-          <p:cNvPr id="5" name="TextBox 4">
-            <a:extLst>
-              <a:ext uri="{FF2B5EF4-FFF2-40B4-BE49-F238E27FC236}">
-                <a16:creationId xmlns:a16="http://schemas.microsoft.com/office/drawing/2014/main" id="{B8B00C37-FE97-C308-25F1-9B7A697B3E79}"/>
-              </a:ext>
-            </a:extLst>
-          </p:cNvPr>
-          <p:cNvSpPr txBox="1"/>
-          <p:nvPr/>
-        </p:nvSpPr>
-        <p:spPr>
-          <a:xfrm>
-            <a:off x="842231" y="1793337"/>
-            <a:ext cx="10507537" cy="830997"/>
-          </a:xfrm>
-          <a:prstGeom prst="rect">
-            <a:avLst/>
-          </a:prstGeom>
-          <a:noFill/>
-        </p:spPr>
-        <p:txBody>
-          <a:bodyPr wrap="square">
-            <a:spAutoFit/>
-          </a:bodyPr>
-          <a:lstStyle/>
-          <a:p>
-            <a:pPr algn="l"/>
-            <a:r>
-              <a:rPr lang="en-US" sz="2400" b="0" i="0" dirty="0">
-                <a:solidFill>
-                  <a:srgbClr val="1A202C"/>
-                </a:solidFill>
-                <a:effectLst/>
-                <a:latin typeface="Avenir Demi" panose="02000503020000020003" pitchFamily="2" charset="0"/>
-              </a:rPr>
-              <a:t>Describe how AVL Trees are modified to support operations like finding the minimum, maximum or k-</a:t>
-            </a:r>
-            <a:r>
-              <a:rPr lang="en-US" sz="2400" b="0" i="0" dirty="0" err="1">
-                <a:solidFill>
-                  <a:srgbClr val="1A202C"/>
-                </a:solidFill>
-                <a:effectLst/>
-                <a:latin typeface="Avenir Demi" panose="02000503020000020003" pitchFamily="2" charset="0"/>
-              </a:rPr>
-              <a:t>th</a:t>
-            </a:r>
-            <a:r>
-              <a:rPr lang="en-US" sz="2400" b="0" i="0" dirty="0">
-                <a:solidFill>
-                  <a:srgbClr val="1A202C"/>
-                </a:solidFill>
-                <a:effectLst/>
-                <a:latin typeface="Avenir Demi" panose="02000503020000020003" pitchFamily="2" charset="0"/>
-              </a:rPr>
-              <a:t> smallest element efficiently.</a:t>
-            </a:r>
-          </a:p>
-        </p:txBody>
-      </p:sp>
-    </p:spTree>
-    <p:extLst>
-      <p:ext uri="{BB962C8B-B14F-4D97-AF65-F5344CB8AC3E}">
-        <p14:creationId xmlns:p14="http://schemas.microsoft.com/office/powerpoint/2010/main" val="2970910964"/>
-      </p:ext>
-    </p:extLst>
-  </p:cSld>
-  <p:clrMapOvr>
-    <a:masterClrMapping/>
-  </p:clrMapOvr>
-</p:sld>
-</file>
-
-<file path=ppt/slides/slide21.xml><?xml version="1.0" encoding="utf-8"?>
-<p:sld xmlns:a="http://schemas.openxmlformats.org/drawingml/2006/main" xmlns:r="http://schemas.openxmlformats.org/officeDocument/2006/relationships" xmlns:p="http://schemas.openxmlformats.org/presentationml/2006/main">
-  <p:cSld>
-    <p:bg>
-      <p:bgPr>
-        <a:blipFill dpi="0" rotWithShape="1">
-          <a:blip r:embed="rId3">
-            <a:lum/>
-          </a:blip>
-          <a:srcRect/>
-          <a:stretch>
-            <a:fillRect/>
-          </a:stretch>
-        </a:blipFill>
-        <a:effectLst/>
-      </p:bgPr>
-    </p:bg>
-    <p:spTree>
-      <p:nvGrpSpPr>
-        <p:cNvPr id="1" name=""/>
-        <p:cNvGrpSpPr/>
-        <p:nvPr/>
-      </p:nvGrpSpPr>
-      <p:grpSpPr>
-        <a:xfrm>
-          <a:off x="0" y="0"/>
-          <a:ext cx="0" cy="0"/>
-          <a:chOff x="0" y="0"/>
-          <a:chExt cx="0" cy="0"/>
-        </a:xfrm>
-      </p:grpSpPr>
-      <p:sp>
-        <p:nvSpPr>
-          <p:cNvPr id="10" name="TextBox 9"/>
-          <p:cNvSpPr txBox="1"/>
-          <p:nvPr/>
-        </p:nvSpPr>
-        <p:spPr>
-          <a:xfrm>
-            <a:off x="7004679" y="362749"/>
-            <a:ext cx="4169285" cy="738664"/>
-          </a:xfrm>
-          <a:prstGeom prst="rect">
-            <a:avLst/>
-          </a:prstGeom>
-          <a:noFill/>
-        </p:spPr>
-        <p:txBody>
-          <a:bodyPr wrap="square" rtlCol="1">
-            <a:spAutoFit/>
-          </a:bodyPr>
-          <a:lstStyle/>
-          <a:p>
-            <a:pPr fontAlgn="base">
-              <a:spcBef>
-                <a:spcPct val="0"/>
-              </a:spcBef>
-              <a:spcAft>
-                <a:spcPct val="0"/>
-              </a:spcAft>
-              <a:defRPr/>
-            </a:pPr>
-            <a:r>
-              <a:rPr lang="he-IL" sz="4200" b="1" kern="0" dirty="0">
-                <a:solidFill>
-                  <a:srgbClr val="006633"/>
-                </a:solidFill>
-                <a:latin typeface="Garamond"/>
-                <a:ea typeface="+mj-ea"/>
-                <a:cs typeface="Arial"/>
-              </a:rPr>
-              <a:t>שאלה </a:t>
-            </a:r>
-            <a:r>
-              <a:rPr lang="en-US" sz="4200" b="1" kern="0" dirty="0">
-                <a:solidFill>
-                  <a:srgbClr val="006633"/>
-                </a:solidFill>
-                <a:latin typeface="Garamond"/>
-                <a:ea typeface="+mj-ea"/>
-                <a:cs typeface="Arial"/>
-              </a:rPr>
-              <a:t>7</a:t>
-            </a:r>
-            <a:r>
-              <a:rPr lang="he-IL" sz="4200" b="1" kern="0" dirty="0">
-                <a:solidFill>
-                  <a:srgbClr val="006633"/>
-                </a:solidFill>
-                <a:latin typeface="Garamond"/>
-                <a:ea typeface="+mj-ea"/>
-                <a:cs typeface="Arial"/>
-              </a:rPr>
-              <a:t> פתרון</a:t>
-            </a:r>
-            <a:endParaRPr lang="en-US" sz="4200" b="1" kern="0" dirty="0">
-              <a:solidFill>
-                <a:srgbClr val="006633"/>
-              </a:solidFill>
-              <a:latin typeface="Garamond"/>
-              <a:ea typeface="+mj-ea"/>
-              <a:cs typeface="Arial"/>
-            </a:endParaRPr>
-          </a:p>
-        </p:txBody>
-      </p:sp>
-      <p:sp>
-        <p:nvSpPr>
-          <p:cNvPr id="3" name="TextBox 2">
-            <a:extLst>
-              <a:ext uri="{FF2B5EF4-FFF2-40B4-BE49-F238E27FC236}">
-                <a16:creationId xmlns:a16="http://schemas.microsoft.com/office/drawing/2014/main" id="{FE4B9442-88E5-BA68-82B0-142DED7FBA51}"/>
-              </a:ext>
-            </a:extLst>
-          </p:cNvPr>
-          <p:cNvSpPr txBox="1"/>
-          <p:nvPr/>
-        </p:nvSpPr>
-        <p:spPr>
-          <a:xfrm>
-            <a:off x="616056" y="1447715"/>
-            <a:ext cx="11405461" cy="4893647"/>
-          </a:xfrm>
-          <a:prstGeom prst="rect">
-            <a:avLst/>
-          </a:prstGeom>
-          <a:noFill/>
-        </p:spPr>
-        <p:txBody>
-          <a:bodyPr wrap="square">
-            <a:spAutoFit/>
-          </a:bodyPr>
-          <a:lstStyle/>
-          <a:p>
-            <a:pPr algn="l"/>
-            <a:r>
-              <a:rPr lang="en-US" sz="2400" dirty="0">
-                <a:solidFill>
-                  <a:srgbClr val="1A202C"/>
-                </a:solidFill>
-                <a:latin typeface="Avenir Demi" panose="02000503020000020003" pitchFamily="2" charset="0"/>
-              </a:rPr>
-              <a:t>To support finding minimum, maximum, or k-</a:t>
-            </a:r>
-            <a:r>
-              <a:rPr lang="en-US" sz="2400" dirty="0" err="1">
-                <a:solidFill>
-                  <a:srgbClr val="1A202C"/>
-                </a:solidFill>
-                <a:latin typeface="Avenir Demi" panose="02000503020000020003" pitchFamily="2" charset="0"/>
-              </a:rPr>
-              <a:t>th</a:t>
-            </a:r>
-            <a:r>
-              <a:rPr lang="en-US" sz="2400" dirty="0">
-                <a:solidFill>
-                  <a:srgbClr val="1A202C"/>
-                </a:solidFill>
-                <a:latin typeface="Avenir Demi" panose="02000503020000020003" pitchFamily="2" charset="0"/>
-              </a:rPr>
-              <a:t> smallest elements efficiently, AVL Trees utilize the following modifications:</a:t>
-            </a:r>
-          </a:p>
-          <a:p>
-            <a:pPr algn="l"/>
-            <a:r>
-              <a:rPr lang="en-US" sz="2400" dirty="0">
-                <a:solidFill>
-                  <a:srgbClr val="1A202C"/>
-                </a:solidFill>
-                <a:latin typeface="Avenir Demi" panose="02000503020000020003" pitchFamily="2" charset="0"/>
-              </a:rPr>
-              <a:t>1. Store subtree size: Each node stores the number of nodes in its subtree, including itself. This helps determine the rank of an element and find the k-</a:t>
-            </a:r>
-            <a:r>
-              <a:rPr lang="en-US" sz="2400" dirty="0" err="1">
-                <a:solidFill>
-                  <a:srgbClr val="1A202C"/>
-                </a:solidFill>
-                <a:latin typeface="Avenir Demi" panose="02000503020000020003" pitchFamily="2" charset="0"/>
-              </a:rPr>
-              <a:t>th</a:t>
-            </a:r>
-            <a:r>
-              <a:rPr lang="en-US" sz="2400" dirty="0">
-                <a:solidFill>
-                  <a:srgbClr val="1A202C"/>
-                </a:solidFill>
-                <a:latin typeface="Avenir Demi" panose="02000503020000020003" pitchFamily="2" charset="0"/>
-              </a:rPr>
-              <a:t> smallest element.</a:t>
-            </a:r>
-            <a:br>
-              <a:rPr lang="en-US" sz="2400" dirty="0">
-                <a:solidFill>
-                  <a:srgbClr val="1A202C"/>
-                </a:solidFill>
-                <a:latin typeface="Avenir Demi" panose="02000503020000020003" pitchFamily="2" charset="0"/>
-              </a:rPr>
-            </a:br>
-            <a:r>
-              <a:rPr lang="en-US" sz="2400" dirty="0">
-                <a:solidFill>
-                  <a:srgbClr val="1A202C"/>
-                </a:solidFill>
-                <a:latin typeface="Avenir Demi" panose="02000503020000020003" pitchFamily="2" charset="0"/>
-              </a:rPr>
-              <a:t>2. Update subtree sizes: When performing rotations (single or double) during insertion or deletion, update the subtree sizes accordingly for affected nodes.</a:t>
-            </a:r>
-            <a:br>
-              <a:rPr lang="en-US" sz="2400" dirty="0">
-                <a:solidFill>
-                  <a:srgbClr val="1A202C"/>
-                </a:solidFill>
-                <a:latin typeface="Avenir Demi" panose="02000503020000020003" pitchFamily="2" charset="0"/>
-              </a:rPr>
-            </a:br>
-            <a:r>
-              <a:rPr lang="en-US" sz="2400" dirty="0">
-                <a:solidFill>
-                  <a:srgbClr val="1A202C"/>
-                </a:solidFill>
-                <a:latin typeface="Avenir Demi" panose="02000503020000020003" pitchFamily="2" charset="0"/>
-              </a:rPr>
-              <a:t>3. Find minimum/maximum: Traverse left/right from the root until a null child is reached; this takes O(log n) time due to height balancing.</a:t>
-            </a:r>
-            <a:br>
-              <a:rPr lang="en-US" sz="2400" dirty="0">
-                <a:solidFill>
-                  <a:srgbClr val="1A202C"/>
-                </a:solidFill>
-                <a:latin typeface="Avenir Demi" panose="02000503020000020003" pitchFamily="2" charset="0"/>
-              </a:rPr>
-            </a:br>
-            <a:r>
-              <a:rPr lang="en-US" sz="2400" dirty="0">
-                <a:solidFill>
-                  <a:srgbClr val="1A202C"/>
-                </a:solidFill>
-                <a:latin typeface="Avenir Demi" panose="02000503020000020003" pitchFamily="2" charset="0"/>
-              </a:rPr>
-              <a:t>4. K-</a:t>
-            </a:r>
-            <a:r>
-              <a:rPr lang="en-US" sz="2400" dirty="0" err="1">
-                <a:solidFill>
-                  <a:srgbClr val="1A202C"/>
-                </a:solidFill>
-                <a:latin typeface="Avenir Demi" panose="02000503020000020003" pitchFamily="2" charset="0"/>
-              </a:rPr>
-              <a:t>th</a:t>
-            </a:r>
-            <a:r>
-              <a:rPr lang="en-US" sz="2400" dirty="0">
-                <a:solidFill>
-                  <a:srgbClr val="1A202C"/>
-                </a:solidFill>
-                <a:latin typeface="Avenir Demi" panose="02000503020000020003" pitchFamily="2" charset="0"/>
-              </a:rPr>
-              <a:t> smallest element: Starting at the root, compare k with the size of the left subtree. If equal, return the current node’s value; if less, recurse on the left subtree; otherwise, subtract the left subtree size plus one and recurse on the right subtree.</a:t>
-            </a:r>
-          </a:p>
-        </p:txBody>
-      </p:sp>
-    </p:spTree>
-    <p:extLst>
-      <p:ext uri="{BB962C8B-B14F-4D97-AF65-F5344CB8AC3E}">
-        <p14:creationId xmlns:p14="http://schemas.microsoft.com/office/powerpoint/2010/main" val="3497765117"/>
-      </p:ext>
-    </p:extLst>
-  </p:cSld>
-  <p:clrMapOvr>
-    <a:masterClrMapping/>
-  </p:clrMapOvr>
-</p:sld>
-</file>
-
-<file path=ppt/slides/slide22.xml><?xml version="1.0" encoding="utf-8"?>
-<p:sld xmlns:a="http://schemas.openxmlformats.org/drawingml/2006/main" xmlns:r="http://schemas.openxmlformats.org/officeDocument/2006/relationships" xmlns:p="http://schemas.openxmlformats.org/presentationml/2006/main">
-  <p:cSld>
-    <p:bg>
-      <p:bgPr>
-        <a:blipFill dpi="0" rotWithShape="1">
           <a:blip r:embed="rId2">
             <a:lum/>
           </a:blip>
@@ -16483,7 +15851,7 @@
         </p:nvSpPr>
         <p:spPr>
           <a:xfrm>
-            <a:off x="4432300" y="1968500"/>
+            <a:off x="4432300" y="1981752"/>
             <a:ext cx="6718300" cy="400110"/>
           </a:xfrm>
           <a:prstGeom prst="rect">
